--- a/1-general/1-presentaciones/planificacion-control-presentacion-v1.pptx
+++ b/1-general/1-presentaciones/planificacion-control-presentacion-v1.pptx
@@ -7641,37 +7641,37 @@
     </dgm:pt>
   </dgm:ptLst>
   <dgm:cxnLst>
+    <dgm:cxn modelId="{D7B8DDF6-9BC6-4956-892C-C7EE2EA19546}" type="presOf" srcId="{8105C1F0-2A26-4964-AF3D-E728DDCDED90}" destId="{445F0B0A-4D06-4045-8F6A-475228F3BCC0}" srcOrd="1" destOrd="0" presId="urn:microsoft.com/office/officeart/2008/layout/HorizontalMultiLevelHierarchy"/>
+    <dgm:cxn modelId="{8CC531BF-6B0C-4C6B-905C-700B4B65EF01}" srcId="{A03F83E2-CCCF-47BB-9CD1-12393B711333}" destId="{0E2B2BD6-3A71-4A8E-9C28-4874A1A5C659}" srcOrd="1" destOrd="0" parTransId="{5F07DD98-39B4-4DEE-A0E9-4E7910635D7B}" sibTransId="{1BF9F04F-A469-4F7F-8133-FE4C80CD3C65}"/>
+    <dgm:cxn modelId="{9E2CD16D-A7FA-4542-A989-AEEDF6EB4170}" type="presOf" srcId="{20A43696-6848-4871-B4A3-6C7FDD9EE17B}" destId="{A354672C-ADF0-431C-915E-716673A643A6}" srcOrd="1" destOrd="0" presId="urn:microsoft.com/office/officeart/2008/layout/HorizontalMultiLevelHierarchy"/>
+    <dgm:cxn modelId="{9AD95F0D-2F58-4A6B-A233-55EC6639D470}" srcId="{AF179C54-B57B-408D-BDE9-2BDEB0765DD2}" destId="{1E282AA9-ED61-4FAA-82C7-DE4C7AE41CDA}" srcOrd="1" destOrd="0" parTransId="{94445E06-501E-450B-BBFD-09E749148A38}" sibTransId="{4CA0239A-F4AC-4BA9-B163-7F3B80DC2687}"/>
+    <dgm:cxn modelId="{90206289-6921-437C-AFB9-33D3D3B75883}" srcId="{A03F83E2-CCCF-47BB-9CD1-12393B711333}" destId="{AF179C54-B57B-408D-BDE9-2BDEB0765DD2}" srcOrd="0" destOrd="0" parTransId="{33227F52-F13D-41E6-8D46-914FBB653834}" sibTransId="{A6E0469A-ABA0-4E31-814D-5BF99410BB7D}"/>
+    <dgm:cxn modelId="{00E8A77B-8F4B-4F27-951F-3AA08856A958}" srcId="{720EFA00-509A-4FDB-B489-F55997DA4815}" destId="{A03F83E2-CCCF-47BB-9CD1-12393B711333}" srcOrd="0" destOrd="0" parTransId="{7776BC70-2591-4232-83E0-2FF98222B332}" sibTransId="{5E7671F6-F3F4-412B-8B2C-0907BBC17F13}"/>
+    <dgm:cxn modelId="{D5E7D1EE-D3AB-4B20-A62E-FB07054D5EDA}" type="presOf" srcId="{D1B07CCF-1107-4B36-93F8-38E94B6FB38B}" destId="{B5147B65-63F3-4120-A919-A55F2BD4427C}" srcOrd="1" destOrd="0" presId="urn:microsoft.com/office/officeart/2008/layout/HorizontalMultiLevelHierarchy"/>
+    <dgm:cxn modelId="{5393E86F-AFA9-493A-A90D-A61EF79070B7}" srcId="{BF8BDD4F-1965-4D49-B8E9-6A79F8CC0BE4}" destId="{219EFAF0-002F-46EF-972D-E1E437CFF65F}" srcOrd="0" destOrd="0" parTransId="{D1B07CCF-1107-4B36-93F8-38E94B6FB38B}" sibTransId="{3CD6A495-BD7C-4318-87FE-BD9A9D746BD3}"/>
+    <dgm:cxn modelId="{3F86B4EC-8C5D-4CBA-8DA6-5BC163D58E4F}" type="presOf" srcId="{219EFAF0-002F-46EF-972D-E1E437CFF65F}" destId="{5CE5D322-BA87-4990-84D0-5A0B0518A2FF}" srcOrd="0" destOrd="0" presId="urn:microsoft.com/office/officeart/2008/layout/HorizontalMultiLevelHierarchy"/>
+    <dgm:cxn modelId="{052CFBA7-28DF-45FB-8760-7DC82D4BB549}" type="presOf" srcId="{A03F83E2-CCCF-47BB-9CD1-12393B711333}" destId="{31E64B96-C882-47F3-87A4-8DA3D6A8DC44}" srcOrd="0" destOrd="0" presId="urn:microsoft.com/office/officeart/2008/layout/HorizontalMultiLevelHierarchy"/>
+    <dgm:cxn modelId="{8D5E2E7D-0B99-4F44-830B-5F5AF0FEAEF9}" type="presOf" srcId="{5F07DD98-39B4-4DEE-A0E9-4E7910635D7B}" destId="{D9D035CF-221D-4DB1-9989-83377C157981}" srcOrd="1" destOrd="0" presId="urn:microsoft.com/office/officeart/2008/layout/HorizontalMultiLevelHierarchy"/>
+    <dgm:cxn modelId="{BD109F98-745D-4DA6-AA83-A29135C2E67A}" type="presOf" srcId="{720EFA00-509A-4FDB-B489-F55997DA4815}" destId="{BF3CE27F-A926-4832-9596-8AD73A62E47D}" srcOrd="0" destOrd="0" presId="urn:microsoft.com/office/officeart/2008/layout/HorizontalMultiLevelHierarchy"/>
+    <dgm:cxn modelId="{B93E0629-012B-4578-868A-049013EF4D3C}" type="presOf" srcId="{4E5F74C5-8EAE-428D-9637-08BC06611BAC}" destId="{BB5C8451-1264-4FAE-AEAF-165CE1A7F18C}" srcOrd="0" destOrd="0" presId="urn:microsoft.com/office/officeart/2008/layout/HorizontalMultiLevelHierarchy"/>
+    <dgm:cxn modelId="{9206BD2B-C6E5-4FCF-90B2-8D579A41CBE4}" type="presOf" srcId="{BF8BDD4F-1965-4D49-B8E9-6A79F8CC0BE4}" destId="{4132BC25-68D7-4507-AB94-07EF563B05C4}" srcOrd="0" destOrd="0" presId="urn:microsoft.com/office/officeart/2008/layout/HorizontalMultiLevelHierarchy"/>
+    <dgm:cxn modelId="{8F8DC0F7-92A7-48CE-A806-A97BC4FF566C}" type="presOf" srcId="{33227F52-F13D-41E6-8D46-914FBB653834}" destId="{3596342D-8918-4225-B1E7-789C29FD1298}" srcOrd="0" destOrd="0" presId="urn:microsoft.com/office/officeart/2008/layout/HorizontalMultiLevelHierarchy"/>
+    <dgm:cxn modelId="{F4A7B7CC-C3E1-406A-BCFA-2E6A24C44B08}" type="presOf" srcId="{5F07DD98-39B4-4DEE-A0E9-4E7910635D7B}" destId="{9B37385B-0A87-4C99-856A-FD3C24B309E3}" srcOrd="0" destOrd="0" presId="urn:microsoft.com/office/officeart/2008/layout/HorizontalMultiLevelHierarchy"/>
+    <dgm:cxn modelId="{91204191-DAF0-44C0-BAEB-0186D91989FE}" srcId="{0E2B2BD6-3A71-4A8E-9C28-4874A1A5C659}" destId="{55597822-A172-4086-860D-EBE04186A581}" srcOrd="0" destOrd="0" parTransId="{8105C1F0-2A26-4964-AF3D-E728DDCDED90}" sibTransId="{A0DB2641-5680-40A2-85C5-80015146D839}"/>
+    <dgm:cxn modelId="{E5D8ABD6-C5C4-4ED8-8EB0-2F5AE716802B}" srcId="{A03F83E2-CCCF-47BB-9CD1-12393B711333}" destId="{BF8BDD4F-1965-4D49-B8E9-6A79F8CC0BE4}" srcOrd="2" destOrd="0" parTransId="{20A43696-6848-4871-B4A3-6C7FDD9EE17B}" sibTransId="{EB9EA9E9-F4C1-4BEC-AAAA-FEA49B5796EA}"/>
+    <dgm:cxn modelId="{81E58834-91A2-4103-83AF-6592A3148627}" type="presOf" srcId="{94445E06-501E-450B-BBFD-09E749148A38}" destId="{565B8E1E-47E2-403F-89AF-91963D5A2D0E}" srcOrd="0" destOrd="0" presId="urn:microsoft.com/office/officeart/2008/layout/HorizontalMultiLevelHierarchy"/>
     <dgm:cxn modelId="{98D83EEA-990C-403D-A817-C656390CD48E}" type="presOf" srcId="{4E5F74C5-8EAE-428D-9637-08BC06611BAC}" destId="{46C28522-FEB6-48CB-9574-47290096F8DB}" srcOrd="1" destOrd="0" presId="urn:microsoft.com/office/officeart/2008/layout/HorizontalMultiLevelHierarchy"/>
-    <dgm:cxn modelId="{8F8DC0F7-92A7-48CE-A806-A97BC4FF566C}" type="presOf" srcId="{33227F52-F13D-41E6-8D46-914FBB653834}" destId="{3596342D-8918-4225-B1E7-789C29FD1298}" srcOrd="0" destOrd="0" presId="urn:microsoft.com/office/officeart/2008/layout/HorizontalMultiLevelHierarchy"/>
+    <dgm:cxn modelId="{64955A08-0B2B-47FC-BDF6-44F65C6255CC}" type="presOf" srcId="{55597822-A172-4086-860D-EBE04186A581}" destId="{2A794D88-4908-425D-AA77-16BF010E8BBB}" srcOrd="0" destOrd="0" presId="urn:microsoft.com/office/officeart/2008/layout/HorizontalMultiLevelHierarchy"/>
+    <dgm:cxn modelId="{A3051986-D9EA-4AC0-8F44-33BF03F707FC}" type="presOf" srcId="{8105C1F0-2A26-4964-AF3D-E728DDCDED90}" destId="{3EA4030A-5E48-487D-A341-7CCF6720ED62}" srcOrd="0" destOrd="0" presId="urn:microsoft.com/office/officeart/2008/layout/HorizontalMultiLevelHierarchy"/>
+    <dgm:cxn modelId="{D4BC6C5D-6D2E-4396-8D3A-507CBFAB4C61}" type="presOf" srcId="{AF179C54-B57B-408D-BDE9-2BDEB0765DD2}" destId="{043C0189-1075-4A18-BA85-08B9FB1857B9}" srcOrd="0" destOrd="0" presId="urn:microsoft.com/office/officeart/2008/layout/HorizontalMultiLevelHierarchy"/>
+    <dgm:cxn modelId="{14EFEA23-40AD-4A8B-AE44-5E2C88606C38}" type="presOf" srcId="{0E2B2BD6-3A71-4A8E-9C28-4874A1A5C659}" destId="{D0E53D41-CA14-4EAE-8C3E-A7540DA1EB41}" srcOrd="0" destOrd="0" presId="urn:microsoft.com/office/officeart/2008/layout/HorizontalMultiLevelHierarchy"/>
     <dgm:cxn modelId="{9083DB15-AA58-4FC3-8577-914F827E1D73}" type="presOf" srcId="{94445E06-501E-450B-BBFD-09E749148A38}" destId="{8A3E8720-CEF8-45BC-8475-97631E8A01E1}" srcOrd="1" destOrd="0" presId="urn:microsoft.com/office/officeart/2008/layout/HorizontalMultiLevelHierarchy"/>
-    <dgm:cxn modelId="{91204191-DAF0-44C0-BAEB-0186D91989FE}" srcId="{0E2B2BD6-3A71-4A8E-9C28-4874A1A5C659}" destId="{55597822-A172-4086-860D-EBE04186A581}" srcOrd="0" destOrd="0" parTransId="{8105C1F0-2A26-4964-AF3D-E728DDCDED90}" sibTransId="{A0DB2641-5680-40A2-85C5-80015146D839}"/>
-    <dgm:cxn modelId="{D5E7D1EE-D3AB-4B20-A62E-FB07054D5EDA}" type="presOf" srcId="{D1B07CCF-1107-4B36-93F8-38E94B6FB38B}" destId="{B5147B65-63F3-4120-A919-A55F2BD4427C}" srcOrd="1" destOrd="0" presId="urn:microsoft.com/office/officeart/2008/layout/HorizontalMultiLevelHierarchy"/>
+    <dgm:cxn modelId="{C79D3E8B-9F58-457D-8264-AAAA25CDE28C}" type="presOf" srcId="{20A43696-6848-4871-B4A3-6C7FDD9EE17B}" destId="{69BC4DB8-8562-4B66-9E4A-31583130A36F}" srcOrd="0" destOrd="0" presId="urn:microsoft.com/office/officeart/2008/layout/HorizontalMultiLevelHierarchy"/>
+    <dgm:cxn modelId="{6DF867E5-BB72-4432-9815-6205B71F2B9D}" srcId="{AF179C54-B57B-408D-BDE9-2BDEB0765DD2}" destId="{78D755A6-A1CC-4BED-A1C5-F5C115F0DF8E}" srcOrd="0" destOrd="0" parTransId="{4E5F74C5-8EAE-428D-9637-08BC06611BAC}" sibTransId="{3FC8D8CB-7ACC-4745-AA3E-FD7EDC34FA97}"/>
     <dgm:cxn modelId="{0F30E551-E831-49AB-9910-787B6B8B280A}" type="presOf" srcId="{D1B07CCF-1107-4B36-93F8-38E94B6FB38B}" destId="{F556C646-6463-470A-A703-52A91AC3EBB7}" srcOrd="0" destOrd="0" presId="urn:microsoft.com/office/officeart/2008/layout/HorizontalMultiLevelHierarchy"/>
-    <dgm:cxn modelId="{9AD95F0D-2F58-4A6B-A233-55EC6639D470}" srcId="{AF179C54-B57B-408D-BDE9-2BDEB0765DD2}" destId="{1E282AA9-ED61-4FAA-82C7-DE4C7AE41CDA}" srcOrd="1" destOrd="0" parTransId="{94445E06-501E-450B-BBFD-09E749148A38}" sibTransId="{4CA0239A-F4AC-4BA9-B163-7F3B80DC2687}"/>
-    <dgm:cxn modelId="{81E58834-91A2-4103-83AF-6592A3148627}" type="presOf" srcId="{94445E06-501E-450B-BBFD-09E749148A38}" destId="{565B8E1E-47E2-403F-89AF-91963D5A2D0E}" srcOrd="0" destOrd="0" presId="urn:microsoft.com/office/officeart/2008/layout/HorizontalMultiLevelHierarchy"/>
-    <dgm:cxn modelId="{F4A7B7CC-C3E1-406A-BCFA-2E6A24C44B08}" type="presOf" srcId="{5F07DD98-39B4-4DEE-A0E9-4E7910635D7B}" destId="{9B37385B-0A87-4C99-856A-FD3C24B309E3}" srcOrd="0" destOrd="0" presId="urn:microsoft.com/office/officeart/2008/layout/HorizontalMultiLevelHierarchy"/>
-    <dgm:cxn modelId="{E5D8ABD6-C5C4-4ED8-8EB0-2F5AE716802B}" srcId="{A03F83E2-CCCF-47BB-9CD1-12393B711333}" destId="{BF8BDD4F-1965-4D49-B8E9-6A79F8CC0BE4}" srcOrd="2" destOrd="0" parTransId="{20A43696-6848-4871-B4A3-6C7FDD9EE17B}" sibTransId="{EB9EA9E9-F4C1-4BEC-AAAA-FEA49B5796EA}"/>
-    <dgm:cxn modelId="{8CC531BF-6B0C-4C6B-905C-700B4B65EF01}" srcId="{A03F83E2-CCCF-47BB-9CD1-12393B711333}" destId="{0E2B2BD6-3A71-4A8E-9C28-4874A1A5C659}" srcOrd="1" destOrd="0" parTransId="{5F07DD98-39B4-4DEE-A0E9-4E7910635D7B}" sibTransId="{1BF9F04F-A469-4F7F-8133-FE4C80CD3C65}"/>
-    <dgm:cxn modelId="{BD109F98-745D-4DA6-AA83-A29135C2E67A}" type="presOf" srcId="{720EFA00-509A-4FDB-B489-F55997DA4815}" destId="{BF3CE27F-A926-4832-9596-8AD73A62E47D}" srcOrd="0" destOrd="0" presId="urn:microsoft.com/office/officeart/2008/layout/HorizontalMultiLevelHierarchy"/>
+    <dgm:cxn modelId="{3850040F-1B17-41F8-84D3-D496E53363CA}" type="presOf" srcId="{1E282AA9-ED61-4FAA-82C7-DE4C7AE41CDA}" destId="{7A9A3915-C999-4D47-A67A-AB8DE4CED854}" srcOrd="0" destOrd="0" presId="urn:microsoft.com/office/officeart/2008/layout/HorizontalMultiLevelHierarchy"/>
     <dgm:cxn modelId="{6DFF1741-8423-42E5-99CF-FB2211F09AB8}" type="presOf" srcId="{33227F52-F13D-41E6-8D46-914FBB653834}" destId="{AD43E0CD-2AEA-46FB-B14B-002577C4E71B}" srcOrd="1" destOrd="0" presId="urn:microsoft.com/office/officeart/2008/layout/HorizontalMultiLevelHierarchy"/>
-    <dgm:cxn modelId="{9E2CD16D-A7FA-4542-A989-AEEDF6EB4170}" type="presOf" srcId="{20A43696-6848-4871-B4A3-6C7FDD9EE17B}" destId="{A354672C-ADF0-431C-915E-716673A643A6}" srcOrd="1" destOrd="0" presId="urn:microsoft.com/office/officeart/2008/layout/HorizontalMultiLevelHierarchy"/>
-    <dgm:cxn modelId="{00E8A77B-8F4B-4F27-951F-3AA08856A958}" srcId="{720EFA00-509A-4FDB-B489-F55997DA4815}" destId="{A03F83E2-CCCF-47BB-9CD1-12393B711333}" srcOrd="0" destOrd="0" parTransId="{7776BC70-2591-4232-83E0-2FF98222B332}" sibTransId="{5E7671F6-F3F4-412B-8B2C-0907BBC17F13}"/>
-    <dgm:cxn modelId="{90206289-6921-437C-AFB9-33D3D3B75883}" srcId="{A03F83E2-CCCF-47BB-9CD1-12393B711333}" destId="{AF179C54-B57B-408D-BDE9-2BDEB0765DD2}" srcOrd="0" destOrd="0" parTransId="{33227F52-F13D-41E6-8D46-914FBB653834}" sibTransId="{A6E0469A-ABA0-4E31-814D-5BF99410BB7D}"/>
-    <dgm:cxn modelId="{052CFBA7-28DF-45FB-8760-7DC82D4BB549}" type="presOf" srcId="{A03F83E2-CCCF-47BB-9CD1-12393B711333}" destId="{31E64B96-C882-47F3-87A4-8DA3D6A8DC44}" srcOrd="0" destOrd="0" presId="urn:microsoft.com/office/officeart/2008/layout/HorizontalMultiLevelHierarchy"/>
-    <dgm:cxn modelId="{A3051986-D9EA-4AC0-8F44-33BF03F707FC}" type="presOf" srcId="{8105C1F0-2A26-4964-AF3D-E728DDCDED90}" destId="{3EA4030A-5E48-487D-A341-7CCF6720ED62}" srcOrd="0" destOrd="0" presId="urn:microsoft.com/office/officeart/2008/layout/HorizontalMultiLevelHierarchy"/>
-    <dgm:cxn modelId="{9206BD2B-C6E5-4FCF-90B2-8D579A41CBE4}" type="presOf" srcId="{BF8BDD4F-1965-4D49-B8E9-6A79F8CC0BE4}" destId="{4132BC25-68D7-4507-AB94-07EF563B05C4}" srcOrd="0" destOrd="0" presId="urn:microsoft.com/office/officeart/2008/layout/HorizontalMultiLevelHierarchy"/>
-    <dgm:cxn modelId="{14EFEA23-40AD-4A8B-AE44-5E2C88606C38}" type="presOf" srcId="{0E2B2BD6-3A71-4A8E-9C28-4874A1A5C659}" destId="{D0E53D41-CA14-4EAE-8C3E-A7540DA1EB41}" srcOrd="0" destOrd="0" presId="urn:microsoft.com/office/officeart/2008/layout/HorizontalMultiLevelHierarchy"/>
-    <dgm:cxn modelId="{3850040F-1B17-41F8-84D3-D496E53363CA}" type="presOf" srcId="{1E282AA9-ED61-4FAA-82C7-DE4C7AE41CDA}" destId="{7A9A3915-C999-4D47-A67A-AB8DE4CED854}" srcOrd="0" destOrd="0" presId="urn:microsoft.com/office/officeart/2008/layout/HorizontalMultiLevelHierarchy"/>
-    <dgm:cxn modelId="{5393E86F-AFA9-493A-A90D-A61EF79070B7}" srcId="{BF8BDD4F-1965-4D49-B8E9-6A79F8CC0BE4}" destId="{219EFAF0-002F-46EF-972D-E1E437CFF65F}" srcOrd="0" destOrd="0" parTransId="{D1B07CCF-1107-4B36-93F8-38E94B6FB38B}" sibTransId="{3CD6A495-BD7C-4318-87FE-BD9A9D746BD3}"/>
-    <dgm:cxn modelId="{C79D3E8B-9F58-457D-8264-AAAA25CDE28C}" type="presOf" srcId="{20A43696-6848-4871-B4A3-6C7FDD9EE17B}" destId="{69BC4DB8-8562-4B66-9E4A-31583130A36F}" srcOrd="0" destOrd="0" presId="urn:microsoft.com/office/officeart/2008/layout/HorizontalMultiLevelHierarchy"/>
-    <dgm:cxn modelId="{D4BC6C5D-6D2E-4396-8D3A-507CBFAB4C61}" type="presOf" srcId="{AF179C54-B57B-408D-BDE9-2BDEB0765DD2}" destId="{043C0189-1075-4A18-BA85-08B9FB1857B9}" srcOrd="0" destOrd="0" presId="urn:microsoft.com/office/officeart/2008/layout/HorizontalMultiLevelHierarchy"/>
     <dgm:cxn modelId="{B592578C-4E26-4D25-970E-EC948F57343E}" type="presOf" srcId="{78D755A6-A1CC-4BED-A1C5-F5C115F0DF8E}" destId="{2DC478F8-2C6E-47C2-A257-6261FBCCC836}" srcOrd="0" destOrd="0" presId="urn:microsoft.com/office/officeart/2008/layout/HorizontalMultiLevelHierarchy"/>
-    <dgm:cxn modelId="{D7B8DDF6-9BC6-4956-892C-C7EE2EA19546}" type="presOf" srcId="{8105C1F0-2A26-4964-AF3D-E728DDCDED90}" destId="{445F0B0A-4D06-4045-8F6A-475228F3BCC0}" srcOrd="1" destOrd="0" presId="urn:microsoft.com/office/officeart/2008/layout/HorizontalMultiLevelHierarchy"/>
-    <dgm:cxn modelId="{3F86B4EC-8C5D-4CBA-8DA6-5BC163D58E4F}" type="presOf" srcId="{219EFAF0-002F-46EF-972D-E1E437CFF65F}" destId="{5CE5D322-BA87-4990-84D0-5A0B0518A2FF}" srcOrd="0" destOrd="0" presId="urn:microsoft.com/office/officeart/2008/layout/HorizontalMultiLevelHierarchy"/>
-    <dgm:cxn modelId="{8D5E2E7D-0B99-4F44-830B-5F5AF0FEAEF9}" type="presOf" srcId="{5F07DD98-39B4-4DEE-A0E9-4E7910635D7B}" destId="{D9D035CF-221D-4DB1-9989-83377C157981}" srcOrd="1" destOrd="0" presId="urn:microsoft.com/office/officeart/2008/layout/HorizontalMultiLevelHierarchy"/>
-    <dgm:cxn modelId="{6DF867E5-BB72-4432-9815-6205B71F2B9D}" srcId="{AF179C54-B57B-408D-BDE9-2BDEB0765DD2}" destId="{78D755A6-A1CC-4BED-A1C5-F5C115F0DF8E}" srcOrd="0" destOrd="0" parTransId="{4E5F74C5-8EAE-428D-9637-08BC06611BAC}" sibTransId="{3FC8D8CB-7ACC-4745-AA3E-FD7EDC34FA97}"/>
-    <dgm:cxn modelId="{64955A08-0B2B-47FC-BDF6-44F65C6255CC}" type="presOf" srcId="{55597822-A172-4086-860D-EBE04186A581}" destId="{2A794D88-4908-425D-AA77-16BF010E8BBB}" srcOrd="0" destOrd="0" presId="urn:microsoft.com/office/officeart/2008/layout/HorizontalMultiLevelHierarchy"/>
-    <dgm:cxn modelId="{B93E0629-012B-4578-868A-049013EF4D3C}" type="presOf" srcId="{4E5F74C5-8EAE-428D-9637-08BC06611BAC}" destId="{BB5C8451-1264-4FAE-AEAF-165CE1A7F18C}" srcOrd="0" destOrd="0" presId="urn:microsoft.com/office/officeart/2008/layout/HorizontalMultiLevelHierarchy"/>
     <dgm:cxn modelId="{4A9E5823-8039-4D25-B522-7C3604AA578D}" type="presParOf" srcId="{BF3CE27F-A926-4832-9596-8AD73A62E47D}" destId="{EF85A718-C532-4C23-A38E-7DEA4BA915B7}" srcOrd="0" destOrd="0" presId="urn:microsoft.com/office/officeart/2008/layout/HorizontalMultiLevelHierarchy"/>
     <dgm:cxn modelId="{67EB3656-EF36-4C61-9B23-DF3218C524D3}" type="presParOf" srcId="{EF85A718-C532-4C23-A38E-7DEA4BA915B7}" destId="{31E64B96-C882-47F3-87A4-8DA3D6A8DC44}" srcOrd="0" destOrd="0" presId="urn:microsoft.com/office/officeart/2008/layout/HorizontalMultiLevelHierarchy"/>
     <dgm:cxn modelId="{5C6F207E-91F0-426C-BBA1-37A29FCE0E29}" type="presParOf" srcId="{EF85A718-C532-4C23-A38E-7DEA4BA915B7}" destId="{B9C50D5A-0966-4246-B328-44FD9E825689}" srcOrd="1" destOrd="0" presId="urn:microsoft.com/office/officeart/2008/layout/HorizontalMultiLevelHierarchy"/>
@@ -13011,1362 +13011,6 @@
       <dsp:cNvGrpSpPr/>
     </dsp:nvGrpSpPr>
     <dsp:grpSpPr/>
-    <dsp:sp modelId="{F556C646-6463-470A-A703-52A91AC3EBB7}">
-      <dsp:nvSpPr>
-        <dsp:cNvPr id="0" name=""/>
-        <dsp:cNvSpPr/>
-      </dsp:nvSpPr>
-      <dsp:spPr>
-        <a:xfrm>
-          <a:off x="5238557" y="3165698"/>
-          <a:ext cx="496496" cy="91440"/>
-        </a:xfrm>
-        <a:custGeom>
-          <a:avLst/>
-          <a:gdLst/>
-          <a:ahLst/>
-          <a:cxnLst/>
-          <a:rect l="0" t="0" r="0" b="0"/>
-          <a:pathLst>
-            <a:path>
-              <a:moveTo>
-                <a:pt x="0" y="45720"/>
-              </a:moveTo>
-              <a:lnTo>
-                <a:pt x="496496" y="45720"/>
-              </a:lnTo>
-            </a:path>
-          </a:pathLst>
-        </a:custGeom>
-        <a:noFill/>
-        <a:ln w="15875" cap="flat" cmpd="sng" algn="ctr">
-          <a:solidFill>
-            <a:schemeClr val="bg1">
-              <a:lumMod val="65000"/>
-            </a:schemeClr>
-          </a:solidFill>
-          <a:prstDash val="solid"/>
-        </a:ln>
-        <a:effectLst/>
-      </dsp:spPr>
-      <dsp:style>
-        <a:lnRef idx="2">
-          <a:scrgbClr r="0" g="0" b="0"/>
-        </a:lnRef>
-        <a:fillRef idx="0">
-          <a:scrgbClr r="0" g="0" b="0"/>
-        </a:fillRef>
-        <a:effectRef idx="0">
-          <a:scrgbClr r="0" g="0" b="0"/>
-        </a:effectRef>
-        <a:fontRef idx="minor"/>
-      </dsp:style>
-      <dsp:txBody>
-        <a:bodyPr spcFirstLastPara="0" vert="horz" wrap="square" lIns="12700" tIns="0" rIns="12700" bIns="0" numCol="1" spcCol="1270" anchor="ctr" anchorCtr="0">
-          <a:noAutofit/>
-        </a:bodyPr>
-        <a:lstStyle/>
-        <a:p>
-          <a:pPr lvl="0" algn="ctr" defTabSz="222250">
-            <a:lnSpc>
-              <a:spcPct val="90000"/>
-            </a:lnSpc>
-            <a:spcBef>
-              <a:spcPct val="0"/>
-            </a:spcBef>
-            <a:spcAft>
-              <a:spcPct val="35000"/>
-            </a:spcAft>
-          </a:pPr>
-          <a:endParaRPr lang="es-AR" sz="500" kern="1200"/>
-        </a:p>
-      </dsp:txBody>
-      <dsp:txXfrm>
-        <a:off x="5474393" y="3199006"/>
-        <a:ext cx="24824" cy="24824"/>
-      </dsp:txXfrm>
-    </dsp:sp>
-    <dsp:sp modelId="{69BC4DB8-8562-4B66-9E4A-31583130A36F}">
-      <dsp:nvSpPr>
-        <dsp:cNvPr id="0" name=""/>
-        <dsp:cNvSpPr/>
-      </dsp:nvSpPr>
-      <dsp:spPr>
-        <a:xfrm>
-          <a:off x="2259581" y="2030310"/>
-          <a:ext cx="496496" cy="1181108"/>
-        </a:xfrm>
-        <a:custGeom>
-          <a:avLst/>
-          <a:gdLst/>
-          <a:ahLst/>
-          <a:cxnLst/>
-          <a:rect l="0" t="0" r="0" b="0"/>
-          <a:pathLst>
-            <a:path>
-              <a:moveTo>
-                <a:pt x="0" y="0"/>
-              </a:moveTo>
-              <a:lnTo>
-                <a:pt x="248248" y="0"/>
-              </a:lnTo>
-              <a:lnTo>
-                <a:pt x="248248" y="1181108"/>
-              </a:lnTo>
-              <a:lnTo>
-                <a:pt x="496496" y="1181108"/>
-              </a:lnTo>
-            </a:path>
-          </a:pathLst>
-        </a:custGeom>
-        <a:noFill/>
-        <a:ln w="15875" cap="flat" cmpd="sng" algn="ctr">
-          <a:solidFill>
-            <a:schemeClr val="bg1">
-              <a:lumMod val="65000"/>
-            </a:schemeClr>
-          </a:solidFill>
-          <a:prstDash val="solid"/>
-        </a:ln>
-        <a:effectLst/>
-      </dsp:spPr>
-      <dsp:style>
-        <a:lnRef idx="2">
-          <a:scrgbClr r="0" g="0" b="0"/>
-        </a:lnRef>
-        <a:fillRef idx="0">
-          <a:scrgbClr r="0" g="0" b="0"/>
-        </a:fillRef>
-        <a:effectRef idx="0">
-          <a:scrgbClr r="0" g="0" b="0"/>
-        </a:effectRef>
-        <a:fontRef idx="minor"/>
-      </dsp:style>
-      <dsp:txBody>
-        <a:bodyPr spcFirstLastPara="0" vert="horz" wrap="square" lIns="12700" tIns="0" rIns="12700" bIns="0" numCol="1" spcCol="1270" anchor="ctr" anchorCtr="0">
-          <a:noAutofit/>
-        </a:bodyPr>
-        <a:lstStyle/>
-        <a:p>
-          <a:pPr lvl="0" algn="ctr" defTabSz="222250">
-            <a:lnSpc>
-              <a:spcPct val="90000"/>
-            </a:lnSpc>
-            <a:spcBef>
-              <a:spcPct val="0"/>
-            </a:spcBef>
-            <a:spcAft>
-              <a:spcPct val="35000"/>
-            </a:spcAft>
-          </a:pPr>
-          <a:endParaRPr lang="es-AR" sz="500" kern="1200"/>
-        </a:p>
-      </dsp:txBody>
-      <dsp:txXfrm>
-        <a:off x="2475799" y="2588834"/>
-        <a:ext cx="64060" cy="64060"/>
-      </dsp:txXfrm>
-    </dsp:sp>
-    <dsp:sp modelId="{3EA4030A-5E48-487D-A341-7CCF6720ED62}">
-      <dsp:nvSpPr>
-        <dsp:cNvPr id="0" name=""/>
-        <dsp:cNvSpPr/>
-      </dsp:nvSpPr>
-      <dsp:spPr>
-        <a:xfrm>
-          <a:off x="5238557" y="2219631"/>
-          <a:ext cx="496496" cy="91440"/>
-        </a:xfrm>
-        <a:custGeom>
-          <a:avLst/>
-          <a:gdLst/>
-          <a:ahLst/>
-          <a:cxnLst/>
-          <a:rect l="0" t="0" r="0" b="0"/>
-          <a:pathLst>
-            <a:path>
-              <a:moveTo>
-                <a:pt x="0" y="45720"/>
-              </a:moveTo>
-              <a:lnTo>
-                <a:pt x="496496" y="45720"/>
-              </a:lnTo>
-            </a:path>
-          </a:pathLst>
-        </a:custGeom>
-        <a:noFill/>
-        <a:ln w="15875" cap="flat" cmpd="sng" algn="ctr">
-          <a:solidFill>
-            <a:schemeClr val="bg1">
-              <a:lumMod val="65000"/>
-            </a:schemeClr>
-          </a:solidFill>
-          <a:prstDash val="solid"/>
-        </a:ln>
-        <a:effectLst/>
-      </dsp:spPr>
-      <dsp:style>
-        <a:lnRef idx="2">
-          <a:scrgbClr r="0" g="0" b="0"/>
-        </a:lnRef>
-        <a:fillRef idx="0">
-          <a:scrgbClr r="0" g="0" b="0"/>
-        </a:fillRef>
-        <a:effectRef idx="0">
-          <a:scrgbClr r="0" g="0" b="0"/>
-        </a:effectRef>
-        <a:fontRef idx="minor"/>
-      </dsp:style>
-      <dsp:txBody>
-        <a:bodyPr spcFirstLastPara="0" vert="horz" wrap="square" lIns="12700" tIns="0" rIns="12700" bIns="0" numCol="1" spcCol="1270" anchor="ctr" anchorCtr="0">
-          <a:noAutofit/>
-        </a:bodyPr>
-        <a:lstStyle/>
-        <a:p>
-          <a:pPr lvl="0" algn="ctr" defTabSz="222250">
-            <a:lnSpc>
-              <a:spcPct val="90000"/>
-            </a:lnSpc>
-            <a:spcBef>
-              <a:spcPct val="0"/>
-            </a:spcBef>
-            <a:spcAft>
-              <a:spcPct val="35000"/>
-            </a:spcAft>
-          </a:pPr>
-          <a:endParaRPr lang="es-AR" sz="500" kern="1200"/>
-        </a:p>
-      </dsp:txBody>
-      <dsp:txXfrm>
-        <a:off x="5474393" y="2252939"/>
-        <a:ext cx="24824" cy="24824"/>
-      </dsp:txXfrm>
-    </dsp:sp>
-    <dsp:sp modelId="{9B37385B-0A87-4C99-856A-FD3C24B309E3}">
-      <dsp:nvSpPr>
-        <dsp:cNvPr id="0" name=""/>
-        <dsp:cNvSpPr/>
-      </dsp:nvSpPr>
-      <dsp:spPr>
-        <a:xfrm>
-          <a:off x="2259581" y="2030310"/>
-          <a:ext cx="496496" cy="235040"/>
-        </a:xfrm>
-        <a:custGeom>
-          <a:avLst/>
-          <a:gdLst/>
-          <a:ahLst/>
-          <a:cxnLst/>
-          <a:rect l="0" t="0" r="0" b="0"/>
-          <a:pathLst>
-            <a:path>
-              <a:moveTo>
-                <a:pt x="0" y="0"/>
-              </a:moveTo>
-              <a:lnTo>
-                <a:pt x="248248" y="0"/>
-              </a:lnTo>
-              <a:lnTo>
-                <a:pt x="248248" y="235040"/>
-              </a:lnTo>
-              <a:lnTo>
-                <a:pt x="496496" y="235040"/>
-              </a:lnTo>
-            </a:path>
-          </a:pathLst>
-        </a:custGeom>
-        <a:noFill/>
-        <a:ln w="15875" cap="flat" cmpd="sng" algn="ctr">
-          <a:solidFill>
-            <a:schemeClr val="bg1">
-              <a:lumMod val="65000"/>
-            </a:schemeClr>
-          </a:solidFill>
-          <a:prstDash val="solid"/>
-        </a:ln>
-        <a:effectLst/>
-      </dsp:spPr>
-      <dsp:style>
-        <a:lnRef idx="2">
-          <a:scrgbClr r="0" g="0" b="0"/>
-        </a:lnRef>
-        <a:fillRef idx="0">
-          <a:scrgbClr r="0" g="0" b="0"/>
-        </a:fillRef>
-        <a:effectRef idx="0">
-          <a:scrgbClr r="0" g="0" b="0"/>
-        </a:effectRef>
-        <a:fontRef idx="minor"/>
-      </dsp:style>
-      <dsp:txBody>
-        <a:bodyPr spcFirstLastPara="0" vert="horz" wrap="square" lIns="12700" tIns="0" rIns="12700" bIns="0" numCol="1" spcCol="1270" anchor="ctr" anchorCtr="0">
-          <a:noAutofit/>
-        </a:bodyPr>
-        <a:lstStyle/>
-        <a:p>
-          <a:pPr lvl="0" algn="ctr" defTabSz="222250">
-            <a:lnSpc>
-              <a:spcPct val="90000"/>
-            </a:lnSpc>
-            <a:spcBef>
-              <a:spcPct val="0"/>
-            </a:spcBef>
-            <a:spcAft>
-              <a:spcPct val="35000"/>
-            </a:spcAft>
-          </a:pPr>
-          <a:endParaRPr lang="es-AR" sz="500" kern="1200"/>
-        </a:p>
-      </dsp:txBody>
-      <dsp:txXfrm>
-        <a:off x="2494096" y="2134098"/>
-        <a:ext cx="27466" cy="27466"/>
-      </dsp:txXfrm>
-    </dsp:sp>
-    <dsp:sp modelId="{565B8E1E-47E2-403F-89AF-91963D5A2D0E}">
-      <dsp:nvSpPr>
-        <dsp:cNvPr id="0" name=""/>
-        <dsp:cNvSpPr/>
-      </dsp:nvSpPr>
-      <dsp:spPr>
-        <a:xfrm>
-          <a:off x="5238557" y="849202"/>
-          <a:ext cx="496496" cy="473033"/>
-        </a:xfrm>
-        <a:custGeom>
-          <a:avLst/>
-          <a:gdLst/>
-          <a:ahLst/>
-          <a:cxnLst/>
-          <a:rect l="0" t="0" r="0" b="0"/>
-          <a:pathLst>
-            <a:path>
-              <a:moveTo>
-                <a:pt x="0" y="0"/>
-              </a:moveTo>
-              <a:lnTo>
-                <a:pt x="248248" y="0"/>
-              </a:lnTo>
-              <a:lnTo>
-                <a:pt x="248248" y="473033"/>
-              </a:lnTo>
-              <a:lnTo>
-                <a:pt x="496496" y="473033"/>
-              </a:lnTo>
-            </a:path>
-          </a:pathLst>
-        </a:custGeom>
-        <a:noFill/>
-        <a:ln w="15875" cap="flat" cmpd="sng" algn="ctr">
-          <a:solidFill>
-            <a:schemeClr val="bg1">
-              <a:lumMod val="65000"/>
-            </a:schemeClr>
-          </a:solidFill>
-          <a:prstDash val="solid"/>
-        </a:ln>
-        <a:effectLst/>
-      </dsp:spPr>
-      <dsp:style>
-        <a:lnRef idx="2">
-          <a:scrgbClr r="0" g="0" b="0"/>
-        </a:lnRef>
-        <a:fillRef idx="0">
-          <a:scrgbClr r="0" g="0" b="0"/>
-        </a:fillRef>
-        <a:effectRef idx="0">
-          <a:scrgbClr r="0" g="0" b="0"/>
-        </a:effectRef>
-        <a:fontRef idx="minor"/>
-      </dsp:style>
-      <dsp:txBody>
-        <a:bodyPr spcFirstLastPara="0" vert="horz" wrap="square" lIns="12700" tIns="0" rIns="12700" bIns="0" numCol="1" spcCol="1270" anchor="ctr" anchorCtr="0">
-          <a:noAutofit/>
-        </a:bodyPr>
-        <a:lstStyle/>
-        <a:p>
-          <a:pPr lvl="0" algn="ctr" defTabSz="222250">
-            <a:lnSpc>
-              <a:spcPct val="90000"/>
-            </a:lnSpc>
-            <a:spcBef>
-              <a:spcPct val="0"/>
-            </a:spcBef>
-            <a:spcAft>
-              <a:spcPct val="35000"/>
-            </a:spcAft>
-          </a:pPr>
-          <a:endParaRPr lang="es-AR" sz="500" kern="1200"/>
-        </a:p>
-      </dsp:txBody>
-      <dsp:txXfrm>
-        <a:off x="5469661" y="1068575"/>
-        <a:ext cx="34288" cy="34288"/>
-      </dsp:txXfrm>
-    </dsp:sp>
-    <dsp:sp modelId="{BB5C8451-1264-4FAE-AEAF-165CE1A7F18C}">
-      <dsp:nvSpPr>
-        <dsp:cNvPr id="0" name=""/>
-        <dsp:cNvSpPr/>
-      </dsp:nvSpPr>
-      <dsp:spPr>
-        <a:xfrm>
-          <a:off x="5238557" y="379120"/>
-          <a:ext cx="496496" cy="470081"/>
-        </a:xfrm>
-        <a:custGeom>
-          <a:avLst/>
-          <a:gdLst/>
-          <a:ahLst/>
-          <a:cxnLst/>
-          <a:rect l="0" t="0" r="0" b="0"/>
-          <a:pathLst>
-            <a:path>
-              <a:moveTo>
-                <a:pt x="0" y="470081"/>
-              </a:moveTo>
-              <a:lnTo>
-                <a:pt x="248248" y="470081"/>
-              </a:lnTo>
-              <a:lnTo>
-                <a:pt x="248248" y="0"/>
-              </a:lnTo>
-              <a:lnTo>
-                <a:pt x="496496" y="0"/>
-              </a:lnTo>
-            </a:path>
-          </a:pathLst>
-        </a:custGeom>
-        <a:noFill/>
-        <a:ln w="15875" cap="flat" cmpd="sng" algn="ctr">
-          <a:solidFill>
-            <a:schemeClr val="bg1">
-              <a:lumMod val="65000"/>
-            </a:schemeClr>
-          </a:solidFill>
-          <a:prstDash val="solid"/>
-        </a:ln>
-        <a:effectLst/>
-      </dsp:spPr>
-      <dsp:style>
-        <a:lnRef idx="2">
-          <a:scrgbClr r="0" g="0" b="0"/>
-        </a:lnRef>
-        <a:fillRef idx="0">
-          <a:scrgbClr r="0" g="0" b="0"/>
-        </a:fillRef>
-        <a:effectRef idx="0">
-          <a:scrgbClr r="0" g="0" b="0"/>
-        </a:effectRef>
-        <a:fontRef idx="minor"/>
-      </dsp:style>
-      <dsp:txBody>
-        <a:bodyPr spcFirstLastPara="0" vert="horz" wrap="square" lIns="12700" tIns="0" rIns="12700" bIns="0" numCol="1" spcCol="1270" anchor="ctr" anchorCtr="0">
-          <a:noAutofit/>
-        </a:bodyPr>
-        <a:lstStyle/>
-        <a:p>
-          <a:pPr lvl="0" algn="ctr" defTabSz="222250">
-            <a:lnSpc>
-              <a:spcPct val="90000"/>
-            </a:lnSpc>
-            <a:spcBef>
-              <a:spcPct val="0"/>
-            </a:spcBef>
-            <a:spcAft>
-              <a:spcPct val="35000"/>
-            </a:spcAft>
-          </a:pPr>
-          <a:endParaRPr lang="es-AR" sz="500" kern="1200"/>
-        </a:p>
-      </dsp:txBody>
-      <dsp:txXfrm>
-        <a:off x="5469712" y="597068"/>
-        <a:ext cx="34186" cy="34186"/>
-      </dsp:txXfrm>
-    </dsp:sp>
-    <dsp:sp modelId="{3596342D-8918-4225-B1E7-789C29FD1298}">
-      <dsp:nvSpPr>
-        <dsp:cNvPr id="0" name=""/>
-        <dsp:cNvSpPr/>
-      </dsp:nvSpPr>
-      <dsp:spPr>
-        <a:xfrm>
-          <a:off x="2259581" y="849202"/>
-          <a:ext cx="496496" cy="1181108"/>
-        </a:xfrm>
-        <a:custGeom>
-          <a:avLst/>
-          <a:gdLst/>
-          <a:ahLst/>
-          <a:cxnLst/>
-          <a:rect l="0" t="0" r="0" b="0"/>
-          <a:pathLst>
-            <a:path>
-              <a:moveTo>
-                <a:pt x="0" y="1181108"/>
-              </a:moveTo>
-              <a:lnTo>
-                <a:pt x="248248" y="1181108"/>
-              </a:lnTo>
-              <a:lnTo>
-                <a:pt x="248248" y="0"/>
-              </a:lnTo>
-              <a:lnTo>
-                <a:pt x="496496" y="0"/>
-              </a:lnTo>
-            </a:path>
-          </a:pathLst>
-        </a:custGeom>
-        <a:noFill/>
-        <a:ln w="15875" cap="flat" cmpd="sng" algn="ctr">
-          <a:solidFill>
-            <a:schemeClr val="bg1">
-              <a:lumMod val="65000"/>
-            </a:schemeClr>
-          </a:solidFill>
-          <a:prstDash val="solid"/>
-        </a:ln>
-        <a:effectLst/>
-      </dsp:spPr>
-      <dsp:style>
-        <a:lnRef idx="2">
-          <a:scrgbClr r="0" g="0" b="0"/>
-        </a:lnRef>
-        <a:fillRef idx="0">
-          <a:scrgbClr r="0" g="0" b="0"/>
-        </a:fillRef>
-        <a:effectRef idx="0">
-          <a:scrgbClr r="0" g="0" b="0"/>
-        </a:effectRef>
-        <a:fontRef idx="minor"/>
-      </dsp:style>
-      <dsp:txBody>
-        <a:bodyPr spcFirstLastPara="0" vert="horz" wrap="square" lIns="12700" tIns="0" rIns="12700" bIns="0" numCol="1" spcCol="1270" anchor="ctr" anchorCtr="0">
-          <a:noAutofit/>
-        </a:bodyPr>
-        <a:lstStyle/>
-        <a:p>
-          <a:pPr lvl="0" algn="ctr" defTabSz="222250">
-            <a:lnSpc>
-              <a:spcPct val="90000"/>
-            </a:lnSpc>
-            <a:spcBef>
-              <a:spcPct val="0"/>
-            </a:spcBef>
-            <a:spcAft>
-              <a:spcPct val="35000"/>
-            </a:spcAft>
-          </a:pPr>
-          <a:endParaRPr lang="es-AR" sz="500" kern="1200"/>
-        </a:p>
-      </dsp:txBody>
-      <dsp:txXfrm>
-        <a:off x="2475799" y="1407726"/>
-        <a:ext cx="64060" cy="64060"/>
-      </dsp:txXfrm>
-    </dsp:sp>
-    <dsp:sp modelId="{31E64B96-C882-47F3-87A4-8DA3D6A8DC44}">
-      <dsp:nvSpPr>
-        <dsp:cNvPr id="0" name=""/>
-        <dsp:cNvSpPr/>
-      </dsp:nvSpPr>
-      <dsp:spPr>
-        <a:xfrm rot="16200000">
-          <a:off x="-110565" y="1651883"/>
-          <a:ext cx="3983440" cy="756853"/>
-        </a:xfrm>
-        <a:prstGeom prst="rect">
-          <a:avLst/>
-        </a:prstGeom>
-        <a:solidFill>
-          <a:schemeClr val="bg1">
-            <a:lumMod val="50000"/>
-          </a:schemeClr>
-        </a:solidFill>
-        <a:ln>
-          <a:solidFill>
-            <a:schemeClr val="bg1">
-              <a:lumMod val="65000"/>
-            </a:schemeClr>
-          </a:solidFill>
-        </a:ln>
-        <a:effectLst>
-          <a:outerShdw blurRad="76200" dist="25400" dir="5400000" algn="ctr" rotWithShape="0">
-            <a:srgbClr val="000000">
-              <a:alpha val="60000"/>
-            </a:srgbClr>
-          </a:outerShdw>
-        </a:effectLst>
-        <a:scene3d>
-          <a:camera prst="orthographicFront">
-            <a:rot lat="0" lon="0" rev="0"/>
-          </a:camera>
-          <a:lightRig rig="flat" dir="t">
-            <a:rot lat="0" lon="0" rev="3600000"/>
-          </a:lightRig>
-        </a:scene3d>
-        <a:sp3d contourW="12700" prstMaterial="flat">
-          <a:bevelT w="38100" h="44450" prst="angle"/>
-          <a:contourClr>
-            <a:schemeClr val="accent1">
-              <a:hueOff val="0"/>
-              <a:satOff val="0"/>
-              <a:lumOff val="0"/>
-              <a:alphaOff val="0"/>
-              <a:shade val="35000"/>
-              <a:satMod val="160000"/>
-            </a:schemeClr>
-          </a:contourClr>
-        </a:sp3d>
-      </dsp:spPr>
-      <dsp:style>
-        <a:lnRef idx="0">
-          <a:scrgbClr r="0" g="0" b="0"/>
-        </a:lnRef>
-        <a:fillRef idx="3">
-          <a:scrgbClr r="0" g="0" b="0"/>
-        </a:fillRef>
-        <a:effectRef idx="3">
-          <a:scrgbClr r="0" g="0" b="0"/>
-        </a:effectRef>
-        <a:fontRef idx="minor">
-          <a:schemeClr val="lt1"/>
-        </a:fontRef>
-      </dsp:style>
-      <dsp:txBody>
-        <a:bodyPr spcFirstLastPara="0" vert="horz" wrap="square" lIns="12700" tIns="12700" rIns="12700" bIns="12700" numCol="1" spcCol="1270" anchor="ctr" anchorCtr="0">
-          <a:noAutofit/>
-        </a:bodyPr>
-        <a:lstStyle/>
-        <a:p>
-          <a:pPr lvl="0" algn="ctr" defTabSz="889000" rtl="0">
-            <a:lnSpc>
-              <a:spcPct val="90000"/>
-            </a:lnSpc>
-            <a:spcBef>
-              <a:spcPct val="0"/>
-            </a:spcBef>
-            <a:spcAft>
-              <a:spcPct val="35000"/>
-            </a:spcAft>
-          </a:pPr>
-          <a:r>
-            <a:rPr lang="es-ES" sz="2000" kern="1200" dirty="0" smtClean="0"/>
-            <a:t>Stack de Control</a:t>
-          </a:r>
-          <a:endParaRPr lang="es-AR" sz="2000" kern="1200" dirty="0"/>
-        </a:p>
-      </dsp:txBody>
-      <dsp:txXfrm>
-        <a:off x="-110565" y="1651883"/>
-        <a:ext cx="3983440" cy="756853"/>
-      </dsp:txXfrm>
-    </dsp:sp>
-    <dsp:sp modelId="{043C0189-1075-4A18-BA85-08B9FB1857B9}">
-      <dsp:nvSpPr>
-        <dsp:cNvPr id="0" name=""/>
-        <dsp:cNvSpPr/>
-      </dsp:nvSpPr>
-      <dsp:spPr>
-        <a:xfrm>
-          <a:off x="2756077" y="470775"/>
-          <a:ext cx="2482480" cy="756853"/>
-        </a:xfrm>
-        <a:prstGeom prst="rect">
-          <a:avLst/>
-        </a:prstGeom>
-        <a:solidFill>
-          <a:schemeClr val="bg1">
-            <a:lumMod val="65000"/>
-          </a:schemeClr>
-        </a:solidFill>
-        <a:ln>
-          <a:solidFill>
-            <a:schemeClr val="bg1">
-              <a:lumMod val="65000"/>
-            </a:schemeClr>
-          </a:solidFill>
-        </a:ln>
-        <a:effectLst>
-          <a:outerShdw blurRad="76200" dist="25400" dir="5400000" algn="ctr" rotWithShape="0">
-            <a:srgbClr val="000000">
-              <a:alpha val="60000"/>
-            </a:srgbClr>
-          </a:outerShdw>
-        </a:effectLst>
-        <a:scene3d>
-          <a:camera prst="orthographicFront">
-            <a:rot lat="0" lon="0" rev="0"/>
-          </a:camera>
-          <a:lightRig rig="flat" dir="t">
-            <a:rot lat="0" lon="0" rev="3600000"/>
-          </a:lightRig>
-        </a:scene3d>
-        <a:sp3d contourW="12700" prstMaterial="flat">
-          <a:bevelT w="38100" h="44450" prst="angle"/>
-          <a:contourClr>
-            <a:schemeClr val="accent1">
-              <a:hueOff val="0"/>
-              <a:satOff val="0"/>
-              <a:lumOff val="0"/>
-              <a:alphaOff val="0"/>
-              <a:shade val="35000"/>
-              <a:satMod val="160000"/>
-            </a:schemeClr>
-          </a:contourClr>
-        </a:sp3d>
-      </dsp:spPr>
-      <dsp:style>
-        <a:lnRef idx="0">
-          <a:scrgbClr r="0" g="0" b="0"/>
-        </a:lnRef>
-        <a:fillRef idx="3">
-          <a:scrgbClr r="0" g="0" b="0"/>
-        </a:fillRef>
-        <a:effectRef idx="3">
-          <a:scrgbClr r="0" g="0" b="0"/>
-        </a:effectRef>
-        <a:fontRef idx="minor">
-          <a:schemeClr val="lt1"/>
-        </a:fontRef>
-      </dsp:style>
-      <dsp:txBody>
-        <a:bodyPr spcFirstLastPara="0" vert="horz" wrap="square" lIns="12700" tIns="12700" rIns="12700" bIns="12700" numCol="1" spcCol="1270" anchor="ctr" anchorCtr="0">
-          <a:noAutofit/>
-        </a:bodyPr>
-        <a:lstStyle/>
-        <a:p>
-          <a:pPr lvl="0" algn="ctr" defTabSz="889000" rtl="0">
-            <a:lnSpc>
-              <a:spcPct val="90000"/>
-            </a:lnSpc>
-            <a:spcBef>
-              <a:spcPct val="0"/>
-            </a:spcBef>
-            <a:spcAft>
-              <a:spcPct val="35000"/>
-            </a:spcAft>
-          </a:pPr>
-          <a:r>
-            <a:rPr lang="es-ES" sz="2000" kern="1200" dirty="0" smtClean="0"/>
-            <a:t>Sistema General de Indicadores</a:t>
-          </a:r>
-          <a:endParaRPr lang="es-AR" sz="2000" kern="1200" dirty="0"/>
-        </a:p>
-      </dsp:txBody>
-      <dsp:txXfrm>
-        <a:off x="2756077" y="470775"/>
-        <a:ext cx="2482480" cy="756853"/>
-      </dsp:txXfrm>
-    </dsp:sp>
-    <dsp:sp modelId="{2DC478F8-2C6E-47C2-A257-6261FBCCC836}">
-      <dsp:nvSpPr>
-        <dsp:cNvPr id="0" name=""/>
-        <dsp:cNvSpPr/>
-      </dsp:nvSpPr>
-      <dsp:spPr>
-        <a:xfrm>
-          <a:off x="5735053" y="693"/>
-          <a:ext cx="2482480" cy="756853"/>
-        </a:xfrm>
-        <a:prstGeom prst="rect">
-          <a:avLst/>
-        </a:prstGeom>
-        <a:solidFill>
-          <a:srgbClr val="FF0000"/>
-        </a:solidFill>
-        <a:ln>
-          <a:solidFill>
-            <a:srgbClr val="FF0000"/>
-          </a:solidFill>
-        </a:ln>
-        <a:effectLst>
-          <a:outerShdw blurRad="76200" dist="25400" dir="5400000" algn="ctr" rotWithShape="0">
-            <a:srgbClr val="000000">
-              <a:alpha val="60000"/>
-            </a:srgbClr>
-          </a:outerShdw>
-        </a:effectLst>
-        <a:scene3d>
-          <a:camera prst="orthographicFront">
-            <a:rot lat="0" lon="0" rev="0"/>
-          </a:camera>
-          <a:lightRig rig="flat" dir="t">
-            <a:rot lat="0" lon="0" rev="3600000"/>
-          </a:lightRig>
-        </a:scene3d>
-        <a:sp3d contourW="12700" prstMaterial="flat">
-          <a:bevelT w="38100" h="44450" prst="angle"/>
-          <a:contourClr>
-            <a:schemeClr val="accent1">
-              <a:hueOff val="0"/>
-              <a:satOff val="0"/>
-              <a:lumOff val="0"/>
-              <a:alphaOff val="0"/>
-              <a:shade val="35000"/>
-              <a:satMod val="160000"/>
-            </a:schemeClr>
-          </a:contourClr>
-        </a:sp3d>
-      </dsp:spPr>
-      <dsp:style>
-        <a:lnRef idx="0">
-          <a:scrgbClr r="0" g="0" b="0"/>
-        </a:lnRef>
-        <a:fillRef idx="3">
-          <a:scrgbClr r="0" g="0" b="0"/>
-        </a:fillRef>
-        <a:effectRef idx="3">
-          <a:scrgbClr r="0" g="0" b="0"/>
-        </a:effectRef>
-        <a:fontRef idx="minor">
-          <a:schemeClr val="lt1"/>
-        </a:fontRef>
-      </dsp:style>
-      <dsp:txBody>
-        <a:bodyPr spcFirstLastPara="0" vert="horz" wrap="square" lIns="11430" tIns="11430" rIns="11430" bIns="11430" numCol="1" spcCol="1270" anchor="ctr" anchorCtr="0">
-          <a:noAutofit/>
-        </a:bodyPr>
-        <a:lstStyle/>
-        <a:p>
-          <a:pPr lvl="0" algn="ctr" defTabSz="800100" rtl="0">
-            <a:lnSpc>
-              <a:spcPct val="90000"/>
-            </a:lnSpc>
-            <a:spcBef>
-              <a:spcPct val="0"/>
-            </a:spcBef>
-            <a:spcAft>
-              <a:spcPct val="35000"/>
-            </a:spcAft>
-          </a:pPr>
-          <a:r>
-            <a:rPr lang="es-ES" sz="1800" kern="1200" dirty="0" smtClean="0"/>
-            <a:t>Módulo Panel de Control </a:t>
-          </a:r>
-          <a:r>
-            <a:rPr lang="es-ES" sz="1600" kern="1200" dirty="0" smtClean="0"/>
-            <a:t>(MPC)</a:t>
-          </a:r>
-          <a:endParaRPr lang="es-AR" sz="1800" kern="1200" dirty="0"/>
-        </a:p>
-      </dsp:txBody>
-      <dsp:txXfrm>
-        <a:off x="5735053" y="693"/>
-        <a:ext cx="2482480" cy="756853"/>
-      </dsp:txXfrm>
-    </dsp:sp>
-    <dsp:sp modelId="{7A9A3915-C999-4D47-A67A-AB8DE4CED854}">
-      <dsp:nvSpPr>
-        <dsp:cNvPr id="0" name=""/>
-        <dsp:cNvSpPr/>
-      </dsp:nvSpPr>
-      <dsp:spPr>
-        <a:xfrm>
-          <a:off x="5735053" y="946761"/>
-          <a:ext cx="2482480" cy="750950"/>
-        </a:xfrm>
-        <a:prstGeom prst="rect">
-          <a:avLst/>
-        </a:prstGeom>
-        <a:solidFill>
-          <a:srgbClr val="FF0000"/>
-        </a:solidFill>
-        <a:ln>
-          <a:solidFill>
-            <a:srgbClr val="FF0000"/>
-          </a:solidFill>
-        </a:ln>
-        <a:effectLst>
-          <a:outerShdw blurRad="76200" dist="25400" dir="5400000" algn="ctr" rotWithShape="0">
-            <a:srgbClr val="000000">
-              <a:alpha val="60000"/>
-            </a:srgbClr>
-          </a:outerShdw>
-        </a:effectLst>
-        <a:scene3d>
-          <a:camera prst="orthographicFront">
-            <a:rot lat="0" lon="0" rev="0"/>
-          </a:camera>
-          <a:lightRig rig="flat" dir="t">
-            <a:rot lat="0" lon="0" rev="3600000"/>
-          </a:lightRig>
-        </a:scene3d>
-        <a:sp3d contourW="12700" prstMaterial="flat">
-          <a:bevelT w="38100" h="44450" prst="angle"/>
-          <a:contourClr>
-            <a:schemeClr val="accent1">
-              <a:hueOff val="0"/>
-              <a:satOff val="0"/>
-              <a:lumOff val="0"/>
-              <a:alphaOff val="0"/>
-              <a:shade val="35000"/>
-              <a:satMod val="160000"/>
-            </a:schemeClr>
-          </a:contourClr>
-        </a:sp3d>
-      </dsp:spPr>
-      <dsp:style>
-        <a:lnRef idx="0">
-          <a:scrgbClr r="0" g="0" b="0"/>
-        </a:lnRef>
-        <a:fillRef idx="3">
-          <a:scrgbClr r="0" g="0" b="0"/>
-        </a:fillRef>
-        <a:effectRef idx="3">
-          <a:scrgbClr r="0" g="0" b="0"/>
-        </a:effectRef>
-        <a:fontRef idx="minor">
-          <a:schemeClr val="lt1"/>
-        </a:fontRef>
-      </dsp:style>
-      <dsp:txBody>
-        <a:bodyPr spcFirstLastPara="0" vert="horz" wrap="square" lIns="11430" tIns="11430" rIns="11430" bIns="11430" numCol="1" spcCol="1270" anchor="ctr" anchorCtr="0">
-          <a:noAutofit/>
-        </a:bodyPr>
-        <a:lstStyle/>
-        <a:p>
-          <a:pPr lvl="0" algn="ctr" defTabSz="800100" rtl="0">
-            <a:lnSpc>
-              <a:spcPct val="90000"/>
-            </a:lnSpc>
-            <a:spcBef>
-              <a:spcPct val="0"/>
-            </a:spcBef>
-            <a:spcAft>
-              <a:spcPct val="35000"/>
-            </a:spcAft>
-          </a:pPr>
-          <a:r>
-            <a:rPr lang="es-ES" sz="1800" kern="1200" dirty="0" smtClean="0"/>
-            <a:t>Módulo Análisis</a:t>
-          </a:r>
-        </a:p>
-        <a:p>
-          <a:pPr lvl="0" algn="ctr" defTabSz="800100" rtl="0">
-            <a:lnSpc>
-              <a:spcPct val="90000"/>
-            </a:lnSpc>
-            <a:spcBef>
-              <a:spcPct val="0"/>
-            </a:spcBef>
-            <a:spcAft>
-              <a:spcPct val="35000"/>
-            </a:spcAft>
-          </a:pPr>
-          <a:r>
-            <a:rPr lang="es-ES" sz="1600" kern="1200" dirty="0" smtClean="0"/>
-            <a:t>(MA)</a:t>
-          </a:r>
-          <a:endParaRPr lang="es-AR" sz="1600" kern="1200" dirty="0"/>
-        </a:p>
-      </dsp:txBody>
-      <dsp:txXfrm>
-        <a:off x="5735053" y="946761"/>
-        <a:ext cx="2482480" cy="750950"/>
-      </dsp:txXfrm>
-    </dsp:sp>
-    <dsp:sp modelId="{D0E53D41-CA14-4EAE-8C3E-A7540DA1EB41}">
-      <dsp:nvSpPr>
-        <dsp:cNvPr id="0" name=""/>
-        <dsp:cNvSpPr/>
-      </dsp:nvSpPr>
-      <dsp:spPr>
-        <a:xfrm>
-          <a:off x="2756077" y="1886924"/>
-          <a:ext cx="2482480" cy="756853"/>
-        </a:xfrm>
-        <a:prstGeom prst="rect">
-          <a:avLst/>
-        </a:prstGeom>
-        <a:solidFill>
-          <a:schemeClr val="bg1">
-            <a:lumMod val="65000"/>
-          </a:schemeClr>
-        </a:solidFill>
-        <a:ln>
-          <a:solidFill>
-            <a:schemeClr val="bg1">
-              <a:lumMod val="65000"/>
-            </a:schemeClr>
-          </a:solidFill>
-        </a:ln>
-        <a:effectLst>
-          <a:outerShdw blurRad="76200" dist="25400" dir="5400000" algn="ctr" rotWithShape="0">
-            <a:srgbClr val="000000">
-              <a:alpha val="60000"/>
-            </a:srgbClr>
-          </a:outerShdw>
-        </a:effectLst>
-        <a:scene3d>
-          <a:camera prst="orthographicFront">
-            <a:rot lat="0" lon="0" rev="0"/>
-          </a:camera>
-          <a:lightRig rig="flat" dir="t">
-            <a:rot lat="0" lon="0" rev="3600000"/>
-          </a:lightRig>
-        </a:scene3d>
-        <a:sp3d contourW="12700" prstMaterial="flat">
-          <a:bevelT w="38100" h="44450" prst="angle"/>
-          <a:contourClr>
-            <a:schemeClr val="accent1">
-              <a:hueOff val="0"/>
-              <a:satOff val="0"/>
-              <a:lumOff val="0"/>
-              <a:alphaOff val="0"/>
-              <a:shade val="35000"/>
-              <a:satMod val="160000"/>
-            </a:schemeClr>
-          </a:contourClr>
-        </a:sp3d>
-      </dsp:spPr>
-      <dsp:style>
-        <a:lnRef idx="0">
-          <a:scrgbClr r="0" g="0" b="0"/>
-        </a:lnRef>
-        <a:fillRef idx="3">
-          <a:scrgbClr r="0" g="0" b="0"/>
-        </a:fillRef>
-        <a:effectRef idx="3">
-          <a:scrgbClr r="0" g="0" b="0"/>
-        </a:effectRef>
-        <a:fontRef idx="minor">
-          <a:schemeClr val="lt1"/>
-        </a:fontRef>
-      </dsp:style>
-      <dsp:txBody>
-        <a:bodyPr spcFirstLastPara="0" vert="horz" wrap="square" lIns="12700" tIns="12700" rIns="12700" bIns="12700" numCol="1" spcCol="1270" anchor="ctr" anchorCtr="0">
-          <a:noAutofit/>
-        </a:bodyPr>
-        <a:lstStyle/>
-        <a:p>
-          <a:pPr lvl="0" algn="ctr" defTabSz="889000" rtl="0">
-            <a:lnSpc>
-              <a:spcPct val="90000"/>
-            </a:lnSpc>
-            <a:spcBef>
-              <a:spcPct val="0"/>
-            </a:spcBef>
-            <a:spcAft>
-              <a:spcPct val="35000"/>
-            </a:spcAft>
-          </a:pPr>
-          <a:r>
-            <a:rPr lang="es-AR" sz="2000" kern="1200" dirty="0" smtClean="0"/>
-            <a:t>Sistema de Monitoreo y Alertas</a:t>
-          </a:r>
-          <a:endParaRPr lang="es-AR" sz="2000" kern="1200" dirty="0"/>
-        </a:p>
-      </dsp:txBody>
-      <dsp:txXfrm>
-        <a:off x="2756077" y="1886924"/>
-        <a:ext cx="2482480" cy="756853"/>
-      </dsp:txXfrm>
-    </dsp:sp>
-    <dsp:sp modelId="{2A794D88-4908-425D-AA77-16BF010E8BBB}">
-      <dsp:nvSpPr>
-        <dsp:cNvPr id="0" name=""/>
-        <dsp:cNvSpPr/>
-      </dsp:nvSpPr>
-      <dsp:spPr>
-        <a:xfrm>
-          <a:off x="5735053" y="1886924"/>
-          <a:ext cx="2482480" cy="756853"/>
-        </a:xfrm>
-        <a:prstGeom prst="rect">
-          <a:avLst/>
-        </a:prstGeom>
-        <a:solidFill>
-          <a:srgbClr val="FF0000"/>
-        </a:solidFill>
-        <a:ln>
-          <a:solidFill>
-            <a:srgbClr val="FF0000"/>
-          </a:solidFill>
-        </a:ln>
-        <a:effectLst>
-          <a:outerShdw blurRad="76200" dist="25400" dir="5400000" algn="ctr" rotWithShape="0">
-            <a:srgbClr val="000000">
-              <a:alpha val="60000"/>
-            </a:srgbClr>
-          </a:outerShdw>
-        </a:effectLst>
-        <a:scene3d>
-          <a:camera prst="orthographicFront">
-            <a:rot lat="0" lon="0" rev="0"/>
-          </a:camera>
-          <a:lightRig rig="flat" dir="t">
-            <a:rot lat="0" lon="0" rev="3600000"/>
-          </a:lightRig>
-        </a:scene3d>
-        <a:sp3d contourW="12700" prstMaterial="flat">
-          <a:bevelT w="38100" h="44450" prst="angle"/>
-          <a:contourClr>
-            <a:schemeClr val="accent1">
-              <a:hueOff val="0"/>
-              <a:satOff val="0"/>
-              <a:lumOff val="0"/>
-              <a:alphaOff val="0"/>
-              <a:shade val="35000"/>
-              <a:satMod val="160000"/>
-            </a:schemeClr>
-          </a:contourClr>
-        </a:sp3d>
-      </dsp:spPr>
-      <dsp:style>
-        <a:lnRef idx="0">
-          <a:scrgbClr r="0" g="0" b="0"/>
-        </a:lnRef>
-        <a:fillRef idx="3">
-          <a:scrgbClr r="0" g="0" b="0"/>
-        </a:fillRef>
-        <a:effectRef idx="3">
-          <a:scrgbClr r="0" g="0" b="0"/>
-        </a:effectRef>
-        <a:fontRef idx="minor">
-          <a:schemeClr val="lt1"/>
-        </a:fontRef>
-      </dsp:style>
-      <dsp:txBody>
-        <a:bodyPr spcFirstLastPara="0" vert="horz" wrap="square" lIns="11430" tIns="11430" rIns="11430" bIns="11430" numCol="1" spcCol="1270" anchor="ctr" anchorCtr="0">
-          <a:noAutofit/>
-        </a:bodyPr>
-        <a:lstStyle/>
-        <a:p>
-          <a:pPr lvl="0" algn="ctr" defTabSz="800100" rtl="0">
-            <a:lnSpc>
-              <a:spcPct val="90000"/>
-            </a:lnSpc>
-            <a:spcBef>
-              <a:spcPct val="0"/>
-            </a:spcBef>
-            <a:spcAft>
-              <a:spcPct val="35000"/>
-            </a:spcAft>
-          </a:pPr>
-          <a:r>
-            <a:rPr lang="es-AR" sz="1800" kern="1200" dirty="0" smtClean="0"/>
-            <a:t>Módulo Estado Dispositivos </a:t>
-          </a:r>
-          <a:r>
-            <a:rPr lang="es-AR" sz="1600" kern="1200" dirty="0" smtClean="0"/>
-            <a:t>(MED)</a:t>
-          </a:r>
-        </a:p>
-      </dsp:txBody>
-      <dsp:txXfrm>
-        <a:off x="5735053" y="1886924"/>
-        <a:ext cx="2482480" cy="756853"/>
-      </dsp:txXfrm>
-    </dsp:sp>
-    <dsp:sp modelId="{4132BC25-68D7-4507-AB94-07EF563B05C4}">
-      <dsp:nvSpPr>
-        <dsp:cNvPr id="0" name=""/>
-        <dsp:cNvSpPr/>
-      </dsp:nvSpPr>
-      <dsp:spPr>
-        <a:xfrm>
-          <a:off x="2756077" y="2832991"/>
-          <a:ext cx="2482480" cy="756853"/>
-        </a:xfrm>
-        <a:prstGeom prst="rect">
-          <a:avLst/>
-        </a:prstGeom>
-        <a:solidFill>
-          <a:schemeClr val="bg1">
-            <a:lumMod val="65000"/>
-          </a:schemeClr>
-        </a:solidFill>
-        <a:ln>
-          <a:solidFill>
-            <a:schemeClr val="bg1">
-              <a:lumMod val="65000"/>
-            </a:schemeClr>
-          </a:solidFill>
-        </a:ln>
-        <a:effectLst>
-          <a:outerShdw blurRad="76200" dist="25400" dir="5400000" algn="ctr" rotWithShape="0">
-            <a:srgbClr val="000000">
-              <a:alpha val="60000"/>
-            </a:srgbClr>
-          </a:outerShdw>
-        </a:effectLst>
-        <a:scene3d>
-          <a:camera prst="orthographicFront">
-            <a:rot lat="0" lon="0" rev="0"/>
-          </a:camera>
-          <a:lightRig rig="flat" dir="t">
-            <a:rot lat="0" lon="0" rev="3600000"/>
-          </a:lightRig>
-        </a:scene3d>
-        <a:sp3d contourW="12700" prstMaterial="flat">
-          <a:bevelT w="38100" h="44450" prst="angle"/>
-          <a:contourClr>
-            <a:schemeClr val="accent1">
-              <a:hueOff val="0"/>
-              <a:satOff val="0"/>
-              <a:lumOff val="0"/>
-              <a:alphaOff val="0"/>
-              <a:shade val="35000"/>
-              <a:satMod val="160000"/>
-            </a:schemeClr>
-          </a:contourClr>
-        </a:sp3d>
-      </dsp:spPr>
-      <dsp:style>
-        <a:lnRef idx="0">
-          <a:scrgbClr r="0" g="0" b="0"/>
-        </a:lnRef>
-        <a:fillRef idx="3">
-          <a:scrgbClr r="0" g="0" b="0"/>
-        </a:fillRef>
-        <a:effectRef idx="3">
-          <a:scrgbClr r="0" g="0" b="0"/>
-        </a:effectRef>
-        <a:fontRef idx="minor">
-          <a:schemeClr val="lt1"/>
-        </a:fontRef>
-      </dsp:style>
-      <dsp:txBody>
-        <a:bodyPr spcFirstLastPara="0" vert="horz" wrap="square" lIns="12700" tIns="12700" rIns="12700" bIns="12700" numCol="1" spcCol="1270" anchor="ctr" anchorCtr="0">
-          <a:noAutofit/>
-        </a:bodyPr>
-        <a:lstStyle/>
-        <a:p>
-          <a:pPr lvl="0" algn="ctr" defTabSz="889000" rtl="0">
-            <a:lnSpc>
-              <a:spcPct val="90000"/>
-            </a:lnSpc>
-            <a:spcBef>
-              <a:spcPct val="0"/>
-            </a:spcBef>
-            <a:spcAft>
-              <a:spcPct val="35000"/>
-            </a:spcAft>
-          </a:pPr>
-          <a:r>
-            <a:rPr lang="es-AR" sz="2000" kern="1200" dirty="0" smtClean="0"/>
-            <a:t>Sistema de CCTV</a:t>
-          </a:r>
-          <a:endParaRPr lang="es-AR" sz="2000" kern="1200" dirty="0"/>
-        </a:p>
-      </dsp:txBody>
-      <dsp:txXfrm>
-        <a:off x="2756077" y="2832991"/>
-        <a:ext cx="2482480" cy="756853"/>
-      </dsp:txXfrm>
-    </dsp:sp>
-    <dsp:sp modelId="{5CE5D322-BA87-4990-84D0-5A0B0518A2FF}">
-      <dsp:nvSpPr>
-        <dsp:cNvPr id="0" name=""/>
-        <dsp:cNvSpPr/>
-      </dsp:nvSpPr>
-      <dsp:spPr>
-        <a:xfrm>
-          <a:off x="5735053" y="2832991"/>
-          <a:ext cx="2482480" cy="756853"/>
-        </a:xfrm>
-        <a:prstGeom prst="rect">
-          <a:avLst/>
-        </a:prstGeom>
-        <a:solidFill>
-          <a:srgbClr val="FF0000"/>
-        </a:solidFill>
-        <a:ln>
-          <a:solidFill>
-            <a:srgbClr val="FF0000"/>
-          </a:solidFill>
-        </a:ln>
-        <a:effectLst>
-          <a:outerShdw blurRad="76200" dist="25400" dir="5400000" algn="ctr" rotWithShape="0">
-            <a:srgbClr val="000000">
-              <a:alpha val="60000"/>
-            </a:srgbClr>
-          </a:outerShdw>
-        </a:effectLst>
-        <a:scene3d>
-          <a:camera prst="orthographicFront">
-            <a:rot lat="0" lon="0" rev="0"/>
-          </a:camera>
-          <a:lightRig rig="flat" dir="t">
-            <a:rot lat="0" lon="0" rev="3600000"/>
-          </a:lightRig>
-        </a:scene3d>
-        <a:sp3d contourW="12700" prstMaterial="flat">
-          <a:bevelT w="38100" h="44450" prst="angle"/>
-          <a:contourClr>
-            <a:schemeClr val="accent1">
-              <a:hueOff val="0"/>
-              <a:satOff val="0"/>
-              <a:lumOff val="0"/>
-              <a:alphaOff val="0"/>
-              <a:shade val="35000"/>
-              <a:satMod val="160000"/>
-            </a:schemeClr>
-          </a:contourClr>
-        </a:sp3d>
-      </dsp:spPr>
-      <dsp:style>
-        <a:lnRef idx="0">
-          <a:scrgbClr r="0" g="0" b="0"/>
-        </a:lnRef>
-        <a:fillRef idx="3">
-          <a:scrgbClr r="0" g="0" b="0"/>
-        </a:fillRef>
-        <a:effectRef idx="3">
-          <a:scrgbClr r="0" g="0" b="0"/>
-        </a:effectRef>
-        <a:fontRef idx="minor">
-          <a:schemeClr val="lt1"/>
-        </a:fontRef>
-      </dsp:style>
-      <dsp:txBody>
-        <a:bodyPr spcFirstLastPara="0" vert="horz" wrap="square" lIns="11430" tIns="11430" rIns="11430" bIns="11430" numCol="1" spcCol="1270" anchor="ctr" anchorCtr="0">
-          <a:noAutofit/>
-        </a:bodyPr>
-        <a:lstStyle/>
-        <a:p>
-          <a:pPr lvl="0" algn="ctr" defTabSz="800100" rtl="0">
-            <a:lnSpc>
-              <a:spcPct val="90000"/>
-            </a:lnSpc>
-            <a:spcBef>
-              <a:spcPct val="0"/>
-            </a:spcBef>
-            <a:spcAft>
-              <a:spcPct val="35000"/>
-            </a:spcAft>
-          </a:pPr>
-          <a:r>
-            <a:rPr lang="es-AR" sz="1800" kern="1200" dirty="0" smtClean="0"/>
-            <a:t>Módulo Cámaras IP</a:t>
-          </a:r>
-        </a:p>
-        <a:p>
-          <a:pPr lvl="0" algn="ctr" defTabSz="800100" rtl="0">
-            <a:lnSpc>
-              <a:spcPct val="90000"/>
-            </a:lnSpc>
-            <a:spcBef>
-              <a:spcPct val="0"/>
-            </a:spcBef>
-            <a:spcAft>
-              <a:spcPct val="35000"/>
-            </a:spcAft>
-          </a:pPr>
-          <a:r>
-            <a:rPr lang="es-ES" sz="1600" kern="1200" dirty="0" smtClean="0"/>
-            <a:t>(MCIP)</a:t>
-          </a:r>
-          <a:endParaRPr lang="es-AR" sz="1800" kern="1200" dirty="0"/>
-        </a:p>
-      </dsp:txBody>
-      <dsp:txXfrm>
-        <a:off x="5735053" y="2832991"/>
-        <a:ext cx="2482480" cy="756853"/>
-      </dsp:txXfrm>
-    </dsp:sp>
   </dsp:spTree>
 </dsp:drawing>
 </file>
@@ -14379,1378 +13023,6 @@
       <dsp:cNvGrpSpPr/>
     </dsp:nvGrpSpPr>
     <dsp:grpSpPr/>
-    <dsp:sp modelId="{29A4F7F2-C4E5-4C60-814A-F6791BE0C2CA}">
-      <dsp:nvSpPr>
-        <dsp:cNvPr id="0" name=""/>
-        <dsp:cNvSpPr/>
-      </dsp:nvSpPr>
-      <dsp:spPr>
-        <a:xfrm>
-          <a:off x="5238184" y="3168201"/>
-          <a:ext cx="496006" cy="91440"/>
-        </a:xfrm>
-        <a:custGeom>
-          <a:avLst/>
-          <a:gdLst/>
-          <a:ahLst/>
-          <a:cxnLst/>
-          <a:rect l="0" t="0" r="0" b="0"/>
-          <a:pathLst>
-            <a:path>
-              <a:moveTo>
-                <a:pt x="0" y="45720"/>
-              </a:moveTo>
-              <a:lnTo>
-                <a:pt x="496006" y="45720"/>
-              </a:lnTo>
-            </a:path>
-          </a:pathLst>
-        </a:custGeom>
-        <a:noFill/>
-        <a:ln w="15875" cap="flat" cmpd="sng" algn="ctr">
-          <a:solidFill>
-            <a:schemeClr val="bg1">
-              <a:lumMod val="65000"/>
-            </a:schemeClr>
-          </a:solidFill>
-          <a:prstDash val="solid"/>
-        </a:ln>
-        <a:effectLst/>
-      </dsp:spPr>
-      <dsp:style>
-        <a:lnRef idx="2">
-          <a:scrgbClr r="0" g="0" b="0"/>
-        </a:lnRef>
-        <a:fillRef idx="0">
-          <a:scrgbClr r="0" g="0" b="0"/>
-        </a:fillRef>
-        <a:effectRef idx="0">
-          <a:scrgbClr r="0" g="0" b="0"/>
-        </a:effectRef>
-        <a:fontRef idx="minor"/>
-      </dsp:style>
-      <dsp:txBody>
-        <a:bodyPr spcFirstLastPara="0" vert="horz" wrap="square" lIns="12700" tIns="0" rIns="12700" bIns="0" numCol="1" spcCol="1270" anchor="ctr" anchorCtr="0">
-          <a:noAutofit/>
-        </a:bodyPr>
-        <a:lstStyle/>
-        <a:p>
-          <a:pPr lvl="0" algn="ctr" defTabSz="222250">
-            <a:lnSpc>
-              <a:spcPct val="90000"/>
-            </a:lnSpc>
-            <a:spcBef>
-              <a:spcPct val="0"/>
-            </a:spcBef>
-            <a:spcAft>
-              <a:spcPct val="35000"/>
-            </a:spcAft>
-          </a:pPr>
-          <a:endParaRPr lang="es-AR" sz="500" kern="1200"/>
-        </a:p>
-      </dsp:txBody>
-      <dsp:txXfrm>
-        <a:off x="5473787" y="3201521"/>
-        <a:ext cx="24800" cy="24800"/>
-      </dsp:txXfrm>
-    </dsp:sp>
-    <dsp:sp modelId="{E3222929-1BE3-41AB-8A0A-3C25332ABE44}">
-      <dsp:nvSpPr>
-        <dsp:cNvPr id="0" name=""/>
-        <dsp:cNvSpPr/>
-      </dsp:nvSpPr>
-      <dsp:spPr>
-        <a:xfrm>
-          <a:off x="2262146" y="2032503"/>
-          <a:ext cx="496006" cy="1181417"/>
-        </a:xfrm>
-        <a:custGeom>
-          <a:avLst/>
-          <a:gdLst/>
-          <a:ahLst/>
-          <a:cxnLst/>
-          <a:rect l="0" t="0" r="0" b="0"/>
-          <a:pathLst>
-            <a:path>
-              <a:moveTo>
-                <a:pt x="0" y="0"/>
-              </a:moveTo>
-              <a:lnTo>
-                <a:pt x="248003" y="0"/>
-              </a:lnTo>
-              <a:lnTo>
-                <a:pt x="248003" y="1181417"/>
-              </a:lnTo>
-              <a:lnTo>
-                <a:pt x="496006" y="1181417"/>
-              </a:lnTo>
-            </a:path>
-          </a:pathLst>
-        </a:custGeom>
-        <a:noFill/>
-        <a:ln w="15875" cap="flat" cmpd="sng" algn="ctr">
-          <a:solidFill>
-            <a:schemeClr val="bg1">
-              <a:lumMod val="65000"/>
-            </a:schemeClr>
-          </a:solidFill>
-          <a:prstDash val="solid"/>
-        </a:ln>
-        <a:effectLst/>
-      </dsp:spPr>
-      <dsp:style>
-        <a:lnRef idx="2">
-          <a:scrgbClr r="0" g="0" b="0"/>
-        </a:lnRef>
-        <a:fillRef idx="0">
-          <a:scrgbClr r="0" g="0" b="0"/>
-        </a:fillRef>
-        <a:effectRef idx="0">
-          <a:scrgbClr r="0" g="0" b="0"/>
-        </a:effectRef>
-        <a:fontRef idx="minor"/>
-      </dsp:style>
-      <dsp:txBody>
-        <a:bodyPr spcFirstLastPara="0" vert="horz" wrap="square" lIns="12700" tIns="0" rIns="12700" bIns="0" numCol="1" spcCol="1270" anchor="ctr" anchorCtr="0">
-          <a:noAutofit/>
-        </a:bodyPr>
-        <a:lstStyle/>
-        <a:p>
-          <a:pPr lvl="0" algn="ctr" defTabSz="222250">
-            <a:lnSpc>
-              <a:spcPct val="90000"/>
-            </a:lnSpc>
-            <a:spcBef>
-              <a:spcPct val="0"/>
-            </a:spcBef>
-            <a:spcAft>
-              <a:spcPct val="35000"/>
-            </a:spcAft>
-          </a:pPr>
-          <a:endParaRPr lang="es-AR" sz="500" kern="1200"/>
-        </a:p>
-      </dsp:txBody>
-      <dsp:txXfrm>
-        <a:off x="2478116" y="2591179"/>
-        <a:ext cx="64065" cy="64065"/>
-      </dsp:txXfrm>
-    </dsp:sp>
-    <dsp:sp modelId="{9E87CD5C-4E11-48B4-AF64-374D2B28DB2E}">
-      <dsp:nvSpPr>
-        <dsp:cNvPr id="0" name=""/>
-        <dsp:cNvSpPr/>
-      </dsp:nvSpPr>
-      <dsp:spPr>
-        <a:xfrm>
-          <a:off x="5238184" y="2223067"/>
-          <a:ext cx="496006" cy="91440"/>
-        </a:xfrm>
-        <a:custGeom>
-          <a:avLst/>
-          <a:gdLst/>
-          <a:ahLst/>
-          <a:cxnLst/>
-          <a:rect l="0" t="0" r="0" b="0"/>
-          <a:pathLst>
-            <a:path>
-              <a:moveTo>
-                <a:pt x="0" y="45720"/>
-              </a:moveTo>
-              <a:lnTo>
-                <a:pt x="496006" y="45720"/>
-              </a:lnTo>
-            </a:path>
-          </a:pathLst>
-        </a:custGeom>
-        <a:noFill/>
-        <a:ln w="15875" cap="flat" cmpd="sng" algn="ctr">
-          <a:solidFill>
-            <a:schemeClr val="bg1">
-              <a:lumMod val="65000"/>
-            </a:schemeClr>
-          </a:solidFill>
-          <a:prstDash val="solid"/>
-        </a:ln>
-        <a:effectLst/>
-      </dsp:spPr>
-      <dsp:style>
-        <a:lnRef idx="2">
-          <a:scrgbClr r="0" g="0" b="0"/>
-        </a:lnRef>
-        <a:fillRef idx="0">
-          <a:scrgbClr r="0" g="0" b="0"/>
-        </a:fillRef>
-        <a:effectRef idx="0">
-          <a:scrgbClr r="0" g="0" b="0"/>
-        </a:effectRef>
-        <a:fontRef idx="minor"/>
-      </dsp:style>
-      <dsp:txBody>
-        <a:bodyPr spcFirstLastPara="0" vert="horz" wrap="square" lIns="12700" tIns="0" rIns="12700" bIns="0" numCol="1" spcCol="1270" anchor="ctr" anchorCtr="0">
-          <a:noAutofit/>
-        </a:bodyPr>
-        <a:lstStyle/>
-        <a:p>
-          <a:pPr lvl="0" algn="ctr" defTabSz="222250">
-            <a:lnSpc>
-              <a:spcPct val="90000"/>
-            </a:lnSpc>
-            <a:spcBef>
-              <a:spcPct val="0"/>
-            </a:spcBef>
-            <a:spcAft>
-              <a:spcPct val="35000"/>
-            </a:spcAft>
-          </a:pPr>
-          <a:endParaRPr lang="es-AR" sz="500" kern="1200"/>
-        </a:p>
-      </dsp:txBody>
-      <dsp:txXfrm>
-        <a:off x="5473787" y="2256387"/>
-        <a:ext cx="24800" cy="24800"/>
-      </dsp:txXfrm>
-    </dsp:sp>
-    <dsp:sp modelId="{C938164A-787C-4BD7-A40E-756B5596325A}">
-      <dsp:nvSpPr>
-        <dsp:cNvPr id="0" name=""/>
-        <dsp:cNvSpPr/>
-      </dsp:nvSpPr>
-      <dsp:spPr>
-        <a:xfrm>
-          <a:off x="2262146" y="2032503"/>
-          <a:ext cx="496006" cy="236283"/>
-        </a:xfrm>
-        <a:custGeom>
-          <a:avLst/>
-          <a:gdLst/>
-          <a:ahLst/>
-          <a:cxnLst/>
-          <a:rect l="0" t="0" r="0" b="0"/>
-          <a:pathLst>
-            <a:path>
-              <a:moveTo>
-                <a:pt x="0" y="0"/>
-              </a:moveTo>
-              <a:lnTo>
-                <a:pt x="248003" y="0"/>
-              </a:lnTo>
-              <a:lnTo>
-                <a:pt x="248003" y="236283"/>
-              </a:lnTo>
-              <a:lnTo>
-                <a:pt x="496006" y="236283"/>
-              </a:lnTo>
-            </a:path>
-          </a:pathLst>
-        </a:custGeom>
-        <a:noFill/>
-        <a:ln w="15875" cap="flat" cmpd="sng" algn="ctr">
-          <a:solidFill>
-            <a:schemeClr val="bg1">
-              <a:lumMod val="65000"/>
-            </a:schemeClr>
-          </a:solidFill>
-          <a:prstDash val="solid"/>
-        </a:ln>
-        <a:effectLst/>
-      </dsp:spPr>
-      <dsp:style>
-        <a:lnRef idx="2">
-          <a:scrgbClr r="0" g="0" b="0"/>
-        </a:lnRef>
-        <a:fillRef idx="0">
-          <a:scrgbClr r="0" g="0" b="0"/>
-        </a:fillRef>
-        <a:effectRef idx="0">
-          <a:scrgbClr r="0" g="0" b="0"/>
-        </a:effectRef>
-        <a:fontRef idx="minor"/>
-      </dsp:style>
-      <dsp:txBody>
-        <a:bodyPr spcFirstLastPara="0" vert="horz" wrap="square" lIns="12700" tIns="0" rIns="12700" bIns="0" numCol="1" spcCol="1270" anchor="ctr" anchorCtr="0">
-          <a:noAutofit/>
-        </a:bodyPr>
-        <a:lstStyle/>
-        <a:p>
-          <a:pPr lvl="0" algn="ctr" defTabSz="222250">
-            <a:lnSpc>
-              <a:spcPct val="90000"/>
-            </a:lnSpc>
-            <a:spcBef>
-              <a:spcPct val="0"/>
-            </a:spcBef>
-            <a:spcAft>
-              <a:spcPct val="35000"/>
-            </a:spcAft>
-          </a:pPr>
-          <a:endParaRPr lang="es-AR" sz="500" kern="1200"/>
-        </a:p>
-      </dsp:txBody>
-      <dsp:txXfrm>
-        <a:off x="2496414" y="2136910"/>
-        <a:ext cx="27470" cy="27470"/>
-      </dsp:txXfrm>
-    </dsp:sp>
-    <dsp:sp modelId="{DFB4EDAC-5BE2-4E2B-811C-6942DAF9B32B}">
-      <dsp:nvSpPr>
-        <dsp:cNvPr id="0" name=""/>
-        <dsp:cNvSpPr/>
-      </dsp:nvSpPr>
-      <dsp:spPr>
-        <a:xfrm>
-          <a:off x="5238184" y="851085"/>
-          <a:ext cx="496006" cy="472567"/>
-        </a:xfrm>
-        <a:custGeom>
-          <a:avLst/>
-          <a:gdLst/>
-          <a:ahLst/>
-          <a:cxnLst/>
-          <a:rect l="0" t="0" r="0" b="0"/>
-          <a:pathLst>
-            <a:path>
-              <a:moveTo>
-                <a:pt x="0" y="0"/>
-              </a:moveTo>
-              <a:lnTo>
-                <a:pt x="248003" y="0"/>
-              </a:lnTo>
-              <a:lnTo>
-                <a:pt x="248003" y="472567"/>
-              </a:lnTo>
-              <a:lnTo>
-                <a:pt x="496006" y="472567"/>
-              </a:lnTo>
-            </a:path>
-          </a:pathLst>
-        </a:custGeom>
-        <a:noFill/>
-        <a:ln w="15875" cap="flat" cmpd="sng" algn="ctr">
-          <a:solidFill>
-            <a:schemeClr val="bg1">
-              <a:lumMod val="65000"/>
-            </a:schemeClr>
-          </a:solidFill>
-          <a:prstDash val="solid"/>
-        </a:ln>
-        <a:effectLst/>
-      </dsp:spPr>
-      <dsp:style>
-        <a:lnRef idx="2">
-          <a:scrgbClr r="0" g="0" b="0"/>
-        </a:lnRef>
-        <a:fillRef idx="0">
-          <a:scrgbClr r="0" g="0" b="0"/>
-        </a:fillRef>
-        <a:effectRef idx="0">
-          <a:scrgbClr r="0" g="0" b="0"/>
-        </a:effectRef>
-        <a:fontRef idx="minor"/>
-      </dsp:style>
-      <dsp:txBody>
-        <a:bodyPr spcFirstLastPara="0" vert="horz" wrap="square" lIns="12700" tIns="0" rIns="12700" bIns="0" numCol="1" spcCol="1270" anchor="ctr" anchorCtr="0">
-          <a:noAutofit/>
-        </a:bodyPr>
-        <a:lstStyle/>
-        <a:p>
-          <a:pPr lvl="0" algn="ctr" defTabSz="222250">
-            <a:lnSpc>
-              <a:spcPct val="90000"/>
-            </a:lnSpc>
-            <a:spcBef>
-              <a:spcPct val="0"/>
-            </a:spcBef>
-            <a:spcAft>
-              <a:spcPct val="35000"/>
-            </a:spcAft>
-          </a:pPr>
-          <a:endParaRPr lang="es-AR" sz="500" kern="1200"/>
-        </a:p>
-      </dsp:txBody>
-      <dsp:txXfrm>
-        <a:off x="5469060" y="1070242"/>
-        <a:ext cx="34254" cy="34254"/>
-      </dsp:txXfrm>
-    </dsp:sp>
-    <dsp:sp modelId="{AD8E0A00-A8F7-4433-A726-0C48751DA07F}">
-      <dsp:nvSpPr>
-        <dsp:cNvPr id="0" name=""/>
-        <dsp:cNvSpPr/>
-      </dsp:nvSpPr>
-      <dsp:spPr>
-        <a:xfrm>
-          <a:off x="5238184" y="378518"/>
-          <a:ext cx="496006" cy="472567"/>
-        </a:xfrm>
-        <a:custGeom>
-          <a:avLst/>
-          <a:gdLst/>
-          <a:ahLst/>
-          <a:cxnLst/>
-          <a:rect l="0" t="0" r="0" b="0"/>
-          <a:pathLst>
-            <a:path>
-              <a:moveTo>
-                <a:pt x="0" y="472567"/>
-              </a:moveTo>
-              <a:lnTo>
-                <a:pt x="248003" y="472567"/>
-              </a:lnTo>
-              <a:lnTo>
-                <a:pt x="248003" y="0"/>
-              </a:lnTo>
-              <a:lnTo>
-                <a:pt x="496006" y="0"/>
-              </a:lnTo>
-            </a:path>
-          </a:pathLst>
-        </a:custGeom>
-        <a:noFill/>
-        <a:ln w="15875" cap="flat" cmpd="sng" algn="ctr">
-          <a:solidFill>
-            <a:schemeClr val="bg1">
-              <a:lumMod val="65000"/>
-            </a:schemeClr>
-          </a:solidFill>
-          <a:prstDash val="solid"/>
-        </a:ln>
-        <a:effectLst/>
-      </dsp:spPr>
-      <dsp:style>
-        <a:lnRef idx="2">
-          <a:scrgbClr r="0" g="0" b="0"/>
-        </a:lnRef>
-        <a:fillRef idx="0">
-          <a:scrgbClr r="0" g="0" b="0"/>
-        </a:fillRef>
-        <a:effectRef idx="0">
-          <a:scrgbClr r="0" g="0" b="0"/>
-        </a:effectRef>
-        <a:fontRef idx="minor"/>
-      </dsp:style>
-      <dsp:txBody>
-        <a:bodyPr spcFirstLastPara="0" vert="horz" wrap="square" lIns="12700" tIns="0" rIns="12700" bIns="0" numCol="1" spcCol="1270" anchor="ctr" anchorCtr="0">
-          <a:noAutofit/>
-        </a:bodyPr>
-        <a:lstStyle/>
-        <a:p>
-          <a:pPr lvl="0" algn="ctr" defTabSz="222250">
-            <a:lnSpc>
-              <a:spcPct val="90000"/>
-            </a:lnSpc>
-            <a:spcBef>
-              <a:spcPct val="0"/>
-            </a:spcBef>
-            <a:spcAft>
-              <a:spcPct val="35000"/>
-            </a:spcAft>
-          </a:pPr>
-          <a:endParaRPr lang="es-AR" sz="500" kern="1200"/>
-        </a:p>
-      </dsp:txBody>
-      <dsp:txXfrm>
-        <a:off x="5469060" y="597675"/>
-        <a:ext cx="34254" cy="34254"/>
-      </dsp:txXfrm>
-    </dsp:sp>
-    <dsp:sp modelId="{43FB5D7A-FB9A-4772-80D5-BD64590D7CA7}">
-      <dsp:nvSpPr>
-        <dsp:cNvPr id="0" name=""/>
-        <dsp:cNvSpPr/>
-      </dsp:nvSpPr>
-      <dsp:spPr>
-        <a:xfrm>
-          <a:off x="2262146" y="851085"/>
-          <a:ext cx="496006" cy="1181417"/>
-        </a:xfrm>
-        <a:custGeom>
-          <a:avLst/>
-          <a:gdLst/>
-          <a:ahLst/>
-          <a:cxnLst/>
-          <a:rect l="0" t="0" r="0" b="0"/>
-          <a:pathLst>
-            <a:path>
-              <a:moveTo>
-                <a:pt x="0" y="1181417"/>
-              </a:moveTo>
-              <a:lnTo>
-                <a:pt x="248003" y="1181417"/>
-              </a:lnTo>
-              <a:lnTo>
-                <a:pt x="248003" y="0"/>
-              </a:lnTo>
-              <a:lnTo>
-                <a:pt x="496006" y="0"/>
-              </a:lnTo>
-            </a:path>
-          </a:pathLst>
-        </a:custGeom>
-        <a:noFill/>
-        <a:ln w="15875" cap="flat" cmpd="sng" algn="ctr">
-          <a:solidFill>
-            <a:schemeClr val="bg1">
-              <a:lumMod val="65000"/>
-            </a:schemeClr>
-          </a:solidFill>
-          <a:prstDash val="solid"/>
-        </a:ln>
-        <a:effectLst/>
-      </dsp:spPr>
-      <dsp:style>
-        <a:lnRef idx="2">
-          <a:scrgbClr r="0" g="0" b="0"/>
-        </a:lnRef>
-        <a:fillRef idx="0">
-          <a:scrgbClr r="0" g="0" b="0"/>
-        </a:fillRef>
-        <a:effectRef idx="0">
-          <a:scrgbClr r="0" g="0" b="0"/>
-        </a:effectRef>
-        <a:fontRef idx="minor"/>
-      </dsp:style>
-      <dsp:txBody>
-        <a:bodyPr spcFirstLastPara="0" vert="horz" wrap="square" lIns="12700" tIns="0" rIns="12700" bIns="0" numCol="1" spcCol="1270" anchor="ctr" anchorCtr="0">
-          <a:noAutofit/>
-        </a:bodyPr>
-        <a:lstStyle/>
-        <a:p>
-          <a:pPr lvl="0" algn="ctr" defTabSz="222250">
-            <a:lnSpc>
-              <a:spcPct val="90000"/>
-            </a:lnSpc>
-            <a:spcBef>
-              <a:spcPct val="0"/>
-            </a:spcBef>
-            <a:spcAft>
-              <a:spcPct val="35000"/>
-            </a:spcAft>
-          </a:pPr>
-          <a:endParaRPr lang="es-AR" sz="500" kern="1200"/>
-        </a:p>
-      </dsp:txBody>
-      <dsp:txXfrm>
-        <a:off x="2478116" y="1409761"/>
-        <a:ext cx="64065" cy="64065"/>
-      </dsp:txXfrm>
-    </dsp:sp>
-    <dsp:sp modelId="{862AECE5-4C47-4FDA-8502-09265AB403B3}">
-      <dsp:nvSpPr>
-        <dsp:cNvPr id="0" name=""/>
-        <dsp:cNvSpPr/>
-      </dsp:nvSpPr>
-      <dsp:spPr>
-        <a:xfrm rot="16200000">
-          <a:off x="-105663" y="1654450"/>
-          <a:ext cx="3979512" cy="756107"/>
-        </a:xfrm>
-        <a:prstGeom prst="rect">
-          <a:avLst/>
-        </a:prstGeom>
-        <a:solidFill>
-          <a:schemeClr val="bg1">
-            <a:lumMod val="50000"/>
-          </a:schemeClr>
-        </a:solidFill>
-        <a:ln>
-          <a:solidFill>
-            <a:srgbClr val="FFC000"/>
-          </a:solidFill>
-        </a:ln>
-        <a:effectLst>
-          <a:outerShdw blurRad="76200" dist="25400" dir="5400000" algn="ctr" rotWithShape="0">
-            <a:srgbClr val="000000">
-              <a:alpha val="60000"/>
-            </a:srgbClr>
-          </a:outerShdw>
-        </a:effectLst>
-        <a:scene3d>
-          <a:camera prst="orthographicFront">
-            <a:rot lat="0" lon="0" rev="0"/>
-          </a:camera>
-          <a:lightRig rig="flat" dir="t">
-            <a:rot lat="0" lon="0" rev="3600000"/>
-          </a:lightRig>
-        </a:scene3d>
-        <a:sp3d contourW="12700" prstMaterial="flat">
-          <a:bevelT w="38100" h="44450" prst="angle"/>
-          <a:contourClr>
-            <a:schemeClr val="accent1">
-              <a:hueOff val="0"/>
-              <a:satOff val="0"/>
-              <a:lumOff val="0"/>
-              <a:alphaOff val="0"/>
-              <a:shade val="35000"/>
-              <a:satMod val="160000"/>
-            </a:schemeClr>
-          </a:contourClr>
-        </a:sp3d>
-      </dsp:spPr>
-      <dsp:style>
-        <a:lnRef idx="0">
-          <a:scrgbClr r="0" g="0" b="0"/>
-        </a:lnRef>
-        <a:fillRef idx="3">
-          <a:scrgbClr r="0" g="0" b="0"/>
-        </a:fillRef>
-        <a:effectRef idx="3">
-          <a:scrgbClr r="0" g="0" b="0"/>
-        </a:effectRef>
-        <a:fontRef idx="minor">
-          <a:schemeClr val="lt1"/>
-        </a:fontRef>
-      </dsp:style>
-      <dsp:txBody>
-        <a:bodyPr spcFirstLastPara="0" vert="horz" wrap="square" lIns="12700" tIns="12700" rIns="12700" bIns="12700" numCol="1" spcCol="1270" anchor="ctr" anchorCtr="0">
-          <a:noAutofit/>
-        </a:bodyPr>
-        <a:lstStyle/>
-        <a:p>
-          <a:pPr lvl="0" algn="ctr" defTabSz="889000" rtl="0">
-            <a:lnSpc>
-              <a:spcPct val="90000"/>
-            </a:lnSpc>
-            <a:spcBef>
-              <a:spcPct val="0"/>
-            </a:spcBef>
-            <a:spcAft>
-              <a:spcPct val="35000"/>
-            </a:spcAft>
-          </a:pPr>
-          <a:r>
-            <a:rPr lang="es-ES" sz="2000" kern="1200" dirty="0" smtClean="0"/>
-            <a:t>Stack de Planificación</a:t>
-          </a:r>
-          <a:endParaRPr lang="es-AR" sz="2000" kern="1200" dirty="0"/>
-        </a:p>
-      </dsp:txBody>
-      <dsp:txXfrm>
-        <a:off x="-105663" y="1654450"/>
-        <a:ext cx="3979512" cy="756107"/>
-      </dsp:txXfrm>
-    </dsp:sp>
-    <dsp:sp modelId="{28E7715C-346D-4432-8C7A-4C6CB8157CE2}">
-      <dsp:nvSpPr>
-        <dsp:cNvPr id="0" name=""/>
-        <dsp:cNvSpPr/>
-      </dsp:nvSpPr>
-      <dsp:spPr>
-        <a:xfrm>
-          <a:off x="2758152" y="473032"/>
-          <a:ext cx="2480031" cy="756107"/>
-        </a:xfrm>
-        <a:prstGeom prst="rect">
-          <a:avLst/>
-        </a:prstGeom>
-        <a:solidFill>
-          <a:schemeClr val="bg1">
-            <a:lumMod val="65000"/>
-          </a:schemeClr>
-        </a:solidFill>
-        <a:ln>
-          <a:solidFill>
-            <a:schemeClr val="bg1">
-              <a:lumMod val="65000"/>
-            </a:schemeClr>
-          </a:solidFill>
-        </a:ln>
-        <a:effectLst>
-          <a:outerShdw blurRad="76200" dist="25400" dir="5400000" algn="ctr" rotWithShape="0">
-            <a:srgbClr val="000000">
-              <a:alpha val="60000"/>
-            </a:srgbClr>
-          </a:outerShdw>
-        </a:effectLst>
-        <a:scene3d>
-          <a:camera prst="orthographicFront">
-            <a:rot lat="0" lon="0" rev="0"/>
-          </a:camera>
-          <a:lightRig rig="flat" dir="t">
-            <a:rot lat="0" lon="0" rev="3600000"/>
-          </a:lightRig>
-        </a:scene3d>
-        <a:sp3d contourW="12700" prstMaterial="flat">
-          <a:bevelT w="38100" h="44450" prst="angle"/>
-          <a:contourClr>
-            <a:schemeClr val="accent1">
-              <a:hueOff val="0"/>
-              <a:satOff val="0"/>
-              <a:lumOff val="0"/>
-              <a:alphaOff val="0"/>
-              <a:shade val="35000"/>
-              <a:satMod val="160000"/>
-            </a:schemeClr>
-          </a:contourClr>
-        </a:sp3d>
-      </dsp:spPr>
-      <dsp:style>
-        <a:lnRef idx="0">
-          <a:scrgbClr r="0" g="0" b="0"/>
-        </a:lnRef>
-        <a:fillRef idx="3">
-          <a:scrgbClr r="0" g="0" b="0"/>
-        </a:fillRef>
-        <a:effectRef idx="3">
-          <a:scrgbClr r="0" g="0" b="0"/>
-        </a:effectRef>
-        <a:fontRef idx="minor">
-          <a:schemeClr val="lt1"/>
-        </a:fontRef>
-      </dsp:style>
-      <dsp:txBody>
-        <a:bodyPr spcFirstLastPara="0" vert="horz" wrap="square" lIns="11430" tIns="11430" rIns="11430" bIns="11430" numCol="1" spcCol="1270" anchor="ctr" anchorCtr="0">
-          <a:noAutofit/>
-        </a:bodyPr>
-        <a:lstStyle/>
-        <a:p>
-          <a:pPr lvl="0" algn="ctr" defTabSz="800100" rtl="0">
-            <a:lnSpc>
-              <a:spcPct val="90000"/>
-            </a:lnSpc>
-            <a:spcBef>
-              <a:spcPct val="0"/>
-            </a:spcBef>
-            <a:spcAft>
-              <a:spcPct val="35000"/>
-            </a:spcAft>
-          </a:pPr>
-          <a:r>
-            <a:rPr lang="es-AR" sz="1800" kern="1200" dirty="0" smtClean="0"/>
-            <a:t>Sistema de Gestión de Activos</a:t>
-          </a:r>
-          <a:endParaRPr lang="es-AR" sz="1800" kern="1200" dirty="0"/>
-        </a:p>
-      </dsp:txBody>
-      <dsp:txXfrm>
-        <a:off x="2758152" y="473032"/>
-        <a:ext cx="2480031" cy="756107"/>
-      </dsp:txXfrm>
-    </dsp:sp>
-    <dsp:sp modelId="{54FAEEFA-0FF3-48F4-92D8-72B4B63FC5C2}">
-      <dsp:nvSpPr>
-        <dsp:cNvPr id="0" name=""/>
-        <dsp:cNvSpPr/>
-      </dsp:nvSpPr>
-      <dsp:spPr>
-        <a:xfrm>
-          <a:off x="5734191" y="465"/>
-          <a:ext cx="2480031" cy="756107"/>
-        </a:xfrm>
-        <a:prstGeom prst="rect">
-          <a:avLst/>
-        </a:prstGeom>
-        <a:solidFill>
-          <a:srgbClr val="FFC000"/>
-        </a:solidFill>
-        <a:ln>
-          <a:solidFill>
-            <a:srgbClr val="FFC000"/>
-          </a:solidFill>
-        </a:ln>
-        <a:effectLst>
-          <a:outerShdw blurRad="76200" dist="25400" dir="5400000" algn="ctr" rotWithShape="0">
-            <a:srgbClr val="000000">
-              <a:alpha val="60000"/>
-            </a:srgbClr>
-          </a:outerShdw>
-        </a:effectLst>
-        <a:scene3d>
-          <a:camera prst="orthographicFront">
-            <a:rot lat="0" lon="0" rev="0"/>
-          </a:camera>
-          <a:lightRig rig="flat" dir="t">
-            <a:rot lat="0" lon="0" rev="3600000"/>
-          </a:lightRig>
-        </a:scene3d>
-        <a:sp3d contourW="12700" prstMaterial="flat">
-          <a:bevelT w="38100" h="44450" prst="angle"/>
-          <a:contourClr>
-            <a:schemeClr val="accent1">
-              <a:hueOff val="0"/>
-              <a:satOff val="0"/>
-              <a:lumOff val="0"/>
-              <a:alphaOff val="0"/>
-              <a:shade val="35000"/>
-              <a:satMod val="160000"/>
-            </a:schemeClr>
-          </a:contourClr>
-        </a:sp3d>
-      </dsp:spPr>
-      <dsp:style>
-        <a:lnRef idx="0">
-          <a:scrgbClr r="0" g="0" b="0"/>
-        </a:lnRef>
-        <a:fillRef idx="3">
-          <a:scrgbClr r="0" g="0" b="0"/>
-        </a:fillRef>
-        <a:effectRef idx="3">
-          <a:scrgbClr r="0" g="0" b="0"/>
-        </a:effectRef>
-        <a:fontRef idx="minor">
-          <a:schemeClr val="lt1"/>
-        </a:fontRef>
-      </dsp:style>
-      <dsp:txBody>
-        <a:bodyPr spcFirstLastPara="0" vert="horz" wrap="square" lIns="11430" tIns="11430" rIns="11430" bIns="11430" numCol="1" spcCol="1270" anchor="ctr" anchorCtr="0">
-          <a:noAutofit/>
-        </a:bodyPr>
-        <a:lstStyle/>
-        <a:p>
-          <a:pPr lvl="0" algn="ctr" defTabSz="800100" rtl="0">
-            <a:lnSpc>
-              <a:spcPct val="90000"/>
-            </a:lnSpc>
-            <a:spcBef>
-              <a:spcPct val="0"/>
-            </a:spcBef>
-            <a:spcAft>
-              <a:spcPct val="35000"/>
-            </a:spcAft>
-          </a:pPr>
-          <a:r>
-            <a:rPr lang="es-ES" sz="1800" kern="1200" dirty="0" smtClean="0"/>
-            <a:t>Módulo Consuman</a:t>
-          </a:r>
-        </a:p>
-        <a:p>
-          <a:pPr lvl="0" algn="ctr" defTabSz="800100" rtl="0">
-            <a:lnSpc>
-              <a:spcPct val="90000"/>
-            </a:lnSpc>
-            <a:spcBef>
-              <a:spcPct val="0"/>
-            </a:spcBef>
-            <a:spcAft>
-              <a:spcPct val="35000"/>
-            </a:spcAft>
-          </a:pPr>
-          <a:r>
-            <a:rPr lang="es-ES" sz="1600" kern="1200" dirty="0" smtClean="0"/>
-            <a:t>(MCONSU)</a:t>
-          </a:r>
-          <a:endParaRPr lang="es-AR" sz="1600" kern="1200" dirty="0"/>
-        </a:p>
-      </dsp:txBody>
-      <dsp:txXfrm>
-        <a:off x="5734191" y="465"/>
-        <a:ext cx="2480031" cy="756107"/>
-      </dsp:txXfrm>
-    </dsp:sp>
-    <dsp:sp modelId="{21A42AA5-CD4D-4411-B469-B0A8587086B7}">
-      <dsp:nvSpPr>
-        <dsp:cNvPr id="0" name=""/>
-        <dsp:cNvSpPr/>
-      </dsp:nvSpPr>
-      <dsp:spPr>
-        <a:xfrm>
-          <a:off x="5734191" y="945599"/>
-          <a:ext cx="2480031" cy="756107"/>
-        </a:xfrm>
-        <a:prstGeom prst="rect">
-          <a:avLst/>
-        </a:prstGeom>
-        <a:solidFill>
-          <a:srgbClr val="FFC000"/>
-        </a:solidFill>
-        <a:ln>
-          <a:solidFill>
-            <a:srgbClr val="FFC000"/>
-          </a:solidFill>
-        </a:ln>
-        <a:effectLst>
-          <a:outerShdw blurRad="76200" dist="25400" dir="5400000" algn="ctr" rotWithShape="0">
-            <a:srgbClr val="000000">
-              <a:alpha val="60000"/>
-            </a:srgbClr>
-          </a:outerShdw>
-        </a:effectLst>
-        <a:scene3d>
-          <a:camera prst="orthographicFront">
-            <a:rot lat="0" lon="0" rev="0"/>
-          </a:camera>
-          <a:lightRig rig="flat" dir="t">
-            <a:rot lat="0" lon="0" rev="3600000"/>
-          </a:lightRig>
-        </a:scene3d>
-        <a:sp3d contourW="12700" prstMaterial="flat">
-          <a:bevelT w="38100" h="44450" prst="angle"/>
-          <a:contourClr>
-            <a:schemeClr val="accent1">
-              <a:hueOff val="0"/>
-              <a:satOff val="0"/>
-              <a:lumOff val="0"/>
-              <a:alphaOff val="0"/>
-              <a:shade val="35000"/>
-              <a:satMod val="160000"/>
-            </a:schemeClr>
-          </a:contourClr>
-        </a:sp3d>
-      </dsp:spPr>
-      <dsp:style>
-        <a:lnRef idx="0">
-          <a:scrgbClr r="0" g="0" b="0"/>
-        </a:lnRef>
-        <a:fillRef idx="3">
-          <a:scrgbClr r="0" g="0" b="0"/>
-        </a:fillRef>
-        <a:effectRef idx="3">
-          <a:scrgbClr r="0" g="0" b="0"/>
-        </a:effectRef>
-        <a:fontRef idx="minor">
-          <a:schemeClr val="lt1"/>
-        </a:fontRef>
-      </dsp:style>
-      <dsp:txBody>
-        <a:bodyPr spcFirstLastPara="0" vert="horz" wrap="square" lIns="11430" tIns="11430" rIns="11430" bIns="11430" numCol="1" spcCol="1270" anchor="ctr" anchorCtr="0">
-          <a:noAutofit/>
-        </a:bodyPr>
-        <a:lstStyle/>
-        <a:p>
-          <a:pPr lvl="0" algn="ctr" defTabSz="800100" rtl="0">
-            <a:lnSpc>
-              <a:spcPct val="90000"/>
-            </a:lnSpc>
-            <a:spcBef>
-              <a:spcPct val="0"/>
-            </a:spcBef>
-            <a:spcAft>
-              <a:spcPct val="35000"/>
-            </a:spcAft>
-          </a:pPr>
-          <a:r>
-            <a:rPr lang="es-ES" sz="1800" kern="1200" dirty="0" smtClean="0"/>
-            <a:t>Módulo Stock</a:t>
-          </a:r>
-        </a:p>
-        <a:p>
-          <a:pPr lvl="0" algn="ctr" defTabSz="800100" rtl="0">
-            <a:lnSpc>
-              <a:spcPct val="90000"/>
-            </a:lnSpc>
-            <a:spcBef>
-              <a:spcPct val="0"/>
-            </a:spcBef>
-            <a:spcAft>
-              <a:spcPct val="35000"/>
-            </a:spcAft>
-          </a:pPr>
-          <a:r>
-            <a:rPr lang="es-ES" sz="1600" kern="1200" dirty="0" smtClean="0"/>
-            <a:t>(MSTOCK)</a:t>
-          </a:r>
-          <a:endParaRPr lang="es-AR" sz="1600" kern="1200" dirty="0"/>
-        </a:p>
-      </dsp:txBody>
-      <dsp:txXfrm>
-        <a:off x="5734191" y="945599"/>
-        <a:ext cx="2480031" cy="756107"/>
-      </dsp:txXfrm>
-    </dsp:sp>
-    <dsp:sp modelId="{FA431ABF-6EE0-4882-A20E-409C494D499D}">
-      <dsp:nvSpPr>
-        <dsp:cNvPr id="0" name=""/>
-        <dsp:cNvSpPr/>
-      </dsp:nvSpPr>
-      <dsp:spPr>
-        <a:xfrm>
-          <a:off x="2758152" y="1890733"/>
-          <a:ext cx="2480031" cy="756107"/>
-        </a:xfrm>
-        <a:prstGeom prst="rect">
-          <a:avLst/>
-        </a:prstGeom>
-        <a:solidFill>
-          <a:schemeClr val="bg1">
-            <a:lumMod val="65000"/>
-          </a:schemeClr>
-        </a:solidFill>
-        <a:ln>
-          <a:solidFill>
-            <a:schemeClr val="bg1">
-              <a:lumMod val="65000"/>
-            </a:schemeClr>
-          </a:solidFill>
-        </a:ln>
-        <a:effectLst>
-          <a:outerShdw blurRad="76200" dist="25400" dir="5400000" algn="ctr" rotWithShape="0">
-            <a:srgbClr val="000000">
-              <a:alpha val="60000"/>
-            </a:srgbClr>
-          </a:outerShdw>
-        </a:effectLst>
-        <a:scene3d>
-          <a:camera prst="orthographicFront">
-            <a:rot lat="0" lon="0" rev="0"/>
-          </a:camera>
-          <a:lightRig rig="flat" dir="t">
-            <a:rot lat="0" lon="0" rev="3600000"/>
-          </a:lightRig>
-        </a:scene3d>
-        <a:sp3d contourW="12700" prstMaterial="flat">
-          <a:bevelT w="38100" h="44450" prst="angle"/>
-          <a:contourClr>
-            <a:schemeClr val="accent1">
-              <a:hueOff val="0"/>
-              <a:satOff val="0"/>
-              <a:lumOff val="0"/>
-              <a:alphaOff val="0"/>
-              <a:shade val="35000"/>
-              <a:satMod val="160000"/>
-            </a:schemeClr>
-          </a:contourClr>
-        </a:sp3d>
-      </dsp:spPr>
-      <dsp:style>
-        <a:lnRef idx="0">
-          <a:scrgbClr r="0" g="0" b="0"/>
-        </a:lnRef>
-        <a:fillRef idx="3">
-          <a:scrgbClr r="0" g="0" b="0"/>
-        </a:fillRef>
-        <a:effectRef idx="3">
-          <a:scrgbClr r="0" g="0" b="0"/>
-        </a:effectRef>
-        <a:fontRef idx="minor">
-          <a:schemeClr val="lt1"/>
-        </a:fontRef>
-      </dsp:style>
-      <dsp:txBody>
-        <a:bodyPr spcFirstLastPara="0" vert="horz" wrap="square" lIns="11430" tIns="11430" rIns="11430" bIns="11430" numCol="1" spcCol="1270" anchor="ctr" anchorCtr="0">
-          <a:noAutofit/>
-        </a:bodyPr>
-        <a:lstStyle/>
-        <a:p>
-          <a:pPr lvl="0" algn="ctr" defTabSz="800100" rtl="0">
-            <a:lnSpc>
-              <a:spcPct val="90000"/>
-            </a:lnSpc>
-            <a:spcBef>
-              <a:spcPct val="0"/>
-            </a:spcBef>
-            <a:spcAft>
-              <a:spcPct val="35000"/>
-            </a:spcAft>
-          </a:pPr>
-          <a:r>
-            <a:rPr lang="es-AR" sz="1800" kern="1200" dirty="0" smtClean="0"/>
-            <a:t>Sistema de Administración de Procesos de Negocio</a:t>
-          </a:r>
-          <a:endParaRPr lang="es-AR" sz="1800" kern="1200" dirty="0"/>
-        </a:p>
-      </dsp:txBody>
-      <dsp:txXfrm>
-        <a:off x="2758152" y="1890733"/>
-        <a:ext cx="2480031" cy="756107"/>
-      </dsp:txXfrm>
-    </dsp:sp>
-    <dsp:sp modelId="{4FFF9C09-F38F-4FBE-9CCE-56DE644C8973}">
-      <dsp:nvSpPr>
-        <dsp:cNvPr id="0" name=""/>
-        <dsp:cNvSpPr/>
-      </dsp:nvSpPr>
-      <dsp:spPr>
-        <a:xfrm>
-          <a:off x="5734191" y="1890733"/>
-          <a:ext cx="2480031" cy="756107"/>
-        </a:xfrm>
-        <a:prstGeom prst="rect">
-          <a:avLst/>
-        </a:prstGeom>
-        <a:solidFill>
-          <a:srgbClr val="FFC000"/>
-        </a:solidFill>
-        <a:ln>
-          <a:solidFill>
-            <a:srgbClr val="FFC000"/>
-          </a:solidFill>
-        </a:ln>
-        <a:effectLst>
-          <a:outerShdw blurRad="76200" dist="25400" dir="5400000" algn="ctr" rotWithShape="0">
-            <a:srgbClr val="000000">
-              <a:alpha val="60000"/>
-            </a:srgbClr>
-          </a:outerShdw>
-        </a:effectLst>
-        <a:scene3d>
-          <a:camera prst="orthographicFront">
-            <a:rot lat="0" lon="0" rev="0"/>
-          </a:camera>
-          <a:lightRig rig="flat" dir="t">
-            <a:rot lat="0" lon="0" rev="3600000"/>
-          </a:lightRig>
-        </a:scene3d>
-        <a:sp3d contourW="12700" prstMaterial="flat">
-          <a:bevelT w="38100" h="44450" prst="angle"/>
-          <a:contourClr>
-            <a:schemeClr val="accent1">
-              <a:hueOff val="0"/>
-              <a:satOff val="0"/>
-              <a:lumOff val="0"/>
-              <a:alphaOff val="0"/>
-              <a:shade val="35000"/>
-              <a:satMod val="160000"/>
-            </a:schemeClr>
-          </a:contourClr>
-        </a:sp3d>
-      </dsp:spPr>
-      <dsp:style>
-        <a:lnRef idx="0">
-          <a:scrgbClr r="0" g="0" b="0"/>
-        </a:lnRef>
-        <a:fillRef idx="3">
-          <a:scrgbClr r="0" g="0" b="0"/>
-        </a:fillRef>
-        <a:effectRef idx="3">
-          <a:scrgbClr r="0" g="0" b="0"/>
-        </a:effectRef>
-        <a:fontRef idx="minor">
-          <a:schemeClr val="lt1"/>
-        </a:fontRef>
-      </dsp:style>
-      <dsp:txBody>
-        <a:bodyPr spcFirstLastPara="0" vert="horz" wrap="square" lIns="11430" tIns="11430" rIns="11430" bIns="11430" numCol="1" spcCol="1270" anchor="ctr" anchorCtr="0">
-          <a:noAutofit/>
-        </a:bodyPr>
-        <a:lstStyle/>
-        <a:p>
-          <a:pPr lvl="0" algn="ctr" defTabSz="800100" rtl="0">
-            <a:lnSpc>
-              <a:spcPct val="90000"/>
-            </a:lnSpc>
-            <a:spcBef>
-              <a:spcPct val="0"/>
-            </a:spcBef>
-            <a:spcAft>
-              <a:spcPct val="35000"/>
-            </a:spcAft>
-          </a:pPr>
-          <a:r>
-            <a:rPr lang="es-AR" sz="1800" kern="1200" dirty="0" smtClean="0"/>
-            <a:t>Módulo Procesos de Negocio </a:t>
-          </a:r>
-          <a:r>
-            <a:rPr lang="es-AR" sz="1600" kern="1200" dirty="0" smtClean="0"/>
-            <a:t>(MBPM)</a:t>
-          </a:r>
-          <a:endParaRPr lang="es-AR" sz="1600" kern="1200" dirty="0"/>
-        </a:p>
-      </dsp:txBody>
-      <dsp:txXfrm>
-        <a:off x="5734191" y="1890733"/>
-        <a:ext cx="2480031" cy="756107"/>
-      </dsp:txXfrm>
-    </dsp:sp>
-    <dsp:sp modelId="{ADB1CDA6-7584-4AA5-AE51-618BF4D51C53}">
-      <dsp:nvSpPr>
-        <dsp:cNvPr id="0" name=""/>
-        <dsp:cNvSpPr/>
-      </dsp:nvSpPr>
-      <dsp:spPr>
-        <a:xfrm>
-          <a:off x="2758152" y="2835867"/>
-          <a:ext cx="2480031" cy="756107"/>
-        </a:xfrm>
-        <a:prstGeom prst="rect">
-          <a:avLst/>
-        </a:prstGeom>
-        <a:solidFill>
-          <a:schemeClr val="bg1">
-            <a:lumMod val="65000"/>
-          </a:schemeClr>
-        </a:solidFill>
-        <a:ln>
-          <a:solidFill>
-            <a:schemeClr val="bg1">
-              <a:lumMod val="65000"/>
-            </a:schemeClr>
-          </a:solidFill>
-        </a:ln>
-        <a:effectLst>
-          <a:outerShdw blurRad="76200" dist="25400" dir="5400000" algn="ctr" rotWithShape="0">
-            <a:srgbClr val="000000">
-              <a:alpha val="60000"/>
-            </a:srgbClr>
-          </a:outerShdw>
-        </a:effectLst>
-        <a:scene3d>
-          <a:camera prst="orthographicFront">
-            <a:rot lat="0" lon="0" rev="0"/>
-          </a:camera>
-          <a:lightRig rig="flat" dir="t">
-            <a:rot lat="0" lon="0" rev="3600000"/>
-          </a:lightRig>
-        </a:scene3d>
-        <a:sp3d contourW="12700" prstMaterial="flat">
-          <a:bevelT w="38100" h="44450" prst="angle"/>
-          <a:contourClr>
-            <a:schemeClr val="accent1">
-              <a:hueOff val="0"/>
-              <a:satOff val="0"/>
-              <a:lumOff val="0"/>
-              <a:alphaOff val="0"/>
-              <a:shade val="35000"/>
-              <a:satMod val="160000"/>
-            </a:schemeClr>
-          </a:contourClr>
-        </a:sp3d>
-      </dsp:spPr>
-      <dsp:style>
-        <a:lnRef idx="0">
-          <a:scrgbClr r="0" g="0" b="0"/>
-        </a:lnRef>
-        <a:fillRef idx="3">
-          <a:scrgbClr r="0" g="0" b="0"/>
-        </a:fillRef>
-        <a:effectRef idx="3">
-          <a:scrgbClr r="0" g="0" b="0"/>
-        </a:effectRef>
-        <a:fontRef idx="minor">
-          <a:schemeClr val="lt1"/>
-        </a:fontRef>
-      </dsp:style>
-      <dsp:txBody>
-        <a:bodyPr spcFirstLastPara="0" vert="horz" wrap="square" lIns="12700" tIns="12700" rIns="12700" bIns="12700" numCol="1" spcCol="1270" anchor="ctr" anchorCtr="0">
-          <a:noAutofit/>
-        </a:bodyPr>
-        <a:lstStyle/>
-        <a:p>
-          <a:pPr lvl="0" algn="ctr" defTabSz="889000" rtl="0">
-            <a:lnSpc>
-              <a:spcPct val="90000"/>
-            </a:lnSpc>
-            <a:spcBef>
-              <a:spcPct val="0"/>
-            </a:spcBef>
-            <a:spcAft>
-              <a:spcPct val="35000"/>
-            </a:spcAft>
-          </a:pPr>
-          <a:r>
-            <a:rPr lang="es-AR" sz="2000" kern="1200" dirty="0" smtClean="0"/>
-            <a:t>Sistema de </a:t>
-          </a:r>
-          <a:r>
-            <a:rPr lang="es-AR" sz="1800" kern="1200" dirty="0" smtClean="0"/>
-            <a:t>Interacción</a:t>
-          </a:r>
-          <a:endParaRPr lang="es-AR" sz="2000" kern="1200" dirty="0"/>
-        </a:p>
-      </dsp:txBody>
-      <dsp:txXfrm>
-        <a:off x="2758152" y="2835867"/>
-        <a:ext cx="2480031" cy="756107"/>
-      </dsp:txXfrm>
-    </dsp:sp>
-    <dsp:sp modelId="{415E86F6-D392-43C4-94A3-0A77AEC0A822}">
-      <dsp:nvSpPr>
-        <dsp:cNvPr id="0" name=""/>
-        <dsp:cNvSpPr/>
-      </dsp:nvSpPr>
-      <dsp:spPr>
-        <a:xfrm>
-          <a:off x="5734191" y="2835867"/>
-          <a:ext cx="2480031" cy="756107"/>
-        </a:xfrm>
-        <a:prstGeom prst="rect">
-          <a:avLst/>
-        </a:prstGeom>
-        <a:solidFill>
-          <a:srgbClr val="FFC000"/>
-        </a:solidFill>
-        <a:ln>
-          <a:solidFill>
-            <a:srgbClr val="FFC000"/>
-          </a:solidFill>
-        </a:ln>
-        <a:effectLst>
-          <a:outerShdw blurRad="76200" dist="25400" dir="5400000" algn="ctr" rotWithShape="0">
-            <a:srgbClr val="000000">
-              <a:alpha val="60000"/>
-            </a:srgbClr>
-          </a:outerShdw>
-        </a:effectLst>
-        <a:scene3d>
-          <a:camera prst="orthographicFront">
-            <a:rot lat="0" lon="0" rev="0"/>
-          </a:camera>
-          <a:lightRig rig="flat" dir="t">
-            <a:rot lat="0" lon="0" rev="3600000"/>
-          </a:lightRig>
-        </a:scene3d>
-        <a:sp3d contourW="12700" prstMaterial="flat">
-          <a:bevelT w="38100" h="44450" prst="angle"/>
-          <a:contourClr>
-            <a:schemeClr val="accent1">
-              <a:hueOff val="0"/>
-              <a:satOff val="0"/>
-              <a:lumOff val="0"/>
-              <a:alphaOff val="0"/>
-              <a:shade val="35000"/>
-              <a:satMod val="160000"/>
-            </a:schemeClr>
-          </a:contourClr>
-        </a:sp3d>
-      </dsp:spPr>
-      <dsp:style>
-        <a:lnRef idx="0">
-          <a:scrgbClr r="0" g="0" b="0"/>
-        </a:lnRef>
-        <a:fillRef idx="3">
-          <a:scrgbClr r="0" g="0" b="0"/>
-        </a:fillRef>
-        <a:effectRef idx="3">
-          <a:scrgbClr r="0" g="0" b="0"/>
-        </a:effectRef>
-        <a:fontRef idx="minor">
-          <a:schemeClr val="lt1"/>
-        </a:fontRef>
-      </dsp:style>
-      <dsp:txBody>
-        <a:bodyPr spcFirstLastPara="0" vert="horz" wrap="square" lIns="11430" tIns="11430" rIns="11430" bIns="11430" numCol="1" spcCol="1270" anchor="ctr" anchorCtr="0">
-          <a:noAutofit/>
-        </a:bodyPr>
-        <a:lstStyle/>
-        <a:p>
-          <a:pPr lvl="0" algn="ctr" defTabSz="800100" rtl="0">
-            <a:lnSpc>
-              <a:spcPct val="90000"/>
-            </a:lnSpc>
-            <a:spcBef>
-              <a:spcPct val="0"/>
-            </a:spcBef>
-            <a:spcAft>
-              <a:spcPct val="35000"/>
-            </a:spcAft>
-          </a:pPr>
-          <a:r>
-            <a:rPr lang="es-ES" sz="1800" kern="1200" dirty="0" smtClean="0"/>
-            <a:t>Módulo Eventos</a:t>
-          </a:r>
-        </a:p>
-        <a:p>
-          <a:pPr lvl="0" algn="ctr" defTabSz="800100" rtl="0">
-            <a:lnSpc>
-              <a:spcPct val="90000"/>
-            </a:lnSpc>
-            <a:spcBef>
-              <a:spcPct val="0"/>
-            </a:spcBef>
-            <a:spcAft>
-              <a:spcPct val="35000"/>
-            </a:spcAft>
-          </a:pPr>
-          <a:r>
-            <a:rPr lang="es-ES" sz="1600" kern="1200" dirty="0" smtClean="0"/>
-            <a:t>(MEV)</a:t>
-          </a:r>
-          <a:endParaRPr lang="es-AR" sz="1800" kern="1200" dirty="0"/>
-        </a:p>
-      </dsp:txBody>
-      <dsp:txXfrm>
-        <a:off x="5734191" y="2835867"/>
-        <a:ext cx="2480031" cy="756107"/>
-      </dsp:txXfrm>
-    </dsp:sp>
   </dsp:spTree>
 </dsp:drawing>
 </file>
@@ -15763,2223 +13035,6 @@
       <dsp:cNvGrpSpPr/>
     </dsp:nvGrpSpPr>
     <dsp:grpSpPr/>
-    <dsp:sp modelId="{1481C750-B8E6-4620-A637-527A39F87327}">
-      <dsp:nvSpPr>
-        <dsp:cNvPr id="0" name=""/>
-        <dsp:cNvSpPr/>
-      </dsp:nvSpPr>
-      <dsp:spPr>
-        <a:xfrm>
-          <a:off x="4158478" y="3152027"/>
-          <a:ext cx="895046" cy="684375"/>
-        </a:xfrm>
-        <a:custGeom>
-          <a:avLst/>
-          <a:gdLst/>
-          <a:ahLst/>
-          <a:cxnLst/>
-          <a:rect l="0" t="0" r="0" b="0"/>
-          <a:pathLst>
-            <a:path>
-              <a:moveTo>
-                <a:pt x="0" y="0"/>
-              </a:moveTo>
-              <a:lnTo>
-                <a:pt x="447523" y="0"/>
-              </a:lnTo>
-              <a:lnTo>
-                <a:pt x="447523" y="684375"/>
-              </a:lnTo>
-              <a:lnTo>
-                <a:pt x="895046" y="684375"/>
-              </a:lnTo>
-            </a:path>
-          </a:pathLst>
-        </a:custGeom>
-        <a:noFill/>
-        <a:ln w="15875" cap="flat" cmpd="sng" algn="ctr">
-          <a:solidFill>
-            <a:schemeClr val="bg1">
-              <a:lumMod val="65000"/>
-            </a:schemeClr>
-          </a:solidFill>
-          <a:prstDash val="solid"/>
-        </a:ln>
-        <a:effectLst/>
-      </dsp:spPr>
-      <dsp:style>
-        <a:lnRef idx="2">
-          <a:scrgbClr r="0" g="0" b="0"/>
-        </a:lnRef>
-        <a:fillRef idx="0">
-          <a:scrgbClr r="0" g="0" b="0"/>
-        </a:fillRef>
-        <a:effectRef idx="0">
-          <a:scrgbClr r="0" g="0" b="0"/>
-        </a:effectRef>
-        <a:fontRef idx="minor"/>
-      </dsp:style>
-      <dsp:txBody>
-        <a:bodyPr spcFirstLastPara="0" vert="horz" wrap="square" lIns="12700" tIns="0" rIns="12700" bIns="0" numCol="1" spcCol="1270" anchor="ctr" anchorCtr="0">
-          <a:noAutofit/>
-        </a:bodyPr>
-        <a:lstStyle/>
-        <a:p>
-          <a:pPr lvl="0" algn="ctr" defTabSz="222250">
-            <a:lnSpc>
-              <a:spcPct val="90000"/>
-            </a:lnSpc>
-            <a:spcBef>
-              <a:spcPct val="0"/>
-            </a:spcBef>
-            <a:spcAft>
-              <a:spcPct val="35000"/>
-            </a:spcAft>
-          </a:pPr>
-          <a:endParaRPr lang="es-AR" sz="500" kern="1200"/>
-        </a:p>
-      </dsp:txBody>
-      <dsp:txXfrm>
-        <a:off x="4577834" y="3466046"/>
-        <a:ext cx="56335" cy="56335"/>
-      </dsp:txXfrm>
-    </dsp:sp>
-    <dsp:sp modelId="{74AF3FAF-BEA6-443A-B73D-1F220BACC405}">
-      <dsp:nvSpPr>
-        <dsp:cNvPr id="0" name=""/>
-        <dsp:cNvSpPr/>
-      </dsp:nvSpPr>
-      <dsp:spPr>
-        <a:xfrm>
-          <a:off x="4158478" y="3152027"/>
-          <a:ext cx="895046" cy="228115"/>
-        </a:xfrm>
-        <a:custGeom>
-          <a:avLst/>
-          <a:gdLst/>
-          <a:ahLst/>
-          <a:cxnLst/>
-          <a:rect l="0" t="0" r="0" b="0"/>
-          <a:pathLst>
-            <a:path>
-              <a:moveTo>
-                <a:pt x="0" y="0"/>
-              </a:moveTo>
-              <a:lnTo>
-                <a:pt x="447523" y="0"/>
-              </a:lnTo>
-              <a:lnTo>
-                <a:pt x="447523" y="228115"/>
-              </a:lnTo>
-              <a:lnTo>
-                <a:pt x="895046" y="228115"/>
-              </a:lnTo>
-            </a:path>
-          </a:pathLst>
-        </a:custGeom>
-        <a:noFill/>
-        <a:ln w="15875" cap="flat" cmpd="sng" algn="ctr">
-          <a:solidFill>
-            <a:schemeClr val="accent1">
-              <a:shade val="80000"/>
-              <a:hueOff val="0"/>
-              <a:satOff val="0"/>
-              <a:lumOff val="0"/>
-              <a:alphaOff val="0"/>
-            </a:schemeClr>
-          </a:solidFill>
-          <a:prstDash val="solid"/>
-        </a:ln>
-        <a:effectLst/>
-      </dsp:spPr>
-      <dsp:style>
-        <a:lnRef idx="2">
-          <a:scrgbClr r="0" g="0" b="0"/>
-        </a:lnRef>
-        <a:fillRef idx="0">
-          <a:scrgbClr r="0" g="0" b="0"/>
-        </a:fillRef>
-        <a:effectRef idx="0">
-          <a:scrgbClr r="0" g="0" b="0"/>
-        </a:effectRef>
-        <a:fontRef idx="minor"/>
-      </dsp:style>
-      <dsp:txBody>
-        <a:bodyPr spcFirstLastPara="0" vert="horz" wrap="square" lIns="12700" tIns="0" rIns="12700" bIns="0" numCol="1" spcCol="1270" anchor="ctr" anchorCtr="0">
-          <a:noAutofit/>
-        </a:bodyPr>
-        <a:lstStyle/>
-        <a:p>
-          <a:pPr lvl="0" algn="ctr" defTabSz="222250">
-            <a:lnSpc>
-              <a:spcPct val="90000"/>
-            </a:lnSpc>
-            <a:spcBef>
-              <a:spcPct val="0"/>
-            </a:spcBef>
-            <a:spcAft>
-              <a:spcPct val="35000"/>
-            </a:spcAft>
-          </a:pPr>
-          <a:endParaRPr lang="es-AR" sz="500" kern="1200"/>
-        </a:p>
-      </dsp:txBody>
-      <dsp:txXfrm>
-        <a:off x="4582910" y="3242993"/>
-        <a:ext cx="46182" cy="46182"/>
-      </dsp:txXfrm>
-    </dsp:sp>
-    <dsp:sp modelId="{E72EC894-CBCF-419A-BC6C-987E69CF7C14}">
-      <dsp:nvSpPr>
-        <dsp:cNvPr id="0" name=""/>
-        <dsp:cNvSpPr/>
-      </dsp:nvSpPr>
-      <dsp:spPr>
-        <a:xfrm>
-          <a:off x="4158478" y="2923882"/>
-          <a:ext cx="895046" cy="228144"/>
-        </a:xfrm>
-        <a:custGeom>
-          <a:avLst/>
-          <a:gdLst/>
-          <a:ahLst/>
-          <a:cxnLst/>
-          <a:rect l="0" t="0" r="0" b="0"/>
-          <a:pathLst>
-            <a:path>
-              <a:moveTo>
-                <a:pt x="0" y="228144"/>
-              </a:moveTo>
-              <a:lnTo>
-                <a:pt x="447523" y="228144"/>
-              </a:lnTo>
-              <a:lnTo>
-                <a:pt x="447523" y="0"/>
-              </a:lnTo>
-              <a:lnTo>
-                <a:pt x="895046" y="0"/>
-              </a:lnTo>
-            </a:path>
-          </a:pathLst>
-        </a:custGeom>
-        <a:noFill/>
-        <a:ln w="15875" cap="flat" cmpd="sng" algn="ctr">
-          <a:solidFill>
-            <a:schemeClr val="accent1">
-              <a:shade val="80000"/>
-              <a:hueOff val="0"/>
-              <a:satOff val="0"/>
-              <a:lumOff val="0"/>
-              <a:alphaOff val="0"/>
-            </a:schemeClr>
-          </a:solidFill>
-          <a:prstDash val="solid"/>
-        </a:ln>
-        <a:effectLst/>
-      </dsp:spPr>
-      <dsp:style>
-        <a:lnRef idx="2">
-          <a:scrgbClr r="0" g="0" b="0"/>
-        </a:lnRef>
-        <a:fillRef idx="0">
-          <a:scrgbClr r="0" g="0" b="0"/>
-        </a:fillRef>
-        <a:effectRef idx="0">
-          <a:scrgbClr r="0" g="0" b="0"/>
-        </a:effectRef>
-        <a:fontRef idx="minor"/>
-      </dsp:style>
-      <dsp:txBody>
-        <a:bodyPr spcFirstLastPara="0" vert="horz" wrap="square" lIns="12700" tIns="0" rIns="12700" bIns="0" numCol="1" spcCol="1270" anchor="ctr" anchorCtr="0">
-          <a:noAutofit/>
-        </a:bodyPr>
-        <a:lstStyle/>
-        <a:p>
-          <a:pPr lvl="0" algn="ctr" defTabSz="222250">
-            <a:lnSpc>
-              <a:spcPct val="90000"/>
-            </a:lnSpc>
-            <a:spcBef>
-              <a:spcPct val="0"/>
-            </a:spcBef>
-            <a:spcAft>
-              <a:spcPct val="35000"/>
-            </a:spcAft>
-          </a:pPr>
-          <a:endParaRPr lang="es-AR" sz="500" kern="1200"/>
-        </a:p>
-      </dsp:txBody>
-      <dsp:txXfrm>
-        <a:off x="4582910" y="3014863"/>
-        <a:ext cx="46183" cy="46183"/>
-      </dsp:txXfrm>
-    </dsp:sp>
-    <dsp:sp modelId="{91B33050-795E-4C9B-BFF3-137D0BF1B0BF}">
-      <dsp:nvSpPr>
-        <dsp:cNvPr id="0" name=""/>
-        <dsp:cNvSpPr/>
-      </dsp:nvSpPr>
-      <dsp:spPr>
-        <a:xfrm>
-          <a:off x="4158478" y="2467622"/>
-          <a:ext cx="895046" cy="684404"/>
-        </a:xfrm>
-        <a:custGeom>
-          <a:avLst/>
-          <a:gdLst/>
-          <a:ahLst/>
-          <a:cxnLst/>
-          <a:rect l="0" t="0" r="0" b="0"/>
-          <a:pathLst>
-            <a:path>
-              <a:moveTo>
-                <a:pt x="0" y="684404"/>
-              </a:moveTo>
-              <a:lnTo>
-                <a:pt x="447523" y="684404"/>
-              </a:lnTo>
-              <a:lnTo>
-                <a:pt x="447523" y="0"/>
-              </a:lnTo>
-              <a:lnTo>
-                <a:pt x="895046" y="0"/>
-              </a:lnTo>
-            </a:path>
-          </a:pathLst>
-        </a:custGeom>
-        <a:noFill/>
-        <a:ln w="15875" cap="flat" cmpd="sng" algn="ctr">
-          <a:solidFill>
-            <a:schemeClr val="bg1">
-              <a:lumMod val="65000"/>
-            </a:schemeClr>
-          </a:solidFill>
-          <a:prstDash val="solid"/>
-        </a:ln>
-        <a:effectLst/>
-      </dsp:spPr>
-      <dsp:style>
-        <a:lnRef idx="2">
-          <a:scrgbClr r="0" g="0" b="0"/>
-        </a:lnRef>
-        <a:fillRef idx="0">
-          <a:scrgbClr r="0" g="0" b="0"/>
-        </a:fillRef>
-        <a:effectRef idx="0">
-          <a:scrgbClr r="0" g="0" b="0"/>
-        </a:effectRef>
-        <a:fontRef idx="minor"/>
-      </dsp:style>
-      <dsp:txBody>
-        <a:bodyPr spcFirstLastPara="0" vert="horz" wrap="square" lIns="12700" tIns="0" rIns="12700" bIns="0" numCol="1" spcCol="1270" anchor="ctr" anchorCtr="0">
-          <a:noAutofit/>
-        </a:bodyPr>
-        <a:lstStyle/>
-        <a:p>
-          <a:pPr lvl="0" algn="ctr" defTabSz="222250">
-            <a:lnSpc>
-              <a:spcPct val="90000"/>
-            </a:lnSpc>
-            <a:spcBef>
-              <a:spcPct val="0"/>
-            </a:spcBef>
-            <a:spcAft>
-              <a:spcPct val="35000"/>
-            </a:spcAft>
-          </a:pPr>
-          <a:endParaRPr lang="es-AR" sz="500" kern="1200"/>
-        </a:p>
-      </dsp:txBody>
-      <dsp:txXfrm>
-        <a:off x="4577833" y="2781656"/>
-        <a:ext cx="56336" cy="56336"/>
-      </dsp:txXfrm>
-    </dsp:sp>
-    <dsp:sp modelId="{6967467D-4211-42D8-B7FC-E7057EA5CCB5}">
-      <dsp:nvSpPr>
-        <dsp:cNvPr id="0" name=""/>
-        <dsp:cNvSpPr/>
-      </dsp:nvSpPr>
-      <dsp:spPr>
-        <a:xfrm>
-          <a:off x="1978278" y="2003872"/>
-          <a:ext cx="982974" cy="1148154"/>
-        </a:xfrm>
-        <a:custGeom>
-          <a:avLst/>
-          <a:gdLst/>
-          <a:ahLst/>
-          <a:cxnLst/>
-          <a:rect l="0" t="0" r="0" b="0"/>
-          <a:pathLst>
-            <a:path>
-              <a:moveTo>
-                <a:pt x="0" y="0"/>
-              </a:moveTo>
-              <a:lnTo>
-                <a:pt x="491487" y="0"/>
-              </a:lnTo>
-              <a:lnTo>
-                <a:pt x="491487" y="1148154"/>
-              </a:lnTo>
-              <a:lnTo>
-                <a:pt x="982974" y="1148154"/>
-              </a:lnTo>
-            </a:path>
-          </a:pathLst>
-        </a:custGeom>
-        <a:noFill/>
-        <a:ln w="15875" cap="flat" cmpd="sng" algn="ctr">
-          <a:solidFill>
-            <a:schemeClr val="bg1">
-              <a:lumMod val="65000"/>
-            </a:schemeClr>
-          </a:solidFill>
-          <a:prstDash val="solid"/>
-        </a:ln>
-        <a:effectLst/>
-      </dsp:spPr>
-      <dsp:style>
-        <a:lnRef idx="2">
-          <a:scrgbClr r="0" g="0" b="0"/>
-        </a:lnRef>
-        <a:fillRef idx="0">
-          <a:scrgbClr r="0" g="0" b="0"/>
-        </a:fillRef>
-        <a:effectRef idx="0">
-          <a:scrgbClr r="0" g="0" b="0"/>
-        </a:effectRef>
-        <a:fontRef idx="minor"/>
-      </dsp:style>
-      <dsp:txBody>
-        <a:bodyPr spcFirstLastPara="0" vert="horz" wrap="square" lIns="12700" tIns="0" rIns="12700" bIns="0" numCol="1" spcCol="1270" anchor="ctr" anchorCtr="0">
-          <a:noAutofit/>
-        </a:bodyPr>
-        <a:lstStyle/>
-        <a:p>
-          <a:pPr lvl="0" algn="ctr" defTabSz="266700">
-            <a:lnSpc>
-              <a:spcPct val="90000"/>
-            </a:lnSpc>
-            <a:spcBef>
-              <a:spcPct val="0"/>
-            </a:spcBef>
-            <a:spcAft>
-              <a:spcPct val="35000"/>
-            </a:spcAft>
-          </a:pPr>
-          <a:endParaRPr lang="es-AR" sz="600" kern="1200"/>
-        </a:p>
-      </dsp:txBody>
-      <dsp:txXfrm>
-        <a:off x="2431978" y="2540163"/>
-        <a:ext cx="75572" cy="75572"/>
-      </dsp:txXfrm>
-    </dsp:sp>
-    <dsp:sp modelId="{E64320C1-421E-4BA4-A8C7-2AEF06013711}">
-      <dsp:nvSpPr>
-        <dsp:cNvPr id="0" name=""/>
-        <dsp:cNvSpPr/>
-      </dsp:nvSpPr>
-      <dsp:spPr>
-        <a:xfrm>
-          <a:off x="4158478" y="1965642"/>
-          <a:ext cx="895046" cy="91440"/>
-        </a:xfrm>
-        <a:custGeom>
-          <a:avLst/>
-          <a:gdLst/>
-          <a:ahLst/>
-          <a:cxnLst/>
-          <a:rect l="0" t="0" r="0" b="0"/>
-          <a:pathLst>
-            <a:path>
-              <a:moveTo>
-                <a:pt x="0" y="45734"/>
-              </a:moveTo>
-              <a:lnTo>
-                <a:pt x="447523" y="45734"/>
-              </a:lnTo>
-              <a:lnTo>
-                <a:pt x="447523" y="45720"/>
-              </a:lnTo>
-              <a:lnTo>
-                <a:pt x="895046" y="45720"/>
-              </a:lnTo>
-            </a:path>
-          </a:pathLst>
-        </a:custGeom>
-        <a:noFill/>
-        <a:ln w="15875" cap="flat" cmpd="sng" algn="ctr">
-          <a:solidFill>
-            <a:schemeClr val="bg1">
-              <a:lumMod val="65000"/>
-            </a:schemeClr>
-          </a:solidFill>
-          <a:prstDash val="solid"/>
-        </a:ln>
-        <a:effectLst/>
-      </dsp:spPr>
-      <dsp:style>
-        <a:lnRef idx="2">
-          <a:scrgbClr r="0" g="0" b="0"/>
-        </a:lnRef>
-        <a:fillRef idx="0">
-          <a:scrgbClr r="0" g="0" b="0"/>
-        </a:fillRef>
-        <a:effectRef idx="0">
-          <a:scrgbClr r="0" g="0" b="0"/>
-        </a:effectRef>
-        <a:fontRef idx="minor"/>
-      </dsp:style>
-      <dsp:txBody>
-        <a:bodyPr spcFirstLastPara="0" vert="horz" wrap="square" lIns="12700" tIns="0" rIns="12700" bIns="0" numCol="1" spcCol="1270" anchor="ctr" anchorCtr="0">
-          <a:noAutofit/>
-        </a:bodyPr>
-        <a:lstStyle/>
-        <a:p>
-          <a:pPr lvl="0" algn="ctr" defTabSz="222250">
-            <a:lnSpc>
-              <a:spcPct val="90000"/>
-            </a:lnSpc>
-            <a:spcBef>
-              <a:spcPct val="0"/>
-            </a:spcBef>
-            <a:spcAft>
-              <a:spcPct val="35000"/>
-            </a:spcAft>
-          </a:pPr>
-          <a:endParaRPr lang="es-AR" sz="500" kern="1200"/>
-        </a:p>
-      </dsp:txBody>
-      <dsp:txXfrm>
-        <a:off x="4583625" y="1988986"/>
-        <a:ext cx="44752" cy="44752"/>
-      </dsp:txXfrm>
-    </dsp:sp>
-    <dsp:sp modelId="{8728BB4A-13F8-430A-A008-E51391710546}">
-      <dsp:nvSpPr>
-        <dsp:cNvPr id="0" name=""/>
-        <dsp:cNvSpPr/>
-      </dsp:nvSpPr>
-      <dsp:spPr>
-        <a:xfrm>
-          <a:off x="1978278" y="1958152"/>
-          <a:ext cx="982974" cy="91440"/>
-        </a:xfrm>
-        <a:custGeom>
-          <a:avLst/>
-          <a:gdLst/>
-          <a:ahLst/>
-          <a:cxnLst/>
-          <a:rect l="0" t="0" r="0" b="0"/>
-          <a:pathLst>
-            <a:path>
-              <a:moveTo>
-                <a:pt x="0" y="45720"/>
-              </a:moveTo>
-              <a:lnTo>
-                <a:pt x="491487" y="45720"/>
-              </a:lnTo>
-              <a:lnTo>
-                <a:pt x="491487" y="53224"/>
-              </a:lnTo>
-              <a:lnTo>
-                <a:pt x="982974" y="53224"/>
-              </a:lnTo>
-            </a:path>
-          </a:pathLst>
-        </a:custGeom>
-        <a:noFill/>
-        <a:ln w="15875" cap="flat" cmpd="sng" algn="ctr">
-          <a:solidFill>
-            <a:schemeClr val="accent1">
-              <a:shade val="60000"/>
-              <a:hueOff val="0"/>
-              <a:satOff val="0"/>
-              <a:lumOff val="0"/>
-              <a:alphaOff val="0"/>
-            </a:schemeClr>
-          </a:solidFill>
-          <a:prstDash val="solid"/>
-        </a:ln>
-        <a:effectLst/>
-      </dsp:spPr>
-      <dsp:style>
-        <a:lnRef idx="2">
-          <a:scrgbClr r="0" g="0" b="0"/>
-        </a:lnRef>
-        <a:fillRef idx="0">
-          <a:scrgbClr r="0" g="0" b="0"/>
-        </a:fillRef>
-        <a:effectRef idx="0">
-          <a:scrgbClr r="0" g="0" b="0"/>
-        </a:effectRef>
-        <a:fontRef idx="minor"/>
-      </dsp:style>
-      <dsp:txBody>
-        <a:bodyPr spcFirstLastPara="0" vert="horz" wrap="square" lIns="12700" tIns="0" rIns="12700" bIns="0" numCol="1" spcCol="1270" anchor="ctr" anchorCtr="0">
-          <a:noAutofit/>
-        </a:bodyPr>
-        <a:lstStyle/>
-        <a:p>
-          <a:pPr lvl="0" algn="ctr" defTabSz="222250">
-            <a:lnSpc>
-              <a:spcPct val="90000"/>
-            </a:lnSpc>
-            <a:spcBef>
-              <a:spcPct val="0"/>
-            </a:spcBef>
-            <a:spcAft>
-              <a:spcPct val="35000"/>
-            </a:spcAft>
-          </a:pPr>
-          <a:endParaRPr lang="es-AR" sz="500" kern="1200"/>
-        </a:p>
-      </dsp:txBody>
-      <dsp:txXfrm>
-        <a:off x="2445190" y="1979297"/>
-        <a:ext cx="49150" cy="49150"/>
-      </dsp:txXfrm>
-    </dsp:sp>
-    <dsp:sp modelId="{4062BA5F-16CD-465C-ACA5-9D471375BF2F}">
-      <dsp:nvSpPr>
-        <dsp:cNvPr id="0" name=""/>
-        <dsp:cNvSpPr/>
-      </dsp:nvSpPr>
-      <dsp:spPr>
-        <a:xfrm>
-          <a:off x="4158478" y="870727"/>
-          <a:ext cx="895046" cy="684375"/>
-        </a:xfrm>
-        <a:custGeom>
-          <a:avLst/>
-          <a:gdLst/>
-          <a:ahLst/>
-          <a:cxnLst/>
-          <a:rect l="0" t="0" r="0" b="0"/>
-          <a:pathLst>
-            <a:path>
-              <a:moveTo>
-                <a:pt x="0" y="0"/>
-              </a:moveTo>
-              <a:lnTo>
-                <a:pt x="447523" y="0"/>
-              </a:lnTo>
-              <a:lnTo>
-                <a:pt x="447523" y="684375"/>
-              </a:lnTo>
-              <a:lnTo>
-                <a:pt x="895046" y="684375"/>
-              </a:lnTo>
-            </a:path>
-          </a:pathLst>
-        </a:custGeom>
-        <a:noFill/>
-        <a:ln w="15875" cap="flat" cmpd="sng" algn="ctr">
-          <a:solidFill>
-            <a:schemeClr val="bg1">
-              <a:lumMod val="65000"/>
-            </a:schemeClr>
-          </a:solidFill>
-          <a:prstDash val="solid"/>
-        </a:ln>
-        <a:effectLst/>
-      </dsp:spPr>
-      <dsp:style>
-        <a:lnRef idx="2">
-          <a:scrgbClr r="0" g="0" b="0"/>
-        </a:lnRef>
-        <a:fillRef idx="0">
-          <a:scrgbClr r="0" g="0" b="0"/>
-        </a:fillRef>
-        <a:effectRef idx="0">
-          <a:scrgbClr r="0" g="0" b="0"/>
-        </a:effectRef>
-        <a:fontRef idx="minor"/>
-      </dsp:style>
-      <dsp:txBody>
-        <a:bodyPr spcFirstLastPara="0" vert="horz" wrap="square" lIns="12700" tIns="0" rIns="12700" bIns="0" numCol="1" spcCol="1270" anchor="ctr" anchorCtr="0">
-          <a:noAutofit/>
-        </a:bodyPr>
-        <a:lstStyle/>
-        <a:p>
-          <a:pPr lvl="0" algn="ctr" defTabSz="222250">
-            <a:lnSpc>
-              <a:spcPct val="90000"/>
-            </a:lnSpc>
-            <a:spcBef>
-              <a:spcPct val="0"/>
-            </a:spcBef>
-            <a:spcAft>
-              <a:spcPct val="35000"/>
-            </a:spcAft>
-          </a:pPr>
-          <a:endParaRPr lang="es-AR" sz="500" kern="1200"/>
-        </a:p>
-      </dsp:txBody>
-      <dsp:txXfrm>
-        <a:off x="4577834" y="1184747"/>
-        <a:ext cx="56335" cy="56335"/>
-      </dsp:txXfrm>
-    </dsp:sp>
-    <dsp:sp modelId="{3F9E760D-D9D2-4D66-81AA-3648C0065412}">
-      <dsp:nvSpPr>
-        <dsp:cNvPr id="0" name=""/>
-        <dsp:cNvSpPr/>
-      </dsp:nvSpPr>
-      <dsp:spPr>
-        <a:xfrm>
-          <a:off x="4158478" y="870727"/>
-          <a:ext cx="895046" cy="228115"/>
-        </a:xfrm>
-        <a:custGeom>
-          <a:avLst/>
-          <a:gdLst/>
-          <a:ahLst/>
-          <a:cxnLst/>
-          <a:rect l="0" t="0" r="0" b="0"/>
-          <a:pathLst>
-            <a:path>
-              <a:moveTo>
-                <a:pt x="0" y="0"/>
-              </a:moveTo>
-              <a:lnTo>
-                <a:pt x="447523" y="0"/>
-              </a:lnTo>
-              <a:lnTo>
-                <a:pt x="447523" y="228115"/>
-              </a:lnTo>
-              <a:lnTo>
-                <a:pt x="895046" y="228115"/>
-              </a:lnTo>
-            </a:path>
-          </a:pathLst>
-        </a:custGeom>
-        <a:noFill/>
-        <a:ln w="15875" cap="flat" cmpd="sng" algn="ctr">
-          <a:solidFill>
-            <a:schemeClr val="accent1">
-              <a:shade val="80000"/>
-              <a:hueOff val="0"/>
-              <a:satOff val="0"/>
-              <a:lumOff val="0"/>
-              <a:alphaOff val="0"/>
-            </a:schemeClr>
-          </a:solidFill>
-          <a:prstDash val="solid"/>
-        </a:ln>
-        <a:effectLst/>
-      </dsp:spPr>
-      <dsp:style>
-        <a:lnRef idx="2">
-          <a:scrgbClr r="0" g="0" b="0"/>
-        </a:lnRef>
-        <a:fillRef idx="0">
-          <a:scrgbClr r="0" g="0" b="0"/>
-        </a:fillRef>
-        <a:effectRef idx="0">
-          <a:scrgbClr r="0" g="0" b="0"/>
-        </a:effectRef>
-        <a:fontRef idx="minor"/>
-      </dsp:style>
-      <dsp:txBody>
-        <a:bodyPr spcFirstLastPara="0" vert="horz" wrap="square" lIns="12700" tIns="0" rIns="12700" bIns="0" numCol="1" spcCol="1270" anchor="ctr" anchorCtr="0">
-          <a:noAutofit/>
-        </a:bodyPr>
-        <a:lstStyle/>
-        <a:p>
-          <a:pPr lvl="0" algn="ctr" defTabSz="222250">
-            <a:lnSpc>
-              <a:spcPct val="90000"/>
-            </a:lnSpc>
-            <a:spcBef>
-              <a:spcPct val="0"/>
-            </a:spcBef>
-            <a:spcAft>
-              <a:spcPct val="35000"/>
-            </a:spcAft>
-          </a:pPr>
-          <a:endParaRPr lang="es-AR" sz="500" kern="1200"/>
-        </a:p>
-      </dsp:txBody>
-      <dsp:txXfrm>
-        <a:off x="4582910" y="961693"/>
-        <a:ext cx="46182" cy="46182"/>
-      </dsp:txXfrm>
-    </dsp:sp>
-    <dsp:sp modelId="{CE32C9CC-5A61-431A-80C0-957C8E3CAA80}">
-      <dsp:nvSpPr>
-        <dsp:cNvPr id="0" name=""/>
-        <dsp:cNvSpPr/>
-      </dsp:nvSpPr>
-      <dsp:spPr>
-        <a:xfrm>
-          <a:off x="4158478" y="642582"/>
-          <a:ext cx="895046" cy="228144"/>
-        </a:xfrm>
-        <a:custGeom>
-          <a:avLst/>
-          <a:gdLst/>
-          <a:ahLst/>
-          <a:cxnLst/>
-          <a:rect l="0" t="0" r="0" b="0"/>
-          <a:pathLst>
-            <a:path>
-              <a:moveTo>
-                <a:pt x="0" y="228144"/>
-              </a:moveTo>
-              <a:lnTo>
-                <a:pt x="447523" y="228144"/>
-              </a:lnTo>
-              <a:lnTo>
-                <a:pt x="447523" y="0"/>
-              </a:lnTo>
-              <a:lnTo>
-                <a:pt x="895046" y="0"/>
-              </a:lnTo>
-            </a:path>
-          </a:pathLst>
-        </a:custGeom>
-        <a:noFill/>
-        <a:ln w="15875" cap="flat" cmpd="sng" algn="ctr">
-          <a:solidFill>
-            <a:schemeClr val="accent1">
-              <a:shade val="80000"/>
-              <a:hueOff val="0"/>
-              <a:satOff val="0"/>
-              <a:lumOff val="0"/>
-              <a:alphaOff val="0"/>
-            </a:schemeClr>
-          </a:solidFill>
-          <a:prstDash val="solid"/>
-        </a:ln>
-        <a:effectLst/>
-      </dsp:spPr>
-      <dsp:style>
-        <a:lnRef idx="2">
-          <a:scrgbClr r="0" g="0" b="0"/>
-        </a:lnRef>
-        <a:fillRef idx="0">
-          <a:scrgbClr r="0" g="0" b="0"/>
-        </a:fillRef>
-        <a:effectRef idx="0">
-          <a:scrgbClr r="0" g="0" b="0"/>
-        </a:effectRef>
-        <a:fontRef idx="minor"/>
-      </dsp:style>
-      <dsp:txBody>
-        <a:bodyPr spcFirstLastPara="0" vert="horz" wrap="square" lIns="12700" tIns="0" rIns="12700" bIns="0" numCol="1" spcCol="1270" anchor="ctr" anchorCtr="0">
-          <a:noAutofit/>
-        </a:bodyPr>
-        <a:lstStyle/>
-        <a:p>
-          <a:pPr lvl="0" algn="ctr" defTabSz="222250">
-            <a:lnSpc>
-              <a:spcPct val="90000"/>
-            </a:lnSpc>
-            <a:spcBef>
-              <a:spcPct val="0"/>
-            </a:spcBef>
-            <a:spcAft>
-              <a:spcPct val="35000"/>
-            </a:spcAft>
-          </a:pPr>
-          <a:endParaRPr lang="es-AR" sz="500" kern="1200"/>
-        </a:p>
-      </dsp:txBody>
-      <dsp:txXfrm>
-        <a:off x="4582910" y="733563"/>
-        <a:ext cx="46183" cy="46183"/>
-      </dsp:txXfrm>
-    </dsp:sp>
-    <dsp:sp modelId="{5ED18E33-D69F-4019-8117-00F8DD8162BD}">
-      <dsp:nvSpPr>
-        <dsp:cNvPr id="0" name=""/>
-        <dsp:cNvSpPr/>
-      </dsp:nvSpPr>
-      <dsp:spPr>
-        <a:xfrm>
-          <a:off x="4158478" y="186322"/>
-          <a:ext cx="895046" cy="684404"/>
-        </a:xfrm>
-        <a:custGeom>
-          <a:avLst/>
-          <a:gdLst/>
-          <a:ahLst/>
-          <a:cxnLst/>
-          <a:rect l="0" t="0" r="0" b="0"/>
-          <a:pathLst>
-            <a:path>
-              <a:moveTo>
-                <a:pt x="0" y="684404"/>
-              </a:moveTo>
-              <a:lnTo>
-                <a:pt x="447523" y="684404"/>
-              </a:lnTo>
-              <a:lnTo>
-                <a:pt x="447523" y="0"/>
-              </a:lnTo>
-              <a:lnTo>
-                <a:pt x="895046" y="0"/>
-              </a:lnTo>
-            </a:path>
-          </a:pathLst>
-        </a:custGeom>
-        <a:noFill/>
-        <a:ln w="15875" cap="flat" cmpd="sng" algn="ctr">
-          <a:solidFill>
-            <a:schemeClr val="bg1">
-              <a:lumMod val="65000"/>
-            </a:schemeClr>
-          </a:solidFill>
-          <a:prstDash val="solid"/>
-        </a:ln>
-        <a:effectLst/>
-      </dsp:spPr>
-      <dsp:style>
-        <a:lnRef idx="2">
-          <a:scrgbClr r="0" g="0" b="0"/>
-        </a:lnRef>
-        <a:fillRef idx="0">
-          <a:scrgbClr r="0" g="0" b="0"/>
-        </a:fillRef>
-        <a:effectRef idx="0">
-          <a:scrgbClr r="0" g="0" b="0"/>
-        </a:effectRef>
-        <a:fontRef idx="minor"/>
-      </dsp:style>
-      <dsp:txBody>
-        <a:bodyPr spcFirstLastPara="0" vert="horz" wrap="square" lIns="12700" tIns="0" rIns="12700" bIns="0" numCol="1" spcCol="1270" anchor="ctr" anchorCtr="0">
-          <a:noAutofit/>
-        </a:bodyPr>
-        <a:lstStyle/>
-        <a:p>
-          <a:pPr lvl="0" algn="ctr" defTabSz="222250">
-            <a:lnSpc>
-              <a:spcPct val="90000"/>
-            </a:lnSpc>
-            <a:spcBef>
-              <a:spcPct val="0"/>
-            </a:spcBef>
-            <a:spcAft>
-              <a:spcPct val="35000"/>
-            </a:spcAft>
-          </a:pPr>
-          <a:endParaRPr lang="es-AR" sz="500" kern="1200"/>
-        </a:p>
-      </dsp:txBody>
-      <dsp:txXfrm>
-        <a:off x="4577833" y="500356"/>
-        <a:ext cx="56336" cy="56336"/>
-      </dsp:txXfrm>
-    </dsp:sp>
-    <dsp:sp modelId="{ACF942C3-F1D8-45C8-AE45-00AA2AA80F87}">
-      <dsp:nvSpPr>
-        <dsp:cNvPr id="0" name=""/>
-        <dsp:cNvSpPr/>
-      </dsp:nvSpPr>
-      <dsp:spPr>
-        <a:xfrm>
-          <a:off x="1978278" y="870727"/>
-          <a:ext cx="982974" cy="1133145"/>
-        </a:xfrm>
-        <a:custGeom>
-          <a:avLst/>
-          <a:gdLst/>
-          <a:ahLst/>
-          <a:cxnLst/>
-          <a:rect l="0" t="0" r="0" b="0"/>
-          <a:pathLst>
-            <a:path>
-              <a:moveTo>
-                <a:pt x="0" y="1133145"/>
-              </a:moveTo>
-              <a:lnTo>
-                <a:pt x="491487" y="1133145"/>
-              </a:lnTo>
-              <a:lnTo>
-                <a:pt x="491487" y="0"/>
-              </a:lnTo>
-              <a:lnTo>
-                <a:pt x="982974" y="0"/>
-              </a:lnTo>
-            </a:path>
-          </a:pathLst>
-        </a:custGeom>
-        <a:noFill/>
-        <a:ln w="15875" cap="flat" cmpd="sng" algn="ctr">
-          <a:solidFill>
-            <a:schemeClr val="bg1">
-              <a:lumMod val="65000"/>
-            </a:schemeClr>
-          </a:solidFill>
-          <a:prstDash val="solid"/>
-        </a:ln>
-        <a:effectLst/>
-      </dsp:spPr>
-      <dsp:style>
-        <a:lnRef idx="2">
-          <a:scrgbClr r="0" g="0" b="0"/>
-        </a:lnRef>
-        <a:fillRef idx="0">
-          <a:scrgbClr r="0" g="0" b="0"/>
-        </a:fillRef>
-        <a:effectRef idx="0">
-          <a:scrgbClr r="0" g="0" b="0"/>
-        </a:effectRef>
-        <a:fontRef idx="minor"/>
-      </dsp:style>
-      <dsp:txBody>
-        <a:bodyPr spcFirstLastPara="0" vert="horz" wrap="square" lIns="12700" tIns="0" rIns="12700" bIns="0" numCol="1" spcCol="1270" anchor="ctr" anchorCtr="0">
-          <a:noAutofit/>
-        </a:bodyPr>
-        <a:lstStyle/>
-        <a:p>
-          <a:pPr lvl="0" algn="ctr" defTabSz="266700">
-            <a:lnSpc>
-              <a:spcPct val="90000"/>
-            </a:lnSpc>
-            <a:spcBef>
-              <a:spcPct val="0"/>
-            </a:spcBef>
-            <a:spcAft>
-              <a:spcPct val="35000"/>
-            </a:spcAft>
-          </a:pPr>
-          <a:endParaRPr lang="es-AR" sz="600" kern="1200"/>
-        </a:p>
-      </dsp:txBody>
-      <dsp:txXfrm>
-        <a:off x="2432263" y="1399797"/>
-        <a:ext cx="75004" cy="75004"/>
-      </dsp:txXfrm>
-    </dsp:sp>
-    <dsp:sp modelId="{21E5DBCE-D1A7-48C7-B632-62E8A94D15DA}">
-      <dsp:nvSpPr>
-        <dsp:cNvPr id="0" name=""/>
-        <dsp:cNvSpPr/>
-      </dsp:nvSpPr>
-      <dsp:spPr>
-        <a:xfrm rot="16200000">
-          <a:off x="-27356" y="1664375"/>
-          <a:ext cx="3332273" cy="678995"/>
-        </a:xfrm>
-        <a:prstGeom prst="rect">
-          <a:avLst/>
-        </a:prstGeom>
-        <a:solidFill>
-          <a:schemeClr val="bg1">
-            <a:lumMod val="50000"/>
-          </a:schemeClr>
-        </a:solidFill>
-        <a:ln>
-          <a:solidFill>
-            <a:schemeClr val="bg1">
-              <a:lumMod val="50000"/>
-            </a:schemeClr>
-          </a:solidFill>
-        </a:ln>
-        <a:effectLst>
-          <a:outerShdw blurRad="76200" dist="25400" dir="5400000" algn="ctr" rotWithShape="0">
-            <a:srgbClr val="000000">
-              <a:alpha val="60000"/>
-            </a:srgbClr>
-          </a:outerShdw>
-        </a:effectLst>
-        <a:scene3d>
-          <a:camera prst="orthographicFront">
-            <a:rot lat="0" lon="0" rev="0"/>
-          </a:camera>
-          <a:lightRig rig="flat" dir="t">
-            <a:rot lat="0" lon="0" rev="3600000"/>
-          </a:lightRig>
-        </a:scene3d>
-        <a:sp3d contourW="12700" prstMaterial="flat">
-          <a:bevelT w="38100" h="44450" prst="angle"/>
-          <a:contourClr>
-            <a:schemeClr val="accent1">
-              <a:hueOff val="0"/>
-              <a:satOff val="0"/>
-              <a:lumOff val="0"/>
-              <a:alphaOff val="0"/>
-              <a:shade val="35000"/>
-              <a:satMod val="160000"/>
-            </a:schemeClr>
-          </a:contourClr>
-        </a:sp3d>
-      </dsp:spPr>
-      <dsp:style>
-        <a:lnRef idx="0">
-          <a:scrgbClr r="0" g="0" b="0"/>
-        </a:lnRef>
-        <a:fillRef idx="3">
-          <a:scrgbClr r="0" g="0" b="0"/>
-        </a:fillRef>
-        <a:effectRef idx="3">
-          <a:scrgbClr r="0" g="0" b="0"/>
-        </a:effectRef>
-        <a:fontRef idx="minor">
-          <a:schemeClr val="lt1"/>
-        </a:fontRef>
-      </dsp:style>
-      <dsp:txBody>
-        <a:bodyPr spcFirstLastPara="0" vert="horz" wrap="square" lIns="12700" tIns="12700" rIns="12700" bIns="12700" numCol="1" spcCol="1270" anchor="ctr" anchorCtr="0">
-          <a:noAutofit/>
-        </a:bodyPr>
-        <a:lstStyle/>
-        <a:p>
-          <a:pPr lvl="0" algn="ctr" defTabSz="889000" rtl="0">
-            <a:lnSpc>
-              <a:spcPct val="90000"/>
-            </a:lnSpc>
-            <a:spcBef>
-              <a:spcPct val="0"/>
-            </a:spcBef>
-            <a:spcAft>
-              <a:spcPct val="35000"/>
-            </a:spcAft>
-          </a:pPr>
-          <a:r>
-            <a:rPr lang="es-ES" sz="2000" kern="1200" dirty="0" smtClean="0"/>
-            <a:t>Stack de Infraestructura</a:t>
-          </a:r>
-          <a:endParaRPr lang="es-AR" sz="2000" kern="1200" dirty="0"/>
-        </a:p>
-      </dsp:txBody>
-      <dsp:txXfrm>
-        <a:off x="-27356" y="1664375"/>
-        <a:ext cx="3332273" cy="678995"/>
-      </dsp:txXfrm>
-    </dsp:sp>
-    <dsp:sp modelId="{D72ED665-F5E9-4521-B7F5-066A400EAA89}">
-      <dsp:nvSpPr>
-        <dsp:cNvPr id="0" name=""/>
-        <dsp:cNvSpPr/>
-      </dsp:nvSpPr>
-      <dsp:spPr>
-        <a:xfrm>
-          <a:off x="2961252" y="545472"/>
-          <a:ext cx="1197226" cy="650509"/>
-        </a:xfrm>
-        <a:prstGeom prst="rect">
-          <a:avLst/>
-        </a:prstGeom>
-        <a:solidFill>
-          <a:schemeClr val="bg1">
-            <a:lumMod val="65000"/>
-          </a:schemeClr>
-        </a:solidFill>
-        <a:ln>
-          <a:solidFill>
-            <a:schemeClr val="bg1">
-              <a:lumMod val="65000"/>
-            </a:schemeClr>
-          </a:solidFill>
-        </a:ln>
-        <a:effectLst>
-          <a:outerShdw blurRad="76200" dist="25400" dir="5400000" algn="ctr" rotWithShape="0">
-            <a:srgbClr val="000000">
-              <a:alpha val="60000"/>
-            </a:srgbClr>
-          </a:outerShdw>
-        </a:effectLst>
-        <a:scene3d>
-          <a:camera prst="orthographicFront">
-            <a:rot lat="0" lon="0" rev="0"/>
-          </a:camera>
-          <a:lightRig rig="flat" dir="t">
-            <a:rot lat="0" lon="0" rev="3600000"/>
-          </a:lightRig>
-        </a:scene3d>
-        <a:sp3d contourW="12700" prstMaterial="flat">
-          <a:bevelT w="38100" h="44450" prst="angle"/>
-          <a:contourClr>
-            <a:schemeClr val="accent1">
-              <a:hueOff val="0"/>
-              <a:satOff val="0"/>
-              <a:lumOff val="0"/>
-              <a:alphaOff val="0"/>
-              <a:shade val="35000"/>
-              <a:satMod val="160000"/>
-            </a:schemeClr>
-          </a:contourClr>
-        </a:sp3d>
-      </dsp:spPr>
-      <dsp:style>
-        <a:lnRef idx="0">
-          <a:scrgbClr r="0" g="0" b="0"/>
-        </a:lnRef>
-        <a:fillRef idx="3">
-          <a:scrgbClr r="0" g="0" b="0"/>
-        </a:fillRef>
-        <a:effectRef idx="3">
-          <a:scrgbClr r="0" g="0" b="0"/>
-        </a:effectRef>
-        <a:fontRef idx="minor">
-          <a:schemeClr val="lt1"/>
-        </a:fontRef>
-      </dsp:style>
-      <dsp:txBody>
-        <a:bodyPr spcFirstLastPara="0" vert="horz" wrap="square" lIns="10160" tIns="10160" rIns="10160" bIns="10160" numCol="1" spcCol="1270" anchor="ctr" anchorCtr="0">
-          <a:noAutofit/>
-        </a:bodyPr>
-        <a:lstStyle/>
-        <a:p>
-          <a:pPr lvl="0" algn="ctr" defTabSz="711200" rtl="0">
-            <a:lnSpc>
-              <a:spcPct val="90000"/>
-            </a:lnSpc>
-            <a:spcBef>
-              <a:spcPct val="0"/>
-            </a:spcBef>
-            <a:spcAft>
-              <a:spcPct val="35000"/>
-            </a:spcAft>
-          </a:pPr>
-          <a:r>
-            <a:rPr lang="es-ES" sz="1600" kern="1200" dirty="0" smtClean="0"/>
-            <a:t>Sistema de Iluminación</a:t>
-          </a:r>
-          <a:endParaRPr lang="es-AR" sz="1600" kern="1200" dirty="0"/>
-        </a:p>
-      </dsp:txBody>
-      <dsp:txXfrm>
-        <a:off x="2961252" y="545472"/>
-        <a:ext cx="1197226" cy="650509"/>
-      </dsp:txXfrm>
-    </dsp:sp>
-    <dsp:sp modelId="{47EBE32F-08EF-423F-A5EA-81C08E021ABE}">
-      <dsp:nvSpPr>
-        <dsp:cNvPr id="0" name=""/>
-        <dsp:cNvSpPr/>
-      </dsp:nvSpPr>
-      <dsp:spPr>
-        <a:xfrm>
-          <a:off x="5053525" y="3818"/>
-          <a:ext cx="1929018" cy="365007"/>
-        </a:xfrm>
-        <a:prstGeom prst="rect">
-          <a:avLst/>
-        </a:prstGeom>
-        <a:solidFill>
-          <a:srgbClr val="92D050"/>
-        </a:solidFill>
-        <a:ln>
-          <a:solidFill>
-            <a:srgbClr val="92D050"/>
-          </a:solidFill>
-        </a:ln>
-        <a:effectLst>
-          <a:outerShdw blurRad="76200" dist="25400" dir="5400000" algn="ctr" rotWithShape="0">
-            <a:srgbClr val="000000">
-              <a:alpha val="60000"/>
-            </a:srgbClr>
-          </a:outerShdw>
-        </a:effectLst>
-        <a:scene3d>
-          <a:camera prst="orthographicFront">
-            <a:rot lat="0" lon="0" rev="0"/>
-          </a:camera>
-          <a:lightRig rig="flat" dir="t">
-            <a:rot lat="0" lon="0" rev="3600000"/>
-          </a:lightRig>
-        </a:scene3d>
-        <a:sp3d contourW="12700" prstMaterial="flat">
-          <a:bevelT w="38100" h="44450" prst="angle"/>
-          <a:contourClr>
-            <a:schemeClr val="accent1">
-              <a:hueOff val="0"/>
-              <a:satOff val="0"/>
-              <a:lumOff val="0"/>
-              <a:alphaOff val="0"/>
-              <a:shade val="35000"/>
-              <a:satMod val="160000"/>
-            </a:schemeClr>
-          </a:contourClr>
-        </a:sp3d>
-      </dsp:spPr>
-      <dsp:style>
-        <a:lnRef idx="0">
-          <a:scrgbClr r="0" g="0" b="0"/>
-        </a:lnRef>
-        <a:fillRef idx="3">
-          <a:scrgbClr r="0" g="0" b="0"/>
-        </a:fillRef>
-        <a:effectRef idx="3">
-          <a:scrgbClr r="0" g="0" b="0"/>
-        </a:effectRef>
-        <a:fontRef idx="minor">
-          <a:schemeClr val="lt1"/>
-        </a:fontRef>
-      </dsp:style>
-      <dsp:txBody>
-        <a:bodyPr spcFirstLastPara="0" vert="horz" wrap="square" lIns="8255" tIns="8255" rIns="8255" bIns="8255" numCol="1" spcCol="1270" anchor="ctr" anchorCtr="0">
-          <a:noAutofit/>
-        </a:bodyPr>
-        <a:lstStyle/>
-        <a:p>
-          <a:pPr lvl="0" algn="ctr" defTabSz="577850" rtl="0">
-            <a:lnSpc>
-              <a:spcPct val="90000"/>
-            </a:lnSpc>
-            <a:spcBef>
-              <a:spcPct val="0"/>
-            </a:spcBef>
-            <a:spcAft>
-              <a:spcPct val="35000"/>
-            </a:spcAft>
-          </a:pPr>
-          <a:r>
-            <a:rPr lang="es-ES" sz="1300" kern="1200" dirty="0" smtClean="0"/>
-            <a:t>Módulo DMX (MDMX)</a:t>
-          </a:r>
-          <a:endParaRPr lang="es-AR" sz="1300" kern="1200" dirty="0"/>
-        </a:p>
-      </dsp:txBody>
-      <dsp:txXfrm>
-        <a:off x="5053525" y="3818"/>
-        <a:ext cx="1929018" cy="365007"/>
-      </dsp:txXfrm>
-    </dsp:sp>
-    <dsp:sp modelId="{48BDEC1E-2A93-4ED0-9F26-059F44217270}">
-      <dsp:nvSpPr>
-        <dsp:cNvPr id="0" name=""/>
-        <dsp:cNvSpPr/>
-      </dsp:nvSpPr>
-      <dsp:spPr>
-        <a:xfrm>
-          <a:off x="5053525" y="460078"/>
-          <a:ext cx="1903793" cy="365007"/>
-        </a:xfrm>
-        <a:prstGeom prst="rect">
-          <a:avLst/>
-        </a:prstGeom>
-        <a:solidFill>
-          <a:srgbClr val="92D050"/>
-        </a:solidFill>
-        <a:ln>
-          <a:solidFill>
-            <a:srgbClr val="92D050"/>
-          </a:solidFill>
-        </a:ln>
-        <a:effectLst>
-          <a:outerShdw blurRad="76200" dist="25400" dir="5400000" algn="ctr" rotWithShape="0">
-            <a:srgbClr val="000000">
-              <a:alpha val="60000"/>
-            </a:srgbClr>
-          </a:outerShdw>
-        </a:effectLst>
-        <a:scene3d>
-          <a:camera prst="orthographicFront">
-            <a:rot lat="0" lon="0" rev="0"/>
-          </a:camera>
-          <a:lightRig rig="flat" dir="t">
-            <a:rot lat="0" lon="0" rev="3600000"/>
-          </a:lightRig>
-        </a:scene3d>
-        <a:sp3d contourW="12700" prstMaterial="flat">
-          <a:bevelT w="38100" h="44450" prst="angle"/>
-          <a:contourClr>
-            <a:schemeClr val="accent1">
-              <a:hueOff val="0"/>
-              <a:satOff val="0"/>
-              <a:lumOff val="0"/>
-              <a:alphaOff val="0"/>
-              <a:shade val="35000"/>
-              <a:satMod val="160000"/>
-            </a:schemeClr>
-          </a:contourClr>
-        </a:sp3d>
-      </dsp:spPr>
-      <dsp:style>
-        <a:lnRef idx="0">
-          <a:scrgbClr r="0" g="0" b="0"/>
-        </a:lnRef>
-        <a:fillRef idx="3">
-          <a:scrgbClr r="0" g="0" b="0"/>
-        </a:fillRef>
-        <a:effectRef idx="3">
-          <a:scrgbClr r="0" g="0" b="0"/>
-        </a:effectRef>
-        <a:fontRef idx="minor">
-          <a:schemeClr val="lt1"/>
-        </a:fontRef>
-      </dsp:style>
-      <dsp:txBody>
-        <a:bodyPr spcFirstLastPara="0" vert="horz" wrap="square" lIns="8255" tIns="8255" rIns="8255" bIns="8255" numCol="1" spcCol="1270" anchor="ctr" anchorCtr="0">
-          <a:noAutofit/>
-        </a:bodyPr>
-        <a:lstStyle/>
-        <a:p>
-          <a:pPr lvl="0" algn="ctr" defTabSz="577850" rtl="0">
-            <a:lnSpc>
-              <a:spcPct val="90000"/>
-            </a:lnSpc>
-            <a:spcBef>
-              <a:spcPct val="0"/>
-            </a:spcBef>
-            <a:spcAft>
-              <a:spcPct val="35000"/>
-            </a:spcAft>
-          </a:pPr>
-          <a:r>
-            <a:rPr lang="es-ES" sz="1300" kern="1200" dirty="0" smtClean="0"/>
-            <a:t>Módulo Dalí (MDALI)</a:t>
-          </a:r>
-          <a:endParaRPr lang="es-AR" sz="1300" kern="1200" dirty="0"/>
-        </a:p>
-      </dsp:txBody>
-      <dsp:txXfrm>
-        <a:off x="5053525" y="460078"/>
-        <a:ext cx="1903793" cy="365007"/>
-      </dsp:txXfrm>
-    </dsp:sp>
-    <dsp:sp modelId="{134692A5-DED9-4CCC-857C-E22F3D15C5C2}">
-      <dsp:nvSpPr>
-        <dsp:cNvPr id="0" name=""/>
-        <dsp:cNvSpPr/>
-      </dsp:nvSpPr>
-      <dsp:spPr>
-        <a:xfrm>
-          <a:off x="5053525" y="916338"/>
-          <a:ext cx="1917872" cy="365007"/>
-        </a:xfrm>
-        <a:prstGeom prst="rect">
-          <a:avLst/>
-        </a:prstGeom>
-        <a:solidFill>
-          <a:srgbClr val="92D050"/>
-        </a:solidFill>
-        <a:ln>
-          <a:solidFill>
-            <a:srgbClr val="92D050"/>
-          </a:solidFill>
-        </a:ln>
-        <a:effectLst>
-          <a:outerShdw blurRad="76200" dist="25400" dir="5400000" algn="ctr" rotWithShape="0">
-            <a:srgbClr val="000000">
-              <a:alpha val="60000"/>
-            </a:srgbClr>
-          </a:outerShdw>
-        </a:effectLst>
-        <a:scene3d>
-          <a:camera prst="orthographicFront">
-            <a:rot lat="0" lon="0" rev="0"/>
-          </a:camera>
-          <a:lightRig rig="flat" dir="t">
-            <a:rot lat="0" lon="0" rev="3600000"/>
-          </a:lightRig>
-        </a:scene3d>
-        <a:sp3d contourW="12700" prstMaterial="flat">
-          <a:bevelT w="38100" h="44450" prst="angle"/>
-          <a:contourClr>
-            <a:schemeClr val="accent1">
-              <a:hueOff val="0"/>
-              <a:satOff val="0"/>
-              <a:lumOff val="0"/>
-              <a:alphaOff val="0"/>
-              <a:shade val="35000"/>
-              <a:satMod val="160000"/>
-            </a:schemeClr>
-          </a:contourClr>
-        </a:sp3d>
-      </dsp:spPr>
-      <dsp:style>
-        <a:lnRef idx="0">
-          <a:scrgbClr r="0" g="0" b="0"/>
-        </a:lnRef>
-        <a:fillRef idx="3">
-          <a:scrgbClr r="0" g="0" b="0"/>
-        </a:fillRef>
-        <a:effectRef idx="3">
-          <a:scrgbClr r="0" g="0" b="0"/>
-        </a:effectRef>
-        <a:fontRef idx="minor">
-          <a:schemeClr val="lt1"/>
-        </a:fontRef>
-      </dsp:style>
-      <dsp:txBody>
-        <a:bodyPr spcFirstLastPara="0" vert="horz" wrap="square" lIns="8255" tIns="8255" rIns="8255" bIns="8255" numCol="1" spcCol="1270" anchor="ctr" anchorCtr="0">
-          <a:noAutofit/>
-        </a:bodyPr>
-        <a:lstStyle/>
-        <a:p>
-          <a:pPr lvl="0" algn="ctr" defTabSz="577850" rtl="0">
-            <a:lnSpc>
-              <a:spcPct val="90000"/>
-            </a:lnSpc>
-            <a:spcBef>
-              <a:spcPct val="0"/>
-            </a:spcBef>
-            <a:spcAft>
-              <a:spcPct val="35000"/>
-            </a:spcAft>
-          </a:pPr>
-          <a:r>
-            <a:rPr lang="es-ES" sz="1300" kern="1200" dirty="0" smtClean="0"/>
-            <a:t>Módulo Phillips (MPHILLIPS)</a:t>
-          </a:r>
-          <a:endParaRPr lang="es-AR" sz="1300" kern="1200" dirty="0"/>
-        </a:p>
-      </dsp:txBody>
-      <dsp:txXfrm>
-        <a:off x="5053525" y="916338"/>
-        <a:ext cx="1917872" cy="365007"/>
-      </dsp:txXfrm>
-    </dsp:sp>
-    <dsp:sp modelId="{979F3137-814A-40DF-A1A7-4A4AE2B94443}">
-      <dsp:nvSpPr>
-        <dsp:cNvPr id="0" name=""/>
-        <dsp:cNvSpPr/>
-      </dsp:nvSpPr>
-      <dsp:spPr>
-        <a:xfrm>
-          <a:off x="5053525" y="1372598"/>
-          <a:ext cx="1892635" cy="365007"/>
-        </a:xfrm>
-        <a:prstGeom prst="rect">
-          <a:avLst/>
-        </a:prstGeom>
-        <a:solidFill>
-          <a:srgbClr val="92D050"/>
-        </a:solidFill>
-        <a:ln>
-          <a:solidFill>
-            <a:srgbClr val="92D050"/>
-          </a:solidFill>
-        </a:ln>
-        <a:effectLst>
-          <a:outerShdw blurRad="76200" dist="25400" dir="5400000" algn="ctr" rotWithShape="0">
-            <a:srgbClr val="000000">
-              <a:alpha val="60000"/>
-            </a:srgbClr>
-          </a:outerShdw>
-        </a:effectLst>
-        <a:scene3d>
-          <a:camera prst="orthographicFront">
-            <a:rot lat="0" lon="0" rev="0"/>
-          </a:camera>
-          <a:lightRig rig="flat" dir="t">
-            <a:rot lat="0" lon="0" rev="3600000"/>
-          </a:lightRig>
-        </a:scene3d>
-        <a:sp3d contourW="12700" prstMaterial="flat">
-          <a:bevelT w="38100" h="44450" prst="angle"/>
-          <a:contourClr>
-            <a:schemeClr val="accent1">
-              <a:hueOff val="0"/>
-              <a:satOff val="0"/>
-              <a:lumOff val="0"/>
-              <a:alphaOff val="0"/>
-              <a:shade val="35000"/>
-              <a:satMod val="160000"/>
-            </a:schemeClr>
-          </a:contourClr>
-        </a:sp3d>
-      </dsp:spPr>
-      <dsp:style>
-        <a:lnRef idx="0">
-          <a:scrgbClr r="0" g="0" b="0"/>
-        </a:lnRef>
-        <a:fillRef idx="3">
-          <a:scrgbClr r="0" g="0" b="0"/>
-        </a:fillRef>
-        <a:effectRef idx="3">
-          <a:scrgbClr r="0" g="0" b="0"/>
-        </a:effectRef>
-        <a:fontRef idx="minor">
-          <a:schemeClr val="lt1"/>
-        </a:fontRef>
-      </dsp:style>
-      <dsp:txBody>
-        <a:bodyPr spcFirstLastPara="0" vert="horz" wrap="square" lIns="8255" tIns="8255" rIns="8255" bIns="8255" numCol="1" spcCol="1270" anchor="ctr" anchorCtr="0">
-          <a:noAutofit/>
-        </a:bodyPr>
-        <a:lstStyle/>
-        <a:p>
-          <a:pPr lvl="0" algn="ctr" defTabSz="577850" rtl="0">
-            <a:lnSpc>
-              <a:spcPct val="90000"/>
-            </a:lnSpc>
-            <a:spcBef>
-              <a:spcPct val="0"/>
-            </a:spcBef>
-            <a:spcAft>
-              <a:spcPct val="35000"/>
-            </a:spcAft>
-          </a:pPr>
-          <a:r>
-            <a:rPr lang="es-ES" sz="1300" kern="1200" dirty="0" smtClean="0"/>
-            <a:t>Módulo GTD (MGTD)</a:t>
-          </a:r>
-          <a:endParaRPr lang="es-AR" sz="1300" kern="1200" dirty="0"/>
-        </a:p>
-      </dsp:txBody>
-      <dsp:txXfrm>
-        <a:off x="5053525" y="1372598"/>
-        <a:ext cx="1892635" cy="365007"/>
-      </dsp:txXfrm>
-    </dsp:sp>
-    <dsp:sp modelId="{84C2D5B6-A5A0-4BA4-8C06-66D61B9F3EF0}">
-      <dsp:nvSpPr>
-        <dsp:cNvPr id="0" name=""/>
-        <dsp:cNvSpPr/>
-      </dsp:nvSpPr>
-      <dsp:spPr>
-        <a:xfrm>
-          <a:off x="2961252" y="1693626"/>
-          <a:ext cx="1197226" cy="635500"/>
-        </a:xfrm>
-        <a:prstGeom prst="rect">
-          <a:avLst/>
-        </a:prstGeom>
-        <a:solidFill>
-          <a:schemeClr val="bg1">
-            <a:lumMod val="65000"/>
-          </a:schemeClr>
-        </a:solidFill>
-        <a:ln>
-          <a:solidFill>
-            <a:schemeClr val="bg1">
-              <a:lumMod val="65000"/>
-            </a:schemeClr>
-          </a:solidFill>
-        </a:ln>
-        <a:effectLst>
-          <a:outerShdw blurRad="76200" dist="25400" dir="5400000" algn="ctr" rotWithShape="0">
-            <a:srgbClr val="000000">
-              <a:alpha val="60000"/>
-            </a:srgbClr>
-          </a:outerShdw>
-        </a:effectLst>
-        <a:scene3d>
-          <a:camera prst="orthographicFront">
-            <a:rot lat="0" lon="0" rev="0"/>
-          </a:camera>
-          <a:lightRig rig="flat" dir="t">
-            <a:rot lat="0" lon="0" rev="3600000"/>
-          </a:lightRig>
-        </a:scene3d>
-        <a:sp3d contourW="12700" prstMaterial="flat">
-          <a:bevelT w="38100" h="44450" prst="angle"/>
-          <a:contourClr>
-            <a:schemeClr val="accent1">
-              <a:hueOff val="0"/>
-              <a:satOff val="0"/>
-              <a:lumOff val="0"/>
-              <a:alphaOff val="0"/>
-              <a:shade val="35000"/>
-              <a:satMod val="160000"/>
-            </a:schemeClr>
-          </a:contourClr>
-        </a:sp3d>
-      </dsp:spPr>
-      <dsp:style>
-        <a:lnRef idx="0">
-          <a:scrgbClr r="0" g="0" b="0"/>
-        </a:lnRef>
-        <a:fillRef idx="3">
-          <a:scrgbClr r="0" g="0" b="0"/>
-        </a:fillRef>
-        <a:effectRef idx="3">
-          <a:scrgbClr r="0" g="0" b="0"/>
-        </a:effectRef>
-        <a:fontRef idx="minor">
-          <a:schemeClr val="lt1"/>
-        </a:fontRef>
-      </dsp:style>
-      <dsp:txBody>
-        <a:bodyPr spcFirstLastPara="0" vert="horz" wrap="square" lIns="10160" tIns="10160" rIns="10160" bIns="10160" numCol="1" spcCol="1270" anchor="ctr" anchorCtr="0">
-          <a:noAutofit/>
-        </a:bodyPr>
-        <a:lstStyle/>
-        <a:p>
-          <a:pPr lvl="0" algn="ctr" defTabSz="711200" rtl="0">
-            <a:lnSpc>
-              <a:spcPct val="90000"/>
-            </a:lnSpc>
-            <a:spcBef>
-              <a:spcPct val="0"/>
-            </a:spcBef>
-            <a:spcAft>
-              <a:spcPct val="35000"/>
-            </a:spcAft>
-          </a:pPr>
-          <a:r>
-            <a:rPr lang="es-AR" sz="1600" kern="1200" dirty="0" smtClean="0"/>
-            <a:t>Sistema de Obra</a:t>
-          </a:r>
-          <a:endParaRPr lang="es-AR" sz="1600" kern="1200" dirty="0"/>
-        </a:p>
-      </dsp:txBody>
-      <dsp:txXfrm>
-        <a:off x="2961252" y="1693626"/>
-        <a:ext cx="1197226" cy="635500"/>
-      </dsp:txXfrm>
-    </dsp:sp>
-    <dsp:sp modelId="{F9E5CAFB-E249-48A4-A9EF-7757E6818DE1}">
-      <dsp:nvSpPr>
-        <dsp:cNvPr id="0" name=""/>
-        <dsp:cNvSpPr/>
-      </dsp:nvSpPr>
-      <dsp:spPr>
-        <a:xfrm>
-          <a:off x="5053525" y="1828858"/>
-          <a:ext cx="1929018" cy="365007"/>
-        </a:xfrm>
-        <a:prstGeom prst="rect">
-          <a:avLst/>
-        </a:prstGeom>
-        <a:solidFill>
-          <a:srgbClr val="92D050"/>
-        </a:solidFill>
-        <a:ln>
-          <a:solidFill>
-            <a:srgbClr val="92D050"/>
-          </a:solidFill>
-        </a:ln>
-        <a:effectLst>
-          <a:outerShdw blurRad="76200" dist="25400" dir="5400000" algn="ctr" rotWithShape="0">
-            <a:srgbClr val="000000">
-              <a:alpha val="60000"/>
-            </a:srgbClr>
-          </a:outerShdw>
-        </a:effectLst>
-        <a:scene3d>
-          <a:camera prst="orthographicFront">
-            <a:rot lat="0" lon="0" rev="0"/>
-          </a:camera>
-          <a:lightRig rig="flat" dir="t">
-            <a:rot lat="0" lon="0" rev="3600000"/>
-          </a:lightRig>
-        </a:scene3d>
-        <a:sp3d contourW="12700" prstMaterial="flat">
-          <a:bevelT w="38100" h="44450" prst="angle"/>
-          <a:contourClr>
-            <a:schemeClr val="accent1">
-              <a:hueOff val="0"/>
-              <a:satOff val="0"/>
-              <a:lumOff val="0"/>
-              <a:alphaOff val="0"/>
-              <a:shade val="35000"/>
-              <a:satMod val="160000"/>
-            </a:schemeClr>
-          </a:contourClr>
-        </a:sp3d>
-      </dsp:spPr>
-      <dsp:style>
-        <a:lnRef idx="0">
-          <a:scrgbClr r="0" g="0" b="0"/>
-        </a:lnRef>
-        <a:fillRef idx="3">
-          <a:scrgbClr r="0" g="0" b="0"/>
-        </a:fillRef>
-        <a:effectRef idx="3">
-          <a:scrgbClr r="0" g="0" b="0"/>
-        </a:effectRef>
-        <a:fontRef idx="minor">
-          <a:schemeClr val="lt1"/>
-        </a:fontRef>
-      </dsp:style>
-      <dsp:txBody>
-        <a:bodyPr spcFirstLastPara="0" vert="horz" wrap="square" lIns="8255" tIns="8255" rIns="8255" bIns="8255" numCol="1" spcCol="1270" anchor="ctr" anchorCtr="0">
-          <a:noAutofit/>
-        </a:bodyPr>
-        <a:lstStyle/>
-        <a:p>
-          <a:pPr lvl="0" algn="ctr" defTabSz="577850" rtl="0">
-            <a:lnSpc>
-              <a:spcPct val="90000"/>
-            </a:lnSpc>
-            <a:spcBef>
-              <a:spcPct val="0"/>
-            </a:spcBef>
-            <a:spcAft>
-              <a:spcPct val="35000"/>
-            </a:spcAft>
-          </a:pPr>
-          <a:r>
-            <a:rPr lang="es-AR" sz="1300" kern="1200" dirty="0" smtClean="0"/>
-            <a:t>Módulo BMS (MBMS)</a:t>
-          </a:r>
-          <a:endParaRPr lang="es-AR" sz="1300" kern="1200" dirty="0"/>
-        </a:p>
-      </dsp:txBody>
-      <dsp:txXfrm>
-        <a:off x="5053525" y="1828858"/>
-        <a:ext cx="1929018" cy="365007"/>
-      </dsp:txXfrm>
-    </dsp:sp>
-    <dsp:sp modelId="{2D1E106C-69FA-4FAA-8686-2D2CF4941DFB}">
-      <dsp:nvSpPr>
-        <dsp:cNvPr id="0" name=""/>
-        <dsp:cNvSpPr/>
-      </dsp:nvSpPr>
-      <dsp:spPr>
-        <a:xfrm>
-          <a:off x="2961252" y="2816546"/>
-          <a:ext cx="1197226" cy="670961"/>
-        </a:xfrm>
-        <a:prstGeom prst="rect">
-          <a:avLst/>
-        </a:prstGeom>
-        <a:solidFill>
-          <a:schemeClr val="bg1">
-            <a:lumMod val="65000"/>
-          </a:schemeClr>
-        </a:solidFill>
-        <a:ln>
-          <a:solidFill>
-            <a:schemeClr val="bg1">
-              <a:lumMod val="65000"/>
-            </a:schemeClr>
-          </a:solidFill>
-        </a:ln>
-        <a:effectLst>
-          <a:outerShdw blurRad="76200" dist="25400" dir="5400000" algn="ctr" rotWithShape="0">
-            <a:srgbClr val="000000">
-              <a:alpha val="60000"/>
-            </a:srgbClr>
-          </a:outerShdw>
-        </a:effectLst>
-        <a:scene3d>
-          <a:camera prst="orthographicFront">
-            <a:rot lat="0" lon="0" rev="0"/>
-          </a:camera>
-          <a:lightRig rig="flat" dir="t">
-            <a:rot lat="0" lon="0" rev="3600000"/>
-          </a:lightRig>
-        </a:scene3d>
-        <a:sp3d contourW="12700" prstMaterial="flat">
-          <a:bevelT w="38100" h="44450" prst="angle"/>
-          <a:contourClr>
-            <a:schemeClr val="accent1">
-              <a:hueOff val="0"/>
-              <a:satOff val="0"/>
-              <a:lumOff val="0"/>
-              <a:alphaOff val="0"/>
-              <a:shade val="35000"/>
-              <a:satMod val="160000"/>
-            </a:schemeClr>
-          </a:contourClr>
-        </a:sp3d>
-      </dsp:spPr>
-      <dsp:style>
-        <a:lnRef idx="0">
-          <a:scrgbClr r="0" g="0" b="0"/>
-        </a:lnRef>
-        <a:fillRef idx="3">
-          <a:scrgbClr r="0" g="0" b="0"/>
-        </a:fillRef>
-        <a:effectRef idx="3">
-          <a:scrgbClr r="0" g="0" b="0"/>
-        </a:effectRef>
-        <a:fontRef idx="minor">
-          <a:schemeClr val="lt1"/>
-        </a:fontRef>
-      </dsp:style>
-      <dsp:txBody>
-        <a:bodyPr spcFirstLastPara="0" vert="horz" wrap="square" lIns="10160" tIns="10160" rIns="10160" bIns="10160" numCol="1" spcCol="1270" anchor="ctr" anchorCtr="0">
-          <a:noAutofit/>
-        </a:bodyPr>
-        <a:lstStyle/>
-        <a:p>
-          <a:pPr lvl="0" algn="ctr" defTabSz="711200" rtl="0">
-            <a:lnSpc>
-              <a:spcPct val="90000"/>
-            </a:lnSpc>
-            <a:spcBef>
-              <a:spcPct val="0"/>
-            </a:spcBef>
-            <a:spcAft>
-              <a:spcPct val="35000"/>
-            </a:spcAft>
-          </a:pPr>
-          <a:r>
-            <a:rPr lang="es-ES" sz="1600" kern="1200" dirty="0" smtClean="0"/>
-            <a:t>Sistema de Controles</a:t>
-          </a:r>
-          <a:endParaRPr lang="es-AR" sz="1600" kern="1200" dirty="0"/>
-        </a:p>
-      </dsp:txBody>
-      <dsp:txXfrm>
-        <a:off x="2961252" y="2816546"/>
-        <a:ext cx="1197226" cy="670961"/>
-      </dsp:txXfrm>
-    </dsp:sp>
-    <dsp:sp modelId="{90A0510B-B626-4FF3-A730-6452E872585C}">
-      <dsp:nvSpPr>
-        <dsp:cNvPr id="0" name=""/>
-        <dsp:cNvSpPr/>
-      </dsp:nvSpPr>
-      <dsp:spPr>
-        <a:xfrm>
-          <a:off x="5053525" y="2285118"/>
-          <a:ext cx="1943098" cy="365007"/>
-        </a:xfrm>
-        <a:prstGeom prst="rect">
-          <a:avLst/>
-        </a:prstGeom>
-        <a:solidFill>
-          <a:srgbClr val="92D050"/>
-        </a:solidFill>
-        <a:ln>
-          <a:solidFill>
-            <a:srgbClr val="92D050"/>
-          </a:solidFill>
-        </a:ln>
-        <a:effectLst>
-          <a:outerShdw blurRad="76200" dist="25400" dir="5400000" algn="ctr" rotWithShape="0">
-            <a:srgbClr val="000000">
-              <a:alpha val="60000"/>
-            </a:srgbClr>
-          </a:outerShdw>
-        </a:effectLst>
-        <a:scene3d>
-          <a:camera prst="orthographicFront">
-            <a:rot lat="0" lon="0" rev="0"/>
-          </a:camera>
-          <a:lightRig rig="flat" dir="t">
-            <a:rot lat="0" lon="0" rev="3600000"/>
-          </a:lightRig>
-        </a:scene3d>
-        <a:sp3d contourW="12700" prstMaterial="flat">
-          <a:bevelT w="38100" h="44450" prst="angle"/>
-          <a:contourClr>
-            <a:schemeClr val="accent1">
-              <a:hueOff val="0"/>
-              <a:satOff val="0"/>
-              <a:lumOff val="0"/>
-              <a:alphaOff val="0"/>
-              <a:shade val="35000"/>
-              <a:satMod val="160000"/>
-            </a:schemeClr>
-          </a:contourClr>
-        </a:sp3d>
-      </dsp:spPr>
-      <dsp:style>
-        <a:lnRef idx="0">
-          <a:scrgbClr r="0" g="0" b="0"/>
-        </a:lnRef>
-        <a:fillRef idx="3">
-          <a:scrgbClr r="0" g="0" b="0"/>
-        </a:fillRef>
-        <a:effectRef idx="3">
-          <a:scrgbClr r="0" g="0" b="0"/>
-        </a:effectRef>
-        <a:fontRef idx="minor">
-          <a:schemeClr val="lt1"/>
-        </a:fontRef>
-      </dsp:style>
-      <dsp:txBody>
-        <a:bodyPr spcFirstLastPara="0" vert="horz" wrap="square" lIns="8255" tIns="8255" rIns="8255" bIns="8255" numCol="1" spcCol="1270" anchor="ctr" anchorCtr="0">
-          <a:noAutofit/>
-        </a:bodyPr>
-        <a:lstStyle/>
-        <a:p>
-          <a:pPr lvl="0" algn="ctr" defTabSz="577850" rtl="0">
-            <a:lnSpc>
-              <a:spcPct val="90000"/>
-            </a:lnSpc>
-            <a:spcBef>
-              <a:spcPct val="0"/>
-            </a:spcBef>
-            <a:spcAft>
-              <a:spcPct val="35000"/>
-            </a:spcAft>
-          </a:pPr>
-          <a:r>
-            <a:rPr lang="es-ES" sz="1300" kern="1200" dirty="0" smtClean="0"/>
-            <a:t>Módulo Accesos (MACC)</a:t>
-          </a:r>
-          <a:endParaRPr lang="es-AR" sz="1300" kern="1200" dirty="0"/>
-        </a:p>
-      </dsp:txBody>
-      <dsp:txXfrm>
-        <a:off x="5053525" y="2285118"/>
-        <a:ext cx="1943098" cy="365007"/>
-      </dsp:txXfrm>
-    </dsp:sp>
-    <dsp:sp modelId="{35F98768-5EAF-4931-B912-5733147503A8}">
-      <dsp:nvSpPr>
-        <dsp:cNvPr id="0" name=""/>
-        <dsp:cNvSpPr/>
-      </dsp:nvSpPr>
-      <dsp:spPr>
-        <a:xfrm>
-          <a:off x="5053525" y="2741378"/>
-          <a:ext cx="1929006" cy="365007"/>
-        </a:xfrm>
-        <a:prstGeom prst="rect">
-          <a:avLst/>
-        </a:prstGeom>
-        <a:solidFill>
-          <a:srgbClr val="92D050"/>
-        </a:solidFill>
-        <a:ln>
-          <a:solidFill>
-            <a:srgbClr val="92D050"/>
-          </a:solidFill>
-        </a:ln>
-        <a:effectLst>
-          <a:outerShdw blurRad="76200" dist="25400" dir="5400000" algn="ctr" rotWithShape="0">
-            <a:srgbClr val="000000">
-              <a:alpha val="60000"/>
-            </a:srgbClr>
-          </a:outerShdw>
-        </a:effectLst>
-        <a:scene3d>
-          <a:camera prst="orthographicFront">
-            <a:rot lat="0" lon="0" rev="0"/>
-          </a:camera>
-          <a:lightRig rig="flat" dir="t">
-            <a:rot lat="0" lon="0" rev="3600000"/>
-          </a:lightRig>
-        </a:scene3d>
-        <a:sp3d contourW="12700" prstMaterial="flat">
-          <a:bevelT w="38100" h="44450" prst="angle"/>
-          <a:contourClr>
-            <a:schemeClr val="accent1">
-              <a:hueOff val="0"/>
-              <a:satOff val="0"/>
-              <a:lumOff val="0"/>
-              <a:alphaOff val="0"/>
-              <a:shade val="35000"/>
-              <a:satMod val="160000"/>
-            </a:schemeClr>
-          </a:contourClr>
-        </a:sp3d>
-      </dsp:spPr>
-      <dsp:style>
-        <a:lnRef idx="0">
-          <a:scrgbClr r="0" g="0" b="0"/>
-        </a:lnRef>
-        <a:fillRef idx="3">
-          <a:scrgbClr r="0" g="0" b="0"/>
-        </a:fillRef>
-        <a:effectRef idx="3">
-          <a:scrgbClr r="0" g="0" b="0"/>
-        </a:effectRef>
-        <a:fontRef idx="minor">
-          <a:schemeClr val="lt1"/>
-        </a:fontRef>
-      </dsp:style>
-      <dsp:txBody>
-        <a:bodyPr spcFirstLastPara="0" vert="horz" wrap="square" lIns="8255" tIns="8255" rIns="8255" bIns="8255" numCol="1" spcCol="1270" anchor="ctr" anchorCtr="0">
-          <a:noAutofit/>
-        </a:bodyPr>
-        <a:lstStyle/>
-        <a:p>
-          <a:pPr lvl="0" algn="ctr" defTabSz="577850" rtl="0">
-            <a:lnSpc>
-              <a:spcPct val="90000"/>
-            </a:lnSpc>
-            <a:spcBef>
-              <a:spcPct val="0"/>
-            </a:spcBef>
-            <a:spcAft>
-              <a:spcPct val="35000"/>
-            </a:spcAft>
-          </a:pPr>
-          <a:r>
-            <a:rPr lang="es-ES" sz="1300" kern="1200" dirty="0" smtClean="0"/>
-            <a:t>Módulo Intrusión (MINT)</a:t>
-          </a:r>
-          <a:endParaRPr lang="es-AR" sz="1300" kern="1200" dirty="0"/>
-        </a:p>
-      </dsp:txBody>
-      <dsp:txXfrm>
-        <a:off x="5053525" y="2741378"/>
-        <a:ext cx="1929006" cy="365007"/>
-      </dsp:txXfrm>
-    </dsp:sp>
-    <dsp:sp modelId="{C575EC80-B2D6-4BD6-8F0F-9E88607A0B05}">
-      <dsp:nvSpPr>
-        <dsp:cNvPr id="0" name=""/>
-        <dsp:cNvSpPr/>
-      </dsp:nvSpPr>
-      <dsp:spPr>
-        <a:xfrm>
-          <a:off x="5053525" y="3197638"/>
-          <a:ext cx="1943098" cy="365007"/>
-        </a:xfrm>
-        <a:prstGeom prst="rect">
-          <a:avLst/>
-        </a:prstGeom>
-        <a:solidFill>
-          <a:srgbClr val="92D050"/>
-        </a:solidFill>
-        <a:ln>
-          <a:solidFill>
-            <a:srgbClr val="92D050"/>
-          </a:solidFill>
-        </a:ln>
-        <a:effectLst>
-          <a:outerShdw blurRad="76200" dist="25400" dir="5400000" algn="ctr" rotWithShape="0">
-            <a:srgbClr val="000000">
-              <a:alpha val="60000"/>
-            </a:srgbClr>
-          </a:outerShdw>
-        </a:effectLst>
-        <a:scene3d>
-          <a:camera prst="orthographicFront">
-            <a:rot lat="0" lon="0" rev="0"/>
-          </a:camera>
-          <a:lightRig rig="flat" dir="t">
-            <a:rot lat="0" lon="0" rev="3600000"/>
-          </a:lightRig>
-        </a:scene3d>
-        <a:sp3d contourW="12700" prstMaterial="flat">
-          <a:bevelT w="38100" h="44450" prst="angle"/>
-          <a:contourClr>
-            <a:schemeClr val="accent1">
-              <a:hueOff val="0"/>
-              <a:satOff val="0"/>
-              <a:lumOff val="0"/>
-              <a:alphaOff val="0"/>
-              <a:shade val="35000"/>
-              <a:satMod val="160000"/>
-            </a:schemeClr>
-          </a:contourClr>
-        </a:sp3d>
-      </dsp:spPr>
-      <dsp:style>
-        <a:lnRef idx="0">
-          <a:scrgbClr r="0" g="0" b="0"/>
-        </a:lnRef>
-        <a:fillRef idx="3">
-          <a:scrgbClr r="0" g="0" b="0"/>
-        </a:fillRef>
-        <a:effectRef idx="3">
-          <a:scrgbClr r="0" g="0" b="0"/>
-        </a:effectRef>
-        <a:fontRef idx="minor">
-          <a:schemeClr val="lt1"/>
-        </a:fontRef>
-      </dsp:style>
-      <dsp:txBody>
-        <a:bodyPr spcFirstLastPara="0" vert="horz" wrap="square" lIns="8255" tIns="8255" rIns="8255" bIns="8255" numCol="1" spcCol="1270" anchor="ctr" anchorCtr="0">
-          <a:noAutofit/>
-        </a:bodyPr>
-        <a:lstStyle/>
-        <a:p>
-          <a:pPr lvl="0" algn="ctr" defTabSz="577850" rtl="0">
-            <a:lnSpc>
-              <a:spcPct val="90000"/>
-            </a:lnSpc>
-            <a:spcBef>
-              <a:spcPct val="0"/>
-            </a:spcBef>
-            <a:spcAft>
-              <a:spcPct val="35000"/>
-            </a:spcAft>
-          </a:pPr>
-          <a:r>
-            <a:rPr lang="es-ES" sz="1300" kern="1200" dirty="0" smtClean="0"/>
-            <a:t>Módulo Incendios (MINC)</a:t>
-          </a:r>
-          <a:endParaRPr lang="es-AR" sz="1300" kern="1200" dirty="0"/>
-        </a:p>
-      </dsp:txBody>
-      <dsp:txXfrm>
-        <a:off x="5053525" y="3197638"/>
-        <a:ext cx="1943098" cy="365007"/>
-      </dsp:txXfrm>
-    </dsp:sp>
-    <dsp:sp modelId="{A436B0A2-D2C3-4C2C-8F04-9C01F40236AC}">
-      <dsp:nvSpPr>
-        <dsp:cNvPr id="0" name=""/>
-        <dsp:cNvSpPr/>
-      </dsp:nvSpPr>
-      <dsp:spPr>
-        <a:xfrm>
-          <a:off x="5053525" y="3653898"/>
-          <a:ext cx="1968323" cy="365007"/>
-        </a:xfrm>
-        <a:prstGeom prst="rect">
-          <a:avLst/>
-        </a:prstGeom>
-        <a:solidFill>
-          <a:srgbClr val="92D050"/>
-        </a:solidFill>
-        <a:ln>
-          <a:solidFill>
-            <a:srgbClr val="92D050"/>
-          </a:solidFill>
-        </a:ln>
-        <a:effectLst>
-          <a:outerShdw blurRad="76200" dist="25400" dir="5400000" algn="ctr" rotWithShape="0">
-            <a:srgbClr val="000000">
-              <a:alpha val="60000"/>
-            </a:srgbClr>
-          </a:outerShdw>
-        </a:effectLst>
-        <a:scene3d>
-          <a:camera prst="orthographicFront">
-            <a:rot lat="0" lon="0" rev="0"/>
-          </a:camera>
-          <a:lightRig rig="flat" dir="t">
-            <a:rot lat="0" lon="0" rev="3600000"/>
-          </a:lightRig>
-        </a:scene3d>
-        <a:sp3d contourW="12700" prstMaterial="flat">
-          <a:bevelT w="38100" h="44450" prst="angle"/>
-          <a:contourClr>
-            <a:schemeClr val="accent1">
-              <a:hueOff val="0"/>
-              <a:satOff val="0"/>
-              <a:lumOff val="0"/>
-              <a:alphaOff val="0"/>
-              <a:shade val="35000"/>
-              <a:satMod val="160000"/>
-            </a:schemeClr>
-          </a:contourClr>
-        </a:sp3d>
-      </dsp:spPr>
-      <dsp:style>
-        <a:lnRef idx="0">
-          <a:scrgbClr r="0" g="0" b="0"/>
-        </a:lnRef>
-        <a:fillRef idx="3">
-          <a:scrgbClr r="0" g="0" b="0"/>
-        </a:fillRef>
-        <a:effectRef idx="3">
-          <a:scrgbClr r="0" g="0" b="0"/>
-        </a:effectRef>
-        <a:fontRef idx="minor">
-          <a:schemeClr val="lt1"/>
-        </a:fontRef>
-      </dsp:style>
-      <dsp:txBody>
-        <a:bodyPr spcFirstLastPara="0" vert="horz" wrap="square" lIns="8255" tIns="8255" rIns="8255" bIns="8255" numCol="1" spcCol="1270" anchor="ctr" anchorCtr="0">
-          <a:noAutofit/>
-        </a:bodyPr>
-        <a:lstStyle/>
-        <a:p>
-          <a:pPr lvl="0" algn="ctr" defTabSz="577850" rtl="0">
-            <a:lnSpc>
-              <a:spcPct val="90000"/>
-            </a:lnSpc>
-            <a:spcBef>
-              <a:spcPct val="0"/>
-            </a:spcBef>
-            <a:spcAft>
-              <a:spcPct val="35000"/>
-            </a:spcAft>
-          </a:pPr>
-          <a:r>
-            <a:rPr lang="es-ES" sz="1300" kern="1200" dirty="0" smtClean="0"/>
-            <a:t>Módulo Freático (MF)</a:t>
-          </a:r>
-          <a:endParaRPr lang="es-AR" sz="1300" kern="1200" dirty="0"/>
-        </a:p>
-      </dsp:txBody>
-      <dsp:txXfrm>
-        <a:off x="5053525" y="3653898"/>
-        <a:ext cx="1968323" cy="365007"/>
-      </dsp:txXfrm>
-    </dsp:sp>
   </dsp:spTree>
 </dsp:drawing>
 </file>
@@ -26265,7 +21320,7 @@
             <a:fld id="{3C27F1E9-6E0F-4774-A37A-0117A7759E5C}" type="datetimeFigureOut">
               <a:rPr lang="es-AR" smtClean="0"/>
               <a:pPr/>
-              <a:t>15/03/2016</a:t>
+              <a:t>11/04/2016</a:t>
             </a:fld>
             <a:endParaRPr lang="es-AR"/>
           </a:p>
@@ -26932,7 +21987,7 @@
             <a:fld id="{7E126D87-DDBB-4D58-9F6B-DD663586127E}" type="datetimeFigureOut">
               <a:rPr lang="es-AR" smtClean="0"/>
               <a:pPr/>
-              <a:t>15/03/2016</a:t>
+              <a:t>11/04/2016</a:t>
             </a:fld>
             <a:endParaRPr lang="es-AR"/>
           </a:p>
@@ -27104,7 +22159,7 @@
             <a:fld id="{7E126D87-DDBB-4D58-9F6B-DD663586127E}" type="datetimeFigureOut">
               <a:rPr lang="es-AR" smtClean="0"/>
               <a:pPr/>
-              <a:t>15/03/2016</a:t>
+              <a:t>11/04/2016</a:t>
             </a:fld>
             <a:endParaRPr lang="es-AR"/>
           </a:p>
@@ -27286,7 +22341,7 @@
             <a:fld id="{7E126D87-DDBB-4D58-9F6B-DD663586127E}" type="datetimeFigureOut">
               <a:rPr lang="es-AR" smtClean="0"/>
               <a:pPr/>
-              <a:t>15/03/2016</a:t>
+              <a:t>11/04/2016</a:t>
             </a:fld>
             <a:endParaRPr lang="es-AR"/>
           </a:p>
@@ -27491,7 +22546,7 @@
             <a:fld id="{7E126D87-DDBB-4D58-9F6B-DD663586127E}" type="datetimeFigureOut">
               <a:rPr lang="es-AR" smtClean="0"/>
               <a:pPr/>
-              <a:t>15/03/2016</a:t>
+              <a:t>11/04/2016</a:t>
             </a:fld>
             <a:endParaRPr lang="es-AR"/>
           </a:p>
@@ -27663,7 +22718,7 @@
             <a:fld id="{7E126D87-DDBB-4D58-9F6B-DD663586127E}" type="datetimeFigureOut">
               <a:rPr lang="es-AR" smtClean="0"/>
               <a:pPr/>
-              <a:t>15/03/2016</a:t>
+              <a:t>11/04/2016</a:t>
             </a:fld>
             <a:endParaRPr lang="es-AR"/>
           </a:p>
@@ -27916,7 +22971,7 @@
             <a:fld id="{7E126D87-DDBB-4D58-9F6B-DD663586127E}" type="datetimeFigureOut">
               <a:rPr lang="es-AR" smtClean="0"/>
               <a:pPr/>
-              <a:t>15/03/2016</a:t>
+              <a:t>11/04/2016</a:t>
             </a:fld>
             <a:endParaRPr lang="es-AR"/>
           </a:p>
@@ -28150,7 +23205,7 @@
             <a:fld id="{7E126D87-DDBB-4D58-9F6B-DD663586127E}" type="datetimeFigureOut">
               <a:rPr lang="es-AR" smtClean="0"/>
               <a:pPr/>
-              <a:t>15/03/2016</a:t>
+              <a:t>11/04/2016</a:t>
             </a:fld>
             <a:endParaRPr lang="es-AR"/>
           </a:p>
@@ -28499,7 +23554,7 @@
             <a:fld id="{7E126D87-DDBB-4D58-9F6B-DD663586127E}" type="datetimeFigureOut">
               <a:rPr lang="es-AR" smtClean="0"/>
               <a:pPr/>
-              <a:t>15/03/2016</a:t>
+              <a:t>11/04/2016</a:t>
             </a:fld>
             <a:endParaRPr lang="es-AR"/>
           </a:p>
@@ -28619,7 +23674,7 @@
             <a:fld id="{7E126D87-DDBB-4D58-9F6B-DD663586127E}" type="datetimeFigureOut">
               <a:rPr lang="es-AR" smtClean="0"/>
               <a:pPr/>
-              <a:t>15/03/2016</a:t>
+              <a:t>11/04/2016</a:t>
             </a:fld>
             <a:endParaRPr lang="es-AR"/>
           </a:p>
@@ -28739,7 +23794,7 @@
             <a:fld id="{7E126D87-DDBB-4D58-9F6B-DD663586127E}" type="datetimeFigureOut">
               <a:rPr lang="es-AR" smtClean="0"/>
               <a:pPr/>
-              <a:t>15/03/2016</a:t>
+              <a:t>11/04/2016</a:t>
             </a:fld>
             <a:endParaRPr lang="es-AR"/>
           </a:p>
@@ -29025,7 +24080,7 @@
             <a:fld id="{7E126D87-DDBB-4D58-9F6B-DD663586127E}" type="datetimeFigureOut">
               <a:rPr lang="es-AR" smtClean="0"/>
               <a:pPr/>
-              <a:t>15/03/2016</a:t>
+              <a:t>11/04/2016</a:t>
             </a:fld>
             <a:endParaRPr lang="es-AR"/>
           </a:p>
@@ -29197,7 +24252,7 @@
             <a:fld id="{7E126D87-DDBB-4D58-9F6B-DD663586127E}" type="datetimeFigureOut">
               <a:rPr lang="es-AR" smtClean="0"/>
               <a:pPr/>
-              <a:t>15/03/2016</a:t>
+              <a:t>11/04/2016</a:t>
             </a:fld>
             <a:endParaRPr lang="es-AR"/>
           </a:p>
@@ -29463,7 +24518,7 @@
             <a:fld id="{7E126D87-DDBB-4D58-9F6B-DD663586127E}" type="datetimeFigureOut">
               <a:rPr lang="es-AR" smtClean="0"/>
               <a:pPr/>
-              <a:t>15/03/2016</a:t>
+              <a:t>11/04/2016</a:t>
             </a:fld>
             <a:endParaRPr lang="es-AR"/>
           </a:p>
@@ -29635,7 +24690,7 @@
             <a:fld id="{7E126D87-DDBB-4D58-9F6B-DD663586127E}" type="datetimeFigureOut">
               <a:rPr lang="es-AR" smtClean="0"/>
               <a:pPr/>
-              <a:t>15/03/2016</a:t>
+              <a:t>11/04/2016</a:t>
             </a:fld>
             <a:endParaRPr lang="es-AR"/>
           </a:p>
@@ -29817,7 +24872,7 @@
             <a:fld id="{7E126D87-DDBB-4D58-9F6B-DD663586127E}" type="datetimeFigureOut">
               <a:rPr lang="es-AR" smtClean="0"/>
               <a:pPr/>
-              <a:t>15/03/2016</a:t>
+              <a:t>11/04/2016</a:t>
             </a:fld>
             <a:endParaRPr lang="es-AR"/>
           </a:p>
@@ -30070,7 +25125,7 @@
             <a:fld id="{7E126D87-DDBB-4D58-9F6B-DD663586127E}" type="datetimeFigureOut">
               <a:rPr lang="es-AR" smtClean="0"/>
               <a:pPr/>
-              <a:t>15/03/2016</a:t>
+              <a:t>11/04/2016</a:t>
             </a:fld>
             <a:endParaRPr lang="es-AR"/>
           </a:p>
@@ -30277,7 +25332,7 @@
             <a:fld id="{7E126D87-DDBB-4D58-9F6B-DD663586127E}" type="datetimeFigureOut">
               <a:rPr lang="es-AR" smtClean="0"/>
               <a:pPr/>
-              <a:t>15/03/2016</a:t>
+              <a:t>11/04/2016</a:t>
             </a:fld>
             <a:endParaRPr lang="es-AR"/>
           </a:p>
@@ -30574,7 +25629,7 @@
             <a:fld id="{7E126D87-DDBB-4D58-9F6B-DD663586127E}" type="datetimeFigureOut">
               <a:rPr lang="es-AR" smtClean="0"/>
               <a:pPr/>
-              <a:t>15/03/2016</a:t>
+              <a:t>11/04/2016</a:t>
             </a:fld>
             <a:endParaRPr lang="es-AR"/>
           </a:p>
@@ -30848,7 +25903,7 @@
             <a:fld id="{7E126D87-DDBB-4D58-9F6B-DD663586127E}" type="datetimeFigureOut">
               <a:rPr lang="es-AR" smtClean="0"/>
               <a:pPr/>
-              <a:t>15/03/2016</a:t>
+              <a:t>11/04/2016</a:t>
             </a:fld>
             <a:endParaRPr lang="es-AR"/>
           </a:p>
@@ -31257,7 +26312,7 @@
             <a:fld id="{7E126D87-DDBB-4D58-9F6B-DD663586127E}" type="datetimeFigureOut">
               <a:rPr lang="es-AR" smtClean="0"/>
               <a:pPr/>
-              <a:t>15/03/2016</a:t>
+              <a:t>11/04/2016</a:t>
             </a:fld>
             <a:endParaRPr lang="es-AR"/>
           </a:p>
@@ -31377,7 +26432,7 @@
             <a:fld id="{7E126D87-DDBB-4D58-9F6B-DD663586127E}" type="datetimeFigureOut">
               <a:rPr lang="es-AR" smtClean="0"/>
               <a:pPr/>
-              <a:t>15/03/2016</a:t>
+              <a:t>11/04/2016</a:t>
             </a:fld>
             <a:endParaRPr lang="es-AR"/>
           </a:p>
@@ -31474,7 +26529,7 @@
             <a:fld id="{7E126D87-DDBB-4D58-9F6B-DD663586127E}" type="datetimeFigureOut">
               <a:rPr lang="es-AR" smtClean="0"/>
               <a:pPr/>
-              <a:t>15/03/2016</a:t>
+              <a:t>11/04/2016</a:t>
             </a:fld>
             <a:endParaRPr lang="es-AR"/>
           </a:p>
@@ -31727,7 +26782,7 @@
             <a:fld id="{7E126D87-DDBB-4D58-9F6B-DD663586127E}" type="datetimeFigureOut">
               <a:rPr lang="es-AR" smtClean="0"/>
               <a:pPr/>
-              <a:t>15/03/2016</a:t>
+              <a:t>11/04/2016</a:t>
             </a:fld>
             <a:endParaRPr lang="es-AR"/>
           </a:p>
@@ -32019,7 +27074,7 @@
             <a:fld id="{7E126D87-DDBB-4D58-9F6B-DD663586127E}" type="datetimeFigureOut">
               <a:rPr lang="es-AR" smtClean="0"/>
               <a:pPr/>
-              <a:t>15/03/2016</a:t>
+              <a:t>11/04/2016</a:t>
             </a:fld>
             <a:endParaRPr lang="es-AR"/>
           </a:p>
@@ -32301,7 +27356,7 @@
             <a:fld id="{7E126D87-DDBB-4D58-9F6B-DD663586127E}" type="datetimeFigureOut">
               <a:rPr lang="es-AR" smtClean="0"/>
               <a:pPr/>
-              <a:t>15/03/2016</a:t>
+              <a:t>11/04/2016</a:t>
             </a:fld>
             <a:endParaRPr lang="es-AR"/>
           </a:p>
@@ -32508,7 +27563,7 @@
             <a:fld id="{7E126D87-DDBB-4D58-9F6B-DD663586127E}" type="datetimeFigureOut">
               <a:rPr lang="es-AR" smtClean="0"/>
               <a:pPr/>
-              <a:t>15/03/2016</a:t>
+              <a:t>11/04/2016</a:t>
             </a:fld>
             <a:endParaRPr lang="es-AR"/>
           </a:p>
@@ -32690,7 +27745,7 @@
             <a:fld id="{7E126D87-DDBB-4D58-9F6B-DD663586127E}" type="datetimeFigureOut">
               <a:rPr lang="es-AR" smtClean="0"/>
               <a:pPr/>
-              <a:t>15/03/2016</a:t>
+              <a:t>11/04/2016</a:t>
             </a:fld>
             <a:endParaRPr lang="es-AR"/>
           </a:p>
@@ -32959,7 +28014,7 @@
             <a:fld id="{7E126D87-DDBB-4D58-9F6B-DD663586127E}" type="datetimeFigureOut">
               <a:rPr lang="es-AR" smtClean="0"/>
               <a:pPr/>
-              <a:t>15/03/2016</a:t>
+              <a:t>11/04/2016</a:t>
             </a:fld>
             <a:endParaRPr lang="es-AR"/>
           </a:p>
@@ -33308,7 +28363,7 @@
             <a:fld id="{7E126D87-DDBB-4D58-9F6B-DD663586127E}" type="datetimeFigureOut">
               <a:rPr lang="es-AR" smtClean="0"/>
               <a:pPr/>
-              <a:t>15/03/2016</a:t>
+              <a:t>11/04/2016</a:t>
             </a:fld>
             <a:endParaRPr lang="es-AR"/>
           </a:p>
@@ -33428,7 +28483,7 @@
             <a:fld id="{7E126D87-DDBB-4D58-9F6B-DD663586127E}" type="datetimeFigureOut">
               <a:rPr lang="es-AR" smtClean="0"/>
               <a:pPr/>
-              <a:t>15/03/2016</a:t>
+              <a:t>11/04/2016</a:t>
             </a:fld>
             <a:endParaRPr lang="es-AR"/>
           </a:p>
@@ -33548,7 +28603,7 @@
             <a:fld id="{7E126D87-DDBB-4D58-9F6B-DD663586127E}" type="datetimeFigureOut">
               <a:rPr lang="es-AR" smtClean="0"/>
               <a:pPr/>
-              <a:t>15/03/2016</a:t>
+              <a:t>11/04/2016</a:t>
             </a:fld>
             <a:endParaRPr lang="es-AR"/>
           </a:p>
@@ -33834,7 +28889,7 @@
             <a:fld id="{7E126D87-DDBB-4D58-9F6B-DD663586127E}" type="datetimeFigureOut">
               <a:rPr lang="es-AR" smtClean="0"/>
               <a:pPr/>
-              <a:t>15/03/2016</a:t>
+              <a:t>11/04/2016</a:t>
             </a:fld>
             <a:endParaRPr lang="es-AR"/>
           </a:p>
@@ -34100,7 +29155,7 @@
             <a:fld id="{7E126D87-DDBB-4D58-9F6B-DD663586127E}" type="datetimeFigureOut">
               <a:rPr lang="es-AR" smtClean="0"/>
               <a:pPr/>
-              <a:t>15/03/2016</a:t>
+              <a:t>11/04/2016</a:t>
             </a:fld>
             <a:endParaRPr lang="es-AR"/>
           </a:p>
@@ -34316,7 +29371,7 @@
             <a:fld id="{7E126D87-DDBB-4D58-9F6B-DD663586127E}" type="datetimeFigureOut">
               <a:rPr lang="es-AR" smtClean="0"/>
               <a:pPr/>
-              <a:t>15/03/2016</a:t>
+              <a:t>11/04/2016</a:t>
             </a:fld>
             <a:endParaRPr lang="es-AR"/>
           </a:p>
@@ -34848,7 +29903,7 @@
             <a:fld id="{7E126D87-DDBB-4D58-9F6B-DD663586127E}" type="datetimeFigureOut">
               <a:rPr lang="es-AR" smtClean="0"/>
               <a:pPr/>
-              <a:t>15/03/2016</a:t>
+              <a:t>11/04/2016</a:t>
             </a:fld>
             <a:endParaRPr lang="es-AR"/>
           </a:p>
@@ -35381,7 +30436,7 @@
             <a:fld id="{7E126D87-DDBB-4D58-9F6B-DD663586127E}" type="datetimeFigureOut">
               <a:rPr lang="es-AR" smtClean="0"/>
               <a:pPr/>
-              <a:t>15/03/2016</a:t>
+              <a:t>11/04/2016</a:t>
             </a:fld>
             <a:endParaRPr lang="es-AR"/>
           </a:p>
